--- a/FinalPPT.pptx
+++ b/FinalPPT.pptx
@@ -6,10 +6,10 @@
     <p:sldMasterId id="2147483649" r:id="rId2"/>
   </p:sldMasterIdLst>
   <p:notesMasterIdLst>
-    <p:notesMasterId r:id="rId20"/>
+    <p:notesMasterId r:id="rId22"/>
   </p:notesMasterIdLst>
   <p:handoutMasterIdLst>
-    <p:handoutMasterId r:id="rId21"/>
+    <p:handoutMasterId r:id="rId23"/>
   </p:handoutMasterIdLst>
   <p:sldIdLst>
     <p:sldId id="297" r:id="rId3"/>
@@ -17,18 +17,20 @@
     <p:sldId id="353" r:id="rId5"/>
     <p:sldId id="356" r:id="rId6"/>
     <p:sldId id="350" r:id="rId7"/>
-    <p:sldId id="362" r:id="rId8"/>
-    <p:sldId id="363" r:id="rId9"/>
-    <p:sldId id="349" r:id="rId10"/>
-    <p:sldId id="361" r:id="rId11"/>
-    <p:sldId id="347" r:id="rId12"/>
-    <p:sldId id="357" r:id="rId13"/>
-    <p:sldId id="352" r:id="rId14"/>
-    <p:sldId id="354" r:id="rId15"/>
-    <p:sldId id="355" r:id="rId16"/>
-    <p:sldId id="359" r:id="rId17"/>
-    <p:sldId id="360" r:id="rId18"/>
-    <p:sldId id="358" r:id="rId19"/>
+    <p:sldId id="366" r:id="rId8"/>
+    <p:sldId id="364" r:id="rId9"/>
+    <p:sldId id="365" r:id="rId10"/>
+    <p:sldId id="363" r:id="rId11"/>
+    <p:sldId id="349" r:id="rId12"/>
+    <p:sldId id="361" r:id="rId13"/>
+    <p:sldId id="347" r:id="rId14"/>
+    <p:sldId id="357" r:id="rId15"/>
+    <p:sldId id="352" r:id="rId16"/>
+    <p:sldId id="354" r:id="rId17"/>
+    <p:sldId id="355" r:id="rId18"/>
+    <p:sldId id="359" r:id="rId19"/>
+    <p:sldId id="360" r:id="rId20"/>
+    <p:sldId id="358" r:id="rId21"/>
   </p:sldIdLst>
   <p:sldSz cx="9144000" cy="6858000" type="screen4x3"/>
   <p:notesSz cx="7010400" cy="9296400"/>
@@ -159,7 +161,7 @@
   </p:defaultTextStyle>
   <p:extLst>
     <p:ext uri="{EFAFB233-063F-42B5-8137-9DF3F51BA10A}">
-      <p15:sldGuideLst xmlns:p15="http://schemas.microsoft.com/office/powerpoint/2012/main" xmlns="">
+      <p15:sldGuideLst xmlns="" xmlns:p15="http://schemas.microsoft.com/office/powerpoint/2012/main">
         <p15:guide id="1" orient="horz" pos="2160">
           <p15:clr>
             <a:srgbClr val="A4A3A4"/>
@@ -173,7 +175,7 @@
       </p15:sldGuideLst>
     </p:ext>
     <p:ext uri="{2D200454-40CA-4A62-9FC3-DE9A4176ACB9}">
-      <p15:notesGuideLst xmlns:p15="http://schemas.microsoft.com/office/powerpoint/2012/main" xmlns="">
+      <p15:notesGuideLst xmlns="" xmlns:p15="http://schemas.microsoft.com/office/powerpoint/2012/main">
         <p15:guide id="1" orient="horz" pos="2928">
           <p15:clr>
             <a:srgbClr val="A4A3A4"/>
@@ -2988,7 +2990,7 @@
   <dgm:whole/>
   <dgm:extLst>
     <a:ext uri="{C62137D5-CB1D-491B-B009-E17868A290BF}">
-      <dgm14:recolorImg xmlns:dgm14="http://schemas.microsoft.com/office/drawing/2010/diagram" xmlns="" val="1"/>
+      <dgm14:recolorImg xmlns="" xmlns:dgm14="http://schemas.microsoft.com/office/drawing/2010/diagram" val="1"/>
     </a:ext>
     <a:ext uri="http://schemas.microsoft.com/office/drawing/2008/diagram">
       <dsp:dataModelExt xmlns:dsp="http://schemas.microsoft.com/office/drawing/2008/diagram" xmlns="" relId="rId11" minVer="http://schemas.openxmlformats.org/drawingml/2006/diagram"/>
@@ -7495,14 +7497,14 @@
           <a:effectLst/>
           <a:extLst>
             <a:ext uri="{909E8E84-426E-40DD-AFC4-6F175D3DCCD1}">
-              <a14:hiddenFill xmlns:a14="http://schemas.microsoft.com/office/drawing/2010/main" xmlns="">
+              <a14:hiddenFill xmlns="" xmlns:a14="http://schemas.microsoft.com/office/drawing/2010/main">
                 <a:solidFill>
                   <a:schemeClr val="accent1"/>
                 </a:solidFill>
               </a14:hiddenFill>
             </a:ext>
             <a:ext uri="{91240B29-F687-4F45-9708-019B960494DF}">
-              <a14:hiddenLine xmlns:a14="http://schemas.microsoft.com/office/drawing/2010/main" xmlns="" w="9525">
+              <a14:hiddenLine xmlns="" xmlns:a14="http://schemas.microsoft.com/office/drawing/2010/main" w="9525">
                 <a:solidFill>
                   <a:schemeClr val="tx1"/>
                 </a:solidFill>
@@ -7512,7 +7514,7 @@
               </a14:hiddenLine>
             </a:ext>
             <a:ext uri="{AF507438-7753-43E0-B8FC-AC1667EBCBE1}">
-              <a14:hiddenEffects xmlns:a14="http://schemas.microsoft.com/office/drawing/2010/main" xmlns="">
+              <a14:hiddenEffects xmlns="" xmlns:a14="http://schemas.microsoft.com/office/drawing/2010/main">
                 <a:effectLst>
                   <a:outerShdw dist="35921" dir="2700000" algn="ctr" rotWithShape="0">
                     <a:schemeClr val="bg2"/>
@@ -7566,14 +7568,14 @@
           <a:effectLst/>
           <a:extLst>
             <a:ext uri="{909E8E84-426E-40DD-AFC4-6F175D3DCCD1}">
-              <a14:hiddenFill xmlns:a14="http://schemas.microsoft.com/office/drawing/2010/main" xmlns="">
+              <a14:hiddenFill xmlns="" xmlns:a14="http://schemas.microsoft.com/office/drawing/2010/main">
                 <a:solidFill>
                   <a:schemeClr val="accent1"/>
                 </a:solidFill>
               </a14:hiddenFill>
             </a:ext>
             <a:ext uri="{91240B29-F687-4F45-9708-019B960494DF}">
-              <a14:hiddenLine xmlns:a14="http://schemas.microsoft.com/office/drawing/2010/main" xmlns="" w="9525">
+              <a14:hiddenLine xmlns="" xmlns:a14="http://schemas.microsoft.com/office/drawing/2010/main" w="9525">
                 <a:solidFill>
                   <a:schemeClr val="tx1"/>
                 </a:solidFill>
@@ -7583,7 +7585,7 @@
               </a14:hiddenLine>
             </a:ext>
             <a:ext uri="{AF507438-7753-43E0-B8FC-AC1667EBCBE1}">
-              <a14:hiddenEffects xmlns:a14="http://schemas.microsoft.com/office/drawing/2010/main" xmlns="">
+              <a14:hiddenEffects xmlns="" xmlns:a14="http://schemas.microsoft.com/office/drawing/2010/main">
                 <a:effectLst>
                   <a:outerShdw dist="35921" dir="2700000" algn="ctr" rotWithShape="0">
                     <a:schemeClr val="bg2"/>
@@ -7637,14 +7639,14 @@
           <a:effectLst/>
           <a:extLst>
             <a:ext uri="{909E8E84-426E-40DD-AFC4-6F175D3DCCD1}">
-              <a14:hiddenFill xmlns:a14="http://schemas.microsoft.com/office/drawing/2010/main" xmlns="">
+              <a14:hiddenFill xmlns="" xmlns:a14="http://schemas.microsoft.com/office/drawing/2010/main">
                 <a:solidFill>
                   <a:schemeClr val="accent1"/>
                 </a:solidFill>
               </a14:hiddenFill>
             </a:ext>
             <a:ext uri="{91240B29-F687-4F45-9708-019B960494DF}">
-              <a14:hiddenLine xmlns:a14="http://schemas.microsoft.com/office/drawing/2010/main" xmlns="" w="9525">
+              <a14:hiddenLine xmlns="" xmlns:a14="http://schemas.microsoft.com/office/drawing/2010/main" w="9525">
                 <a:solidFill>
                   <a:schemeClr val="tx1"/>
                 </a:solidFill>
@@ -7654,7 +7656,7 @@
               </a14:hiddenLine>
             </a:ext>
             <a:ext uri="{AF507438-7753-43E0-B8FC-AC1667EBCBE1}">
-              <a14:hiddenEffects xmlns:a14="http://schemas.microsoft.com/office/drawing/2010/main" xmlns="">
+              <a14:hiddenEffects xmlns="" xmlns:a14="http://schemas.microsoft.com/office/drawing/2010/main">
                 <a:effectLst>
                   <a:outerShdw dist="35921" dir="2700000" algn="ctr" rotWithShape="0">
                     <a:schemeClr val="bg2"/>
@@ -7708,14 +7710,14 @@
           <a:effectLst/>
           <a:extLst>
             <a:ext uri="{909E8E84-426E-40DD-AFC4-6F175D3DCCD1}">
-              <a14:hiddenFill xmlns:a14="http://schemas.microsoft.com/office/drawing/2010/main" xmlns="">
+              <a14:hiddenFill xmlns="" xmlns:a14="http://schemas.microsoft.com/office/drawing/2010/main">
                 <a:solidFill>
                   <a:schemeClr val="accent1"/>
                 </a:solidFill>
               </a14:hiddenFill>
             </a:ext>
             <a:ext uri="{91240B29-F687-4F45-9708-019B960494DF}">
-              <a14:hiddenLine xmlns:a14="http://schemas.microsoft.com/office/drawing/2010/main" xmlns="" w="9525">
+              <a14:hiddenLine xmlns="" xmlns:a14="http://schemas.microsoft.com/office/drawing/2010/main" w="9525">
                 <a:solidFill>
                   <a:schemeClr val="tx1"/>
                 </a:solidFill>
@@ -7725,7 +7727,7 @@
               </a14:hiddenLine>
             </a:ext>
             <a:ext uri="{AF507438-7753-43E0-B8FC-AC1667EBCBE1}">
-              <a14:hiddenEffects xmlns:a14="http://schemas.microsoft.com/office/drawing/2010/main" xmlns="">
+              <a14:hiddenEffects xmlns="" xmlns:a14="http://schemas.microsoft.com/office/drawing/2010/main">
                 <a:effectLst>
                   <a:outerShdw dist="35921" dir="2700000" algn="ctr" rotWithShape="0">
                     <a:schemeClr val="bg2"/>
@@ -7762,7 +7764,7 @@
     </p:spTree>
     <p:extLst>
       <p:ext uri="{BB962C8B-B14F-4D97-AF65-F5344CB8AC3E}">
-        <p14:creationId xmlns:p14="http://schemas.microsoft.com/office/powerpoint/2010/main" xmlns="" val="3979472258"/>
+        <p14:creationId xmlns="" xmlns:p14="http://schemas.microsoft.com/office/powerpoint/2010/main" val="3979472258"/>
       </p:ext>
     </p:extLst>
   </p:cSld>
@@ -7820,14 +7822,14 @@
           <a:effectLst/>
           <a:extLst>
             <a:ext uri="{909E8E84-426E-40DD-AFC4-6F175D3DCCD1}">
-              <a14:hiddenFill xmlns:a14="http://schemas.microsoft.com/office/drawing/2010/main" xmlns="">
+              <a14:hiddenFill xmlns="" xmlns:a14="http://schemas.microsoft.com/office/drawing/2010/main">
                 <a:solidFill>
                   <a:schemeClr val="accent1"/>
                 </a:solidFill>
               </a14:hiddenFill>
             </a:ext>
             <a:ext uri="{91240B29-F687-4F45-9708-019B960494DF}">
-              <a14:hiddenLine xmlns:a14="http://schemas.microsoft.com/office/drawing/2010/main" xmlns="" w="9525">
+              <a14:hiddenLine xmlns="" xmlns:a14="http://schemas.microsoft.com/office/drawing/2010/main" w="9525">
                 <a:solidFill>
                   <a:schemeClr val="tx1"/>
                 </a:solidFill>
@@ -7837,7 +7839,7 @@
               </a14:hiddenLine>
             </a:ext>
             <a:ext uri="{AF507438-7753-43E0-B8FC-AC1667EBCBE1}">
-              <a14:hiddenEffects xmlns:a14="http://schemas.microsoft.com/office/drawing/2010/main" xmlns="">
+              <a14:hiddenEffects xmlns="" xmlns:a14="http://schemas.microsoft.com/office/drawing/2010/main">
                 <a:effectLst>
                   <a:outerShdw dist="35921" dir="2700000" algn="ctr" rotWithShape="0">
                     <a:schemeClr val="bg2"/>
@@ -7891,14 +7893,14 @@
           <a:effectLst/>
           <a:extLst>
             <a:ext uri="{909E8E84-426E-40DD-AFC4-6F175D3DCCD1}">
-              <a14:hiddenFill xmlns:a14="http://schemas.microsoft.com/office/drawing/2010/main" xmlns="">
+              <a14:hiddenFill xmlns="" xmlns:a14="http://schemas.microsoft.com/office/drawing/2010/main">
                 <a:solidFill>
                   <a:schemeClr val="accent1"/>
                 </a:solidFill>
               </a14:hiddenFill>
             </a:ext>
             <a:ext uri="{91240B29-F687-4F45-9708-019B960494DF}">
-              <a14:hiddenLine xmlns:a14="http://schemas.microsoft.com/office/drawing/2010/main" xmlns="" w="9525">
+              <a14:hiddenLine xmlns="" xmlns:a14="http://schemas.microsoft.com/office/drawing/2010/main" w="9525">
                 <a:solidFill>
                   <a:schemeClr val="tx1"/>
                 </a:solidFill>
@@ -7908,7 +7910,7 @@
               </a14:hiddenLine>
             </a:ext>
             <a:ext uri="{AF507438-7753-43E0-B8FC-AC1667EBCBE1}">
-              <a14:hiddenEffects xmlns:a14="http://schemas.microsoft.com/office/drawing/2010/main" xmlns="">
+              <a14:hiddenEffects xmlns="" xmlns:a14="http://schemas.microsoft.com/office/drawing/2010/main">
                 <a:effectLst>
                   <a:outerShdw dist="35921" dir="2700000" algn="ctr" rotWithShape="0">
                     <a:schemeClr val="bg2"/>
@@ -7967,7 +7969,7 @@
           <a:effectLst/>
           <a:extLst>
             <a:ext uri="{AF507438-7753-43E0-B8FC-AC1667EBCBE1}">
-              <a14:hiddenEffects xmlns:a14="http://schemas.microsoft.com/office/drawing/2010/main" xmlns="">
+              <a14:hiddenEffects xmlns="" xmlns:a14="http://schemas.microsoft.com/office/drawing/2010/main">
                 <a:effectLst>
                   <a:outerShdw dist="35921" dir="2700000" algn="ctr" rotWithShape="0">
                     <a:srgbClr val="808080"/>
@@ -7976,7 +7978,7 @@
               </a14:hiddenEffects>
             </a:ext>
             <a:ext uri="{53640926-AAD7-44D8-BBD7-CCE9431645EC}">
-              <a14:shadowObscured xmlns:a14="http://schemas.microsoft.com/office/drawing/2010/main" xmlns="" val="1"/>
+              <a14:shadowObscured xmlns="" xmlns:a14="http://schemas.microsoft.com/office/drawing/2010/main" val="1"/>
             </a:ext>
           </a:extLst>
         </p:spPr>
@@ -8006,14 +8008,14 @@
           <a:effectLst/>
           <a:extLst>
             <a:ext uri="{909E8E84-426E-40DD-AFC4-6F175D3DCCD1}">
-              <a14:hiddenFill xmlns:a14="http://schemas.microsoft.com/office/drawing/2010/main" xmlns="">
+              <a14:hiddenFill xmlns="" xmlns:a14="http://schemas.microsoft.com/office/drawing/2010/main">
                 <a:solidFill>
                   <a:schemeClr val="accent1"/>
                 </a:solidFill>
               </a14:hiddenFill>
             </a:ext>
             <a:ext uri="{91240B29-F687-4F45-9708-019B960494DF}">
-              <a14:hiddenLine xmlns:a14="http://schemas.microsoft.com/office/drawing/2010/main" xmlns="" w="9525">
+              <a14:hiddenLine xmlns="" xmlns:a14="http://schemas.microsoft.com/office/drawing/2010/main" w="9525">
                 <a:solidFill>
                   <a:schemeClr val="tx1"/>
                 </a:solidFill>
@@ -8023,7 +8025,7 @@
               </a14:hiddenLine>
             </a:ext>
             <a:ext uri="{AF507438-7753-43E0-B8FC-AC1667EBCBE1}">
-              <a14:hiddenEffects xmlns:a14="http://schemas.microsoft.com/office/drawing/2010/main" xmlns="">
+              <a14:hiddenEffects xmlns="" xmlns:a14="http://schemas.microsoft.com/office/drawing/2010/main">
                 <a:effectLst>
                   <a:outerShdw dist="35921" dir="2700000" algn="ctr" rotWithShape="0">
                     <a:schemeClr val="bg2"/>
@@ -8102,14 +8104,14 @@
           <a:effectLst/>
           <a:extLst>
             <a:ext uri="{909E8E84-426E-40DD-AFC4-6F175D3DCCD1}">
-              <a14:hiddenFill xmlns:a14="http://schemas.microsoft.com/office/drawing/2010/main" xmlns="">
+              <a14:hiddenFill xmlns="" xmlns:a14="http://schemas.microsoft.com/office/drawing/2010/main">
                 <a:solidFill>
                   <a:schemeClr val="accent1"/>
                 </a:solidFill>
               </a14:hiddenFill>
             </a:ext>
             <a:ext uri="{91240B29-F687-4F45-9708-019B960494DF}">
-              <a14:hiddenLine xmlns:a14="http://schemas.microsoft.com/office/drawing/2010/main" xmlns="" w="9525">
+              <a14:hiddenLine xmlns="" xmlns:a14="http://schemas.microsoft.com/office/drawing/2010/main" w="9525">
                 <a:solidFill>
                   <a:schemeClr val="tx1"/>
                 </a:solidFill>
@@ -8119,7 +8121,7 @@
               </a14:hiddenLine>
             </a:ext>
             <a:ext uri="{AF507438-7753-43E0-B8FC-AC1667EBCBE1}">
-              <a14:hiddenEffects xmlns:a14="http://schemas.microsoft.com/office/drawing/2010/main" xmlns="">
+              <a14:hiddenEffects xmlns="" xmlns:a14="http://schemas.microsoft.com/office/drawing/2010/main">
                 <a:effectLst>
                   <a:outerShdw dist="35921" dir="2700000" algn="ctr" rotWithShape="0">
                     <a:schemeClr val="bg2"/>
@@ -8173,14 +8175,14 @@
           <a:effectLst/>
           <a:extLst>
             <a:ext uri="{909E8E84-426E-40DD-AFC4-6F175D3DCCD1}">
-              <a14:hiddenFill xmlns:a14="http://schemas.microsoft.com/office/drawing/2010/main" xmlns="">
+              <a14:hiddenFill xmlns="" xmlns:a14="http://schemas.microsoft.com/office/drawing/2010/main">
                 <a:solidFill>
                   <a:schemeClr val="accent1"/>
                 </a:solidFill>
               </a14:hiddenFill>
             </a:ext>
             <a:ext uri="{91240B29-F687-4F45-9708-019B960494DF}">
-              <a14:hiddenLine xmlns:a14="http://schemas.microsoft.com/office/drawing/2010/main" xmlns="" w="9525">
+              <a14:hiddenLine xmlns="" xmlns:a14="http://schemas.microsoft.com/office/drawing/2010/main" w="9525">
                 <a:solidFill>
                   <a:schemeClr val="tx1"/>
                 </a:solidFill>
@@ -8190,7 +8192,7 @@
               </a14:hiddenLine>
             </a:ext>
             <a:ext uri="{AF507438-7753-43E0-B8FC-AC1667EBCBE1}">
-              <a14:hiddenEffects xmlns:a14="http://schemas.microsoft.com/office/drawing/2010/main" xmlns="">
+              <a14:hiddenEffects xmlns="" xmlns:a14="http://schemas.microsoft.com/office/drawing/2010/main">
                 <a:effectLst>
                   <a:outerShdw dist="35921" dir="2700000" algn="ctr" rotWithShape="0">
                     <a:schemeClr val="bg2"/>
@@ -8227,7 +8229,7 @@
     </p:spTree>
     <p:extLst>
       <p:ext uri="{BB962C8B-B14F-4D97-AF65-F5344CB8AC3E}">
-        <p14:creationId xmlns:p14="http://schemas.microsoft.com/office/powerpoint/2010/main" xmlns="" val="2279949868"/>
+        <p14:creationId xmlns="" xmlns:p14="http://schemas.microsoft.com/office/powerpoint/2010/main" val="2279949868"/>
       </p:ext>
     </p:extLst>
   </p:cSld>
@@ -8436,7 +8438,7 @@
     </p:spTree>
     <p:extLst>
       <p:ext uri="{BB962C8B-B14F-4D97-AF65-F5344CB8AC3E}">
-        <p14:creationId xmlns:p14="http://schemas.microsoft.com/office/powerpoint/2010/main" xmlns="" val="3960373828"/>
+        <p14:creationId xmlns="" xmlns:p14="http://schemas.microsoft.com/office/powerpoint/2010/main" val="3960373828"/>
       </p:ext>
     </p:extLst>
   </p:cSld>
@@ -8525,7 +8527,7 @@
     </p:spTree>
     <p:extLst>
       <p:ext uri="{BB962C8B-B14F-4D97-AF65-F5344CB8AC3E}">
-        <p14:creationId xmlns:p14="http://schemas.microsoft.com/office/powerpoint/2010/main" xmlns="" val="3744816936"/>
+        <p14:creationId xmlns="" xmlns:p14="http://schemas.microsoft.com/office/powerpoint/2010/main" val="3744816936"/>
       </p:ext>
     </p:extLst>
   </p:cSld>
@@ -8614,7 +8616,7 @@
     </p:spTree>
     <p:extLst>
       <p:ext uri="{BB962C8B-B14F-4D97-AF65-F5344CB8AC3E}">
-        <p14:creationId xmlns:p14="http://schemas.microsoft.com/office/powerpoint/2010/main" xmlns="" val="2390727992"/>
+        <p14:creationId xmlns="" xmlns:p14="http://schemas.microsoft.com/office/powerpoint/2010/main" val="2390727992"/>
       </p:ext>
     </p:extLst>
   </p:cSld>
@@ -8661,7 +8663,7 @@
             <a:fld id="{43FC7A04-5784-4189-A087-FA4CFD114F97}" type="slidenum">
               <a:rPr lang="en-US" altLang="en-US"/>
               <a:pPr/>
-              <a:t>8</a:t>
+              <a:t>10</a:t>
             </a:fld>
             <a:endParaRPr lang="en-US" altLang="en-US"/>
           </a:p>
@@ -8703,7 +8705,7 @@
     </p:spTree>
     <p:extLst>
       <p:ext uri="{BB962C8B-B14F-4D97-AF65-F5344CB8AC3E}">
-        <p14:creationId xmlns:p14="http://schemas.microsoft.com/office/powerpoint/2010/main" xmlns="" val="1157916371"/>
+        <p14:creationId xmlns="" xmlns:p14="http://schemas.microsoft.com/office/powerpoint/2010/main" val="1157916371"/>
       </p:ext>
     </p:extLst>
   </p:cSld>
@@ -8750,7 +8752,7 @@
             <a:fld id="{43FC7A04-5784-4189-A087-FA4CFD114F97}" type="slidenum">
               <a:rPr lang="en-US" altLang="en-US"/>
               <a:pPr/>
-              <a:t>10</a:t>
+              <a:t>12</a:t>
             </a:fld>
             <a:endParaRPr lang="en-US" altLang="en-US"/>
           </a:p>
@@ -8792,7 +8794,7 @@
     </p:spTree>
     <p:extLst>
       <p:ext uri="{BB962C8B-B14F-4D97-AF65-F5344CB8AC3E}">
-        <p14:creationId xmlns:p14="http://schemas.microsoft.com/office/powerpoint/2010/main" xmlns="" val="2426773524"/>
+        <p14:creationId xmlns="" xmlns:p14="http://schemas.microsoft.com/office/powerpoint/2010/main" val="2426773524"/>
       </p:ext>
     </p:extLst>
   </p:cSld>
@@ -8839,7 +8841,7 @@
             <a:fld id="{43FC7A04-5784-4189-A087-FA4CFD114F97}" type="slidenum">
               <a:rPr lang="en-US" altLang="en-US"/>
               <a:pPr/>
-              <a:t>12</a:t>
+              <a:t>14</a:t>
             </a:fld>
             <a:endParaRPr lang="en-US" altLang="en-US"/>
           </a:p>
@@ -8881,7 +8883,7 @@
     </p:spTree>
     <p:extLst>
       <p:ext uri="{BB962C8B-B14F-4D97-AF65-F5344CB8AC3E}">
-        <p14:creationId xmlns:p14="http://schemas.microsoft.com/office/powerpoint/2010/main" xmlns="" val="695519860"/>
+        <p14:creationId xmlns="" xmlns:p14="http://schemas.microsoft.com/office/powerpoint/2010/main" val="695519860"/>
       </p:ext>
     </p:extLst>
   </p:cSld>
@@ -8928,7 +8930,7 @@
           <a:blip r:embed="rId2" cstate="print">
             <a:extLst>
               <a:ext uri="{28A0092B-C50C-407E-A947-70E740481C1C}">
-                <a14:useLocalDpi xmlns:a14="http://schemas.microsoft.com/office/drawing/2010/main" xmlns="" val="0"/>
+                <a14:useLocalDpi xmlns="" xmlns:a14="http://schemas.microsoft.com/office/drawing/2010/main" val="0"/>
               </a:ext>
             </a:extLst>
           </a:blip>
@@ -8948,7 +8950,7 @@
           <a:noFill/>
           <a:extLst>
             <a:ext uri="{909E8E84-426E-40DD-AFC4-6F175D3DCCD1}">
-              <a14:hiddenFill xmlns:a14="http://schemas.microsoft.com/office/drawing/2010/main" xmlns="">
+              <a14:hiddenFill xmlns="" xmlns:a14="http://schemas.microsoft.com/office/drawing/2010/main">
                 <a:solidFill>
                   <a:srgbClr val="FFFFFF"/>
                 </a:solidFill>
@@ -9177,7 +9179,7 @@
     </p:spTree>
     <p:extLst>
       <p:ext uri="{BB962C8B-B14F-4D97-AF65-F5344CB8AC3E}">
-        <p14:creationId xmlns:p14="http://schemas.microsoft.com/office/powerpoint/2010/main" xmlns="" val="3078274010"/>
+        <p14:creationId xmlns="" xmlns:p14="http://schemas.microsoft.com/office/powerpoint/2010/main" val="3078274010"/>
       </p:ext>
     </p:extLst>
   </p:cSld>
@@ -9315,7 +9317,7 @@
     </p:spTree>
     <p:extLst>
       <p:ext uri="{BB962C8B-B14F-4D97-AF65-F5344CB8AC3E}">
-        <p14:creationId xmlns:p14="http://schemas.microsoft.com/office/powerpoint/2010/main" xmlns="" val="2790818867"/>
+        <p14:creationId xmlns="" xmlns:p14="http://schemas.microsoft.com/office/powerpoint/2010/main" val="2790818867"/>
       </p:ext>
     </p:extLst>
   </p:cSld>
@@ -9445,7 +9447,7 @@
     </p:spTree>
     <p:extLst>
       <p:ext uri="{BB962C8B-B14F-4D97-AF65-F5344CB8AC3E}">
-        <p14:creationId xmlns:p14="http://schemas.microsoft.com/office/powerpoint/2010/main" xmlns="" val="3261370428"/>
+        <p14:creationId xmlns="" xmlns:p14="http://schemas.microsoft.com/office/powerpoint/2010/main" val="3261370428"/>
       </p:ext>
     </p:extLst>
   </p:cSld>
@@ -9558,7 +9560,7 @@
     </p:spTree>
     <p:extLst>
       <p:ext uri="{BB962C8B-B14F-4D97-AF65-F5344CB8AC3E}">
-        <p14:creationId xmlns:p14="http://schemas.microsoft.com/office/powerpoint/2010/main" xmlns="" val="1132424181"/>
+        <p14:creationId xmlns="" xmlns:p14="http://schemas.microsoft.com/office/powerpoint/2010/main" val="1132424181"/>
       </p:ext>
     </p:extLst>
   </p:cSld>
@@ -9688,7 +9690,7 @@
     </p:spTree>
     <p:extLst>
       <p:ext uri="{BB962C8B-B14F-4D97-AF65-F5344CB8AC3E}">
-        <p14:creationId xmlns:p14="http://schemas.microsoft.com/office/powerpoint/2010/main" xmlns="" val="349763032"/>
+        <p14:creationId xmlns="" xmlns:p14="http://schemas.microsoft.com/office/powerpoint/2010/main" val="349763032"/>
       </p:ext>
     </p:extLst>
   </p:cSld>
@@ -9861,7 +9863,7 @@
     </p:spTree>
     <p:extLst>
       <p:ext uri="{BB962C8B-B14F-4D97-AF65-F5344CB8AC3E}">
-        <p14:creationId xmlns:p14="http://schemas.microsoft.com/office/powerpoint/2010/main" xmlns="" val="2680569981"/>
+        <p14:creationId xmlns="" xmlns:p14="http://schemas.microsoft.com/office/powerpoint/2010/main" val="2680569981"/>
       </p:ext>
     </p:extLst>
   </p:cSld>
@@ -10175,7 +10177,7 @@
     </p:spTree>
     <p:extLst>
       <p:ext uri="{BB962C8B-B14F-4D97-AF65-F5344CB8AC3E}">
-        <p14:creationId xmlns:p14="http://schemas.microsoft.com/office/powerpoint/2010/main" xmlns="" val="199308405"/>
+        <p14:creationId xmlns="" xmlns:p14="http://schemas.microsoft.com/office/powerpoint/2010/main" val="199308405"/>
       </p:ext>
     </p:extLst>
   </p:cSld>
@@ -10228,7 +10230,7 @@
     </p:spTree>
     <p:extLst>
       <p:ext uri="{BB962C8B-B14F-4D97-AF65-F5344CB8AC3E}">
-        <p14:creationId xmlns:p14="http://schemas.microsoft.com/office/powerpoint/2010/main" xmlns="" val="1828899205"/>
+        <p14:creationId xmlns="" xmlns:p14="http://schemas.microsoft.com/office/powerpoint/2010/main" val="1828899205"/>
       </p:ext>
     </p:extLst>
   </p:cSld>
@@ -10258,7 +10260,7 @@
     </p:spTree>
     <p:extLst>
       <p:ext uri="{BB962C8B-B14F-4D97-AF65-F5344CB8AC3E}">
-        <p14:creationId xmlns:p14="http://schemas.microsoft.com/office/powerpoint/2010/main" xmlns="" val="51222785"/>
+        <p14:creationId xmlns="" xmlns:p14="http://schemas.microsoft.com/office/powerpoint/2010/main" val="51222785"/>
       </p:ext>
     </p:extLst>
   </p:cSld>
@@ -10476,7 +10478,7 @@
     </p:spTree>
     <p:extLst>
       <p:ext uri="{BB962C8B-B14F-4D97-AF65-F5344CB8AC3E}">
-        <p14:creationId xmlns:p14="http://schemas.microsoft.com/office/powerpoint/2010/main" xmlns="" val="2791311117"/>
+        <p14:creationId xmlns="" xmlns:p14="http://schemas.microsoft.com/office/powerpoint/2010/main" val="2791311117"/>
       </p:ext>
     </p:extLst>
   </p:cSld>
@@ -10604,7 +10606,7 @@
     </p:spTree>
     <p:extLst>
       <p:ext uri="{BB962C8B-B14F-4D97-AF65-F5344CB8AC3E}">
-        <p14:creationId xmlns:p14="http://schemas.microsoft.com/office/powerpoint/2010/main" xmlns="" val="1655414188"/>
+        <p14:creationId xmlns="" xmlns:p14="http://schemas.microsoft.com/office/powerpoint/2010/main" val="1655414188"/>
       </p:ext>
     </p:extLst>
   </p:cSld>
@@ -10798,7 +10800,7 @@
     </p:spTree>
     <p:extLst>
       <p:ext uri="{BB962C8B-B14F-4D97-AF65-F5344CB8AC3E}">
-        <p14:creationId xmlns:p14="http://schemas.microsoft.com/office/powerpoint/2010/main" xmlns="" val="2022706678"/>
+        <p14:creationId xmlns="" xmlns:p14="http://schemas.microsoft.com/office/powerpoint/2010/main" val="2022706678"/>
       </p:ext>
     </p:extLst>
   </p:cSld>
@@ -10911,7 +10913,7 @@
     </p:spTree>
     <p:extLst>
       <p:ext uri="{BB962C8B-B14F-4D97-AF65-F5344CB8AC3E}">
-        <p14:creationId xmlns:p14="http://schemas.microsoft.com/office/powerpoint/2010/main" xmlns="" val="1599155895"/>
+        <p14:creationId xmlns="" xmlns:p14="http://schemas.microsoft.com/office/powerpoint/2010/main" val="1599155895"/>
       </p:ext>
     </p:extLst>
   </p:cSld>
@@ -11029,7 +11031,7 @@
     </p:spTree>
     <p:extLst>
       <p:ext uri="{BB962C8B-B14F-4D97-AF65-F5344CB8AC3E}">
-        <p14:creationId xmlns:p14="http://schemas.microsoft.com/office/powerpoint/2010/main" xmlns="" val="3296267525"/>
+        <p14:creationId xmlns="" xmlns:p14="http://schemas.microsoft.com/office/powerpoint/2010/main" val="3296267525"/>
       </p:ext>
     </p:extLst>
   </p:cSld>
@@ -11179,7 +11181,7 @@
     </p:spTree>
     <p:extLst>
       <p:ext uri="{BB962C8B-B14F-4D97-AF65-F5344CB8AC3E}">
-        <p14:creationId xmlns:p14="http://schemas.microsoft.com/office/powerpoint/2010/main" xmlns="" val="980267061"/>
+        <p14:creationId xmlns="" xmlns:p14="http://schemas.microsoft.com/office/powerpoint/2010/main" val="980267061"/>
       </p:ext>
     </p:extLst>
   </p:cSld>
@@ -11369,7 +11371,7 @@
     </p:spTree>
     <p:extLst>
       <p:ext uri="{BB962C8B-B14F-4D97-AF65-F5344CB8AC3E}">
-        <p14:creationId xmlns:p14="http://schemas.microsoft.com/office/powerpoint/2010/main" xmlns="" val="2244704556"/>
+        <p14:creationId xmlns="" xmlns:p14="http://schemas.microsoft.com/office/powerpoint/2010/main" val="2244704556"/>
       </p:ext>
     </p:extLst>
   </p:cSld>
@@ -11694,7 +11696,7 @@
     </p:spTree>
     <p:extLst>
       <p:ext uri="{BB962C8B-B14F-4D97-AF65-F5344CB8AC3E}">
-        <p14:creationId xmlns:p14="http://schemas.microsoft.com/office/powerpoint/2010/main" xmlns="" val="833864742"/>
+        <p14:creationId xmlns="" xmlns:p14="http://schemas.microsoft.com/office/powerpoint/2010/main" val="833864742"/>
       </p:ext>
     </p:extLst>
   </p:cSld>
@@ -11770,7 +11772,7 @@
     </p:spTree>
     <p:extLst>
       <p:ext uri="{BB962C8B-B14F-4D97-AF65-F5344CB8AC3E}">
-        <p14:creationId xmlns:p14="http://schemas.microsoft.com/office/powerpoint/2010/main" xmlns="" val="2666272991"/>
+        <p14:creationId xmlns="" xmlns:p14="http://schemas.microsoft.com/office/powerpoint/2010/main" val="2666272991"/>
       </p:ext>
     </p:extLst>
   </p:cSld>
@@ -11823,7 +11825,7 @@
     </p:spTree>
     <p:extLst>
       <p:ext uri="{BB962C8B-B14F-4D97-AF65-F5344CB8AC3E}">
-        <p14:creationId xmlns:p14="http://schemas.microsoft.com/office/powerpoint/2010/main" xmlns="" val="3431224194"/>
+        <p14:creationId xmlns="" xmlns:p14="http://schemas.microsoft.com/office/powerpoint/2010/main" val="3431224194"/>
       </p:ext>
     </p:extLst>
   </p:cSld>
@@ -12058,7 +12060,7 @@
     </p:spTree>
     <p:extLst>
       <p:ext uri="{BB962C8B-B14F-4D97-AF65-F5344CB8AC3E}">
-        <p14:creationId xmlns:p14="http://schemas.microsoft.com/office/powerpoint/2010/main" xmlns="" val="134994577"/>
+        <p14:creationId xmlns="" xmlns:p14="http://schemas.microsoft.com/office/powerpoint/2010/main" val="134994577"/>
       </p:ext>
     </p:extLst>
   </p:cSld>
@@ -12269,7 +12271,7 @@
     </p:spTree>
     <p:extLst>
       <p:ext uri="{BB962C8B-B14F-4D97-AF65-F5344CB8AC3E}">
-        <p14:creationId xmlns:p14="http://schemas.microsoft.com/office/powerpoint/2010/main" xmlns="" val="3795403466"/>
+        <p14:creationId xmlns="" xmlns:p14="http://schemas.microsoft.com/office/powerpoint/2010/main" val="3795403466"/>
       </p:ext>
     </p:extLst>
   </p:cSld>
@@ -12333,14 +12335,14 @@
           <a:effectLst/>
           <a:extLst>
             <a:ext uri="{909E8E84-426E-40DD-AFC4-6F175D3DCCD1}">
-              <a14:hiddenFill xmlns:a14="http://schemas.microsoft.com/office/drawing/2010/main" xmlns="">
+              <a14:hiddenFill xmlns="" xmlns:a14="http://schemas.microsoft.com/office/drawing/2010/main">
                 <a:solidFill>
                   <a:schemeClr val="accent1"/>
                 </a:solidFill>
               </a14:hiddenFill>
             </a:ext>
             <a:ext uri="{91240B29-F687-4F45-9708-019B960494DF}">
-              <a14:hiddenLine xmlns:a14="http://schemas.microsoft.com/office/drawing/2010/main" xmlns="" w="9525">
+              <a14:hiddenLine xmlns="" xmlns:a14="http://schemas.microsoft.com/office/drawing/2010/main" w="9525">
                 <a:solidFill>
                   <a:schemeClr val="tx1"/>
                 </a:solidFill>
@@ -12350,7 +12352,7 @@
               </a14:hiddenLine>
             </a:ext>
             <a:ext uri="{AF507438-7753-43E0-B8FC-AC1667EBCBE1}">
-              <a14:hiddenEffects xmlns:a14="http://schemas.microsoft.com/office/drawing/2010/main" xmlns="">
+              <a14:hiddenEffects xmlns="" xmlns:a14="http://schemas.microsoft.com/office/drawing/2010/main">
                 <a:effectLst>
                   <a:outerShdw dist="35921" dir="2700000" algn="ctr" rotWithShape="0">
                     <a:schemeClr val="bg2"/>
@@ -12401,14 +12403,14 @@
           <a:effectLst/>
           <a:extLst>
             <a:ext uri="{909E8E84-426E-40DD-AFC4-6F175D3DCCD1}">
-              <a14:hiddenFill xmlns:a14="http://schemas.microsoft.com/office/drawing/2010/main" xmlns="">
+              <a14:hiddenFill xmlns="" xmlns:a14="http://schemas.microsoft.com/office/drawing/2010/main">
                 <a:solidFill>
                   <a:schemeClr val="accent1"/>
                 </a:solidFill>
               </a14:hiddenFill>
             </a:ext>
             <a:ext uri="{91240B29-F687-4F45-9708-019B960494DF}">
-              <a14:hiddenLine xmlns:a14="http://schemas.microsoft.com/office/drawing/2010/main" xmlns="" w="9525">
+              <a14:hiddenLine xmlns="" xmlns:a14="http://schemas.microsoft.com/office/drawing/2010/main" w="9525">
                 <a:solidFill>
                   <a:schemeClr val="tx1"/>
                 </a:solidFill>
@@ -12418,7 +12420,7 @@
               </a14:hiddenLine>
             </a:ext>
             <a:ext uri="{AF507438-7753-43E0-B8FC-AC1667EBCBE1}">
-              <a14:hiddenEffects xmlns:a14="http://schemas.microsoft.com/office/drawing/2010/main" xmlns="">
+              <a14:hiddenEffects xmlns="" xmlns:a14="http://schemas.microsoft.com/office/drawing/2010/main">
                 <a:effectLst>
                   <a:outerShdw dist="35921" dir="2700000" algn="ctr" rotWithShape="0">
                     <a:schemeClr val="bg2"/>
@@ -12497,14 +12499,14 @@
           <a:effectLst/>
           <a:extLst>
             <a:ext uri="{909E8E84-426E-40DD-AFC4-6F175D3DCCD1}">
-              <a14:hiddenFill xmlns:a14="http://schemas.microsoft.com/office/drawing/2010/main" xmlns="">
+              <a14:hiddenFill xmlns="" xmlns:a14="http://schemas.microsoft.com/office/drawing/2010/main">
                 <a:solidFill>
                   <a:schemeClr val="accent1"/>
                 </a:solidFill>
               </a14:hiddenFill>
             </a:ext>
             <a:ext uri="{91240B29-F687-4F45-9708-019B960494DF}">
-              <a14:hiddenLine xmlns:a14="http://schemas.microsoft.com/office/drawing/2010/main" xmlns="" w="9525">
+              <a14:hiddenLine xmlns="" xmlns:a14="http://schemas.microsoft.com/office/drawing/2010/main" w="9525">
                 <a:solidFill>
                   <a:schemeClr val="tx1"/>
                 </a:solidFill>
@@ -12514,7 +12516,7 @@
               </a14:hiddenLine>
             </a:ext>
             <a:ext uri="{AF507438-7753-43E0-B8FC-AC1667EBCBE1}">
-              <a14:hiddenEffects xmlns:a14="http://schemas.microsoft.com/office/drawing/2010/main" xmlns="">
+              <a14:hiddenEffects xmlns="" xmlns:a14="http://schemas.microsoft.com/office/drawing/2010/main">
                 <a:effectLst>
                   <a:outerShdw dist="35921" dir="2700000" algn="ctr" rotWithShape="0">
                     <a:schemeClr val="bg2"/>
@@ -13049,14 +13051,14 @@
           <a:effectLst/>
           <a:extLst>
             <a:ext uri="{909E8E84-426E-40DD-AFC4-6F175D3DCCD1}">
-              <a14:hiddenFill xmlns:a14="http://schemas.microsoft.com/office/drawing/2010/main" xmlns="">
+              <a14:hiddenFill xmlns="" xmlns:a14="http://schemas.microsoft.com/office/drawing/2010/main">
                 <a:solidFill>
                   <a:schemeClr val="accent1"/>
                 </a:solidFill>
               </a14:hiddenFill>
             </a:ext>
             <a:ext uri="{91240B29-F687-4F45-9708-019B960494DF}">
-              <a14:hiddenLine xmlns:a14="http://schemas.microsoft.com/office/drawing/2010/main" xmlns="" w="9525">
+              <a14:hiddenLine xmlns="" xmlns:a14="http://schemas.microsoft.com/office/drawing/2010/main" w="9525">
                 <a:solidFill>
                   <a:schemeClr val="tx1"/>
                 </a:solidFill>
@@ -13066,7 +13068,7 @@
               </a14:hiddenLine>
             </a:ext>
             <a:ext uri="{AF507438-7753-43E0-B8FC-AC1667EBCBE1}">
-              <a14:hiddenEffects xmlns:a14="http://schemas.microsoft.com/office/drawing/2010/main" xmlns="">
+              <a14:hiddenEffects xmlns="" xmlns:a14="http://schemas.microsoft.com/office/drawing/2010/main">
                 <a:effectLst>
                   <a:outerShdw dist="35921" dir="2700000" algn="ctr" rotWithShape="0">
                     <a:schemeClr val="bg2"/>
@@ -13115,14 +13117,14 @@
           <a:effectLst/>
           <a:extLst>
             <a:ext uri="{909E8E84-426E-40DD-AFC4-6F175D3DCCD1}">
-              <a14:hiddenFill xmlns:a14="http://schemas.microsoft.com/office/drawing/2010/main" xmlns="">
+              <a14:hiddenFill xmlns="" xmlns:a14="http://schemas.microsoft.com/office/drawing/2010/main">
                 <a:solidFill>
                   <a:schemeClr val="accent1"/>
                 </a:solidFill>
               </a14:hiddenFill>
             </a:ext>
             <a:ext uri="{91240B29-F687-4F45-9708-019B960494DF}">
-              <a14:hiddenLine xmlns:a14="http://schemas.microsoft.com/office/drawing/2010/main" xmlns="" w="9525">
+              <a14:hiddenLine xmlns="" xmlns:a14="http://schemas.microsoft.com/office/drawing/2010/main" w="9525">
                 <a:solidFill>
                   <a:schemeClr val="tx1"/>
                 </a:solidFill>
@@ -13132,7 +13134,7 @@
               </a14:hiddenLine>
             </a:ext>
             <a:ext uri="{AF507438-7753-43E0-B8FC-AC1667EBCBE1}">
-              <a14:hiddenEffects xmlns:a14="http://schemas.microsoft.com/office/drawing/2010/main" xmlns="">
+              <a14:hiddenEffects xmlns="" xmlns:a14="http://schemas.microsoft.com/office/drawing/2010/main">
                 <a:effectLst>
                   <a:outerShdw dist="35921" dir="2700000" algn="ctr" rotWithShape="0">
                     <a:schemeClr val="bg2"/>
@@ -13601,14 +13603,14 @@
           <a:ln/>
           <a:extLst>
             <a:ext uri="{909E8E84-426E-40DD-AFC4-6F175D3DCCD1}">
-              <a14:hiddenFill xmlns:a14="http://schemas.microsoft.com/office/drawing/2010/main" xmlns="">
+              <a14:hiddenFill xmlns="" xmlns:a14="http://schemas.microsoft.com/office/drawing/2010/main">
                 <a:solidFill>
                   <a:srgbClr val="FFFFFF"/>
                 </a:solidFill>
               </a14:hiddenFill>
             </a:ext>
             <a:ext uri="{91240B29-F687-4F45-9708-019B960494DF}">
-              <a14:hiddenLine xmlns:a14="http://schemas.microsoft.com/office/drawing/2010/main" xmlns="" w="9525">
+              <a14:hiddenLine xmlns="" xmlns:a14="http://schemas.microsoft.com/office/drawing/2010/main" w="9525">
                 <a:solidFill>
                   <a:srgbClr val="000000"/>
                 </a:solidFill>
@@ -13873,6 +13875,190 @@
       </p:grpSpPr>
       <p:sp>
         <p:nvSpPr>
+          <p:cNvPr id="133124" name="Rectangle 4"/>
+          <p:cNvSpPr>
+            <a:spLocks noChangeArrowheads="1"/>
+          </p:cNvSpPr>
+          <p:nvPr/>
+        </p:nvSpPr>
+        <p:spPr bwMode="auto">
+          <a:xfrm>
+            <a:off x="1991570" y="1531625"/>
+            <a:ext cx="6071600" cy="3973395"/>
+          </a:xfrm>
+          <a:prstGeom prst="rect">
+            <a:avLst/>
+          </a:prstGeom>
+          <a:noFill/>
+          <a:ln>
+            <a:noFill/>
+          </a:ln>
+          <a:effectLst/>
+          <a:extLst>
+            <a:ext uri="{909E8E84-426E-40DD-AFC4-6F175D3DCCD1}">
+              <a14:hiddenFill xmlns="" xmlns:a14="http://schemas.microsoft.com/office/drawing/2010/main">
+                <a:solidFill>
+                  <a:schemeClr val="accent1"/>
+                </a:solidFill>
+              </a14:hiddenFill>
+            </a:ext>
+            <a:ext uri="{91240B29-F687-4F45-9708-019B960494DF}">
+              <a14:hiddenLine xmlns="" xmlns:a14="http://schemas.microsoft.com/office/drawing/2010/main" w="9525">
+                <a:solidFill>
+                  <a:schemeClr val="tx1"/>
+                </a:solidFill>
+                <a:miter lim="800000"/>
+                <a:headEnd/>
+                <a:tailEnd/>
+              </a14:hiddenLine>
+            </a:ext>
+            <a:ext uri="{AF507438-7753-43E0-B8FC-AC1667EBCBE1}">
+              <a14:hiddenEffects xmlns="" xmlns:a14="http://schemas.microsoft.com/office/drawing/2010/main">
+                <a:effectLst>
+                  <a:outerShdw dist="35921" dir="2700000" algn="ctr" rotWithShape="0">
+                    <a:schemeClr val="bg2"/>
+                  </a:outerShdw>
+                </a:effectLst>
+              </a14:hiddenEffects>
+            </a:ext>
+          </a:extLst>
+        </p:spPr>
+        <p:txBody>
+          <a:bodyPr wrap="square">
+            <a:spAutoFit/>
+          </a:bodyPr>
+          <a:lstStyle/>
+          <a:p>
+            <a:pPr marL="285750" indent="-285750" algn="l">
+              <a:buFont typeface="Wingdings" panose="05000000000000000000" pitchFamily="2" charset="2"/>
+              <a:buChar char="§"/>
+            </a:pPr>
+            <a:r>
+              <a:rPr lang="en-US" sz="1800" dirty="0"/>
+              <a:t>Stage 1: Collection of the pre-processed data.</a:t>
+            </a:r>
+          </a:p>
+          <a:p>
+            <a:pPr algn="l"/>
+            <a:endParaRPr lang="en-US" sz="1800" dirty="0"/>
+          </a:p>
+          <a:p>
+            <a:pPr marL="285750" indent="-285750" algn="l">
+              <a:buFont typeface="Wingdings" panose="05000000000000000000" pitchFamily="2" charset="2"/>
+              <a:buChar char="§"/>
+            </a:pPr>
+            <a:r>
+              <a:rPr lang="en-US" sz="1800" dirty="0"/>
+              <a:t>Stage 2: Dictionary generation using the enchant library in </a:t>
+            </a:r>
+            <a:r>
+              <a:rPr lang="en-US" sz="1800" dirty="0" smtClean="0"/>
+              <a:t>Python</a:t>
+            </a:r>
+            <a:r>
+              <a:rPr lang="en-US" sz="1800" dirty="0"/>
+              <a:t>.</a:t>
+            </a:r>
+          </a:p>
+          <a:p>
+            <a:pPr marL="285750" indent="-285750" algn="l">
+              <a:buFont typeface="Wingdings" panose="05000000000000000000" pitchFamily="2" charset="2"/>
+              <a:buChar char="§"/>
+            </a:pPr>
+            <a:endParaRPr lang="en-US" sz="1800" dirty="0"/>
+          </a:p>
+          <a:p>
+            <a:pPr marL="285750" indent="-285750" algn="l">
+              <a:buFont typeface="Wingdings" panose="05000000000000000000" pitchFamily="2" charset="2"/>
+              <a:buChar char="§"/>
+            </a:pPr>
+            <a:r>
+              <a:rPr lang="en-US" sz="1800" dirty="0"/>
+              <a:t>Stage 3: Using </a:t>
+            </a:r>
+            <a:r>
+              <a:rPr lang="en-US" sz="1800" b="1" dirty="0" smtClean="0"/>
+              <a:t>enchant </a:t>
+            </a:r>
+            <a:r>
+              <a:rPr lang="en-US" sz="1800" dirty="0" smtClean="0"/>
+              <a:t>library </a:t>
+            </a:r>
+            <a:r>
+              <a:rPr lang="en-US" sz="1800" dirty="0"/>
+              <a:t>to predict possible words for a </a:t>
+            </a:r>
+            <a:r>
+              <a:rPr lang="en-US" sz="1800" dirty="0" smtClean="0"/>
+              <a:t>string </a:t>
+            </a:r>
+            <a:r>
+              <a:rPr lang="en-US" sz="1800" dirty="0"/>
+              <a:t>whose lookup in the dictionary fails.</a:t>
+            </a:r>
+          </a:p>
+          <a:p>
+            <a:pPr marL="285750" indent="-285750" algn="l">
+              <a:buFont typeface="Wingdings" panose="05000000000000000000" pitchFamily="2" charset="2"/>
+              <a:buChar char="§"/>
+            </a:pPr>
+            <a:endParaRPr lang="en-US" sz="1800" dirty="0"/>
+          </a:p>
+          <a:p>
+            <a:pPr marL="285750" indent="-285750" algn="l">
+              <a:buFont typeface="Wingdings" panose="05000000000000000000" pitchFamily="2" charset="2"/>
+              <a:buChar char="§"/>
+            </a:pPr>
+            <a:r>
+              <a:rPr lang="en-US" sz="1800" dirty="0"/>
+              <a:t>Stage 4: A ranking mechanisms replaces the incorrect string with the highest </a:t>
+            </a:r>
+            <a:r>
+              <a:rPr lang="en-US" sz="1800" dirty="0" smtClean="0"/>
+              <a:t>ranked </a:t>
+            </a:r>
+            <a:r>
+              <a:rPr lang="en-US" sz="1800" dirty="0"/>
+              <a:t>values in the set </a:t>
+            </a:r>
+            <a:r>
+              <a:rPr lang="en-US" sz="1800" dirty="0" smtClean="0"/>
+              <a:t>determined by </a:t>
+            </a:r>
+            <a:r>
+              <a:rPr lang="en-US" sz="1800" dirty="0"/>
+              <a:t>the </a:t>
+            </a:r>
+            <a:r>
+              <a:rPr lang="en-US" sz="1800" b="1" dirty="0" err="1"/>
+              <a:t>fuzzywuzzy</a:t>
+            </a:r>
+            <a:r>
+              <a:rPr lang="en-US" sz="1800" dirty="0"/>
+              <a:t> library.</a:t>
+            </a:r>
+          </a:p>
+          <a:p>
+            <a:pPr marL="285750" indent="-285750" algn="l">
+              <a:buFont typeface="Wingdings" panose="05000000000000000000" pitchFamily="2" charset="2"/>
+              <a:buChar char="§"/>
+            </a:pPr>
+            <a:endParaRPr lang="en-US" sz="1800" dirty="0"/>
+          </a:p>
+          <a:p>
+            <a:pPr marL="171450" indent="-171450" eaLnBrk="0" hangingPunct="0">
+              <a:spcBef>
+                <a:spcPct val="0"/>
+              </a:spcBef>
+              <a:buFont typeface="Wingdings" panose="05000000000000000000" pitchFamily="2" charset="2"/>
+              <a:buChar char="§"/>
+            </a:pPr>
+            <a:endParaRPr lang="en-US" altLang="en-US" sz="1100" b="1" dirty="0"/>
+          </a:p>
+        </p:txBody>
+      </p:sp>
+      <p:sp>
+        <p:nvSpPr>
           <p:cNvPr id="133125" name="Rectangle 5"/>
           <p:cNvSpPr>
             <a:spLocks noGrp="1" noChangeArrowheads="1"/>
@@ -13883,21 +14069,21 @@
         </p:nvSpPr>
         <p:spPr bwMode="auto">
           <a:xfrm>
-            <a:off x="1763885" y="0"/>
-            <a:ext cx="7134225" cy="469095"/>
+            <a:off x="1991570" y="241410"/>
+            <a:ext cx="6300005" cy="606785"/>
           </a:xfrm>
           <a:noFill/>
           <a:ln/>
           <a:extLst>
             <a:ext uri="{909E8E84-426E-40DD-AFC4-6F175D3DCCD1}">
-              <a14:hiddenFill xmlns:a14="http://schemas.microsoft.com/office/drawing/2010/main" xmlns="">
+              <a14:hiddenFill xmlns="" xmlns:a14="http://schemas.microsoft.com/office/drawing/2010/main">
                 <a:solidFill>
                   <a:schemeClr val="accent1"/>
                 </a:solidFill>
               </a14:hiddenFill>
             </a:ext>
             <a:ext uri="{91240B29-F687-4F45-9708-019B960494DF}">
-              <a14:hiddenLine xmlns:a14="http://schemas.microsoft.com/office/drawing/2010/main" xmlns="" w="9525">
+              <a14:hiddenLine xmlns="" xmlns:a14="http://schemas.microsoft.com/office/drawing/2010/main" w="9525">
                 <a:solidFill>
                   <a:schemeClr val="tx1"/>
                 </a:solidFill>
@@ -13907,7 +14093,7 @@
               </a14:hiddenLine>
             </a:ext>
             <a:ext uri="{AF507438-7753-43E0-B8FC-AC1667EBCBE1}">
-              <a14:hiddenEffects xmlns:a14="http://schemas.microsoft.com/office/drawing/2010/main" xmlns="">
+              <a14:hiddenEffects xmlns="" xmlns:a14="http://schemas.microsoft.com/office/drawing/2010/main">
                 <a:effectLst>
                   <a:outerShdw dist="35921" dir="2700000" algn="ctr" rotWithShape="0">
                     <a:schemeClr val="bg2"/>
@@ -13925,9 +14111,6 @@
           </a:bodyPr>
           <a:lstStyle/>
           <a:p>
-            <a:endParaRPr lang="en-US" altLang="en-US" sz="2400" dirty="0"/>
-          </a:p>
-          <a:p>
             <a:pPr marL="0" indent="0">
               <a:buNone/>
             </a:pPr>
@@ -13937,31 +14120,7 @@
                   <a:srgbClr val="C00000"/>
                 </a:solidFill>
               </a:rPr>
-              <a:t>Module 3: </a:t>
-            </a:r>
-            <a:r>
-              <a:rPr lang="en-US" sz="3200" dirty="0" smtClean="0">
-                <a:solidFill>
-                  <a:srgbClr val="C00000"/>
-                </a:solidFill>
-              </a:rPr>
-              <a:t>Supervised </a:t>
-            </a:r>
-            <a:r>
-              <a:rPr lang="en-US" sz="3200" dirty="0">
-                <a:solidFill>
-                  <a:srgbClr val="C00000"/>
-                </a:solidFill>
-              </a:rPr>
-              <a:t>L</a:t>
-            </a:r>
-            <a:r>
-              <a:rPr lang="en-US" sz="3200" dirty="0" smtClean="0">
-                <a:solidFill>
-                  <a:srgbClr val="C00000"/>
-                </a:solidFill>
-              </a:rPr>
-              <a:t>earning</a:t>
+              <a:t>Module-2: fuzzy matching algorithm</a:t>
             </a:r>
             <a:endParaRPr lang="en-US" altLang="en-US" sz="3200" dirty="0">
               <a:solidFill>
@@ -13971,153 +14130,10 @@
           </a:p>
         </p:txBody>
       </p:sp>
-      <p:sp>
-        <p:nvSpPr>
-          <p:cNvPr id="2" name="TextBox 1"/>
-          <p:cNvSpPr txBox="1"/>
-          <p:nvPr/>
-        </p:nvSpPr>
-        <p:spPr>
-          <a:xfrm>
-            <a:off x="1991570" y="1076255"/>
-            <a:ext cx="6223390" cy="4358116"/>
-          </a:xfrm>
-          <a:prstGeom prst="rect">
-            <a:avLst/>
-          </a:prstGeom>
-          <a:noFill/>
-        </p:spPr>
-        <p:txBody>
-          <a:bodyPr wrap="square" rtlCol="0">
-            <a:spAutoFit/>
-          </a:bodyPr>
-          <a:lstStyle/>
-          <a:p>
-            <a:pPr marL="342900" indent="-342900" algn="l">
-              <a:buFont typeface="Wingdings" panose="05000000000000000000" pitchFamily="2" charset="2"/>
-              <a:buChar char="§"/>
-            </a:pPr>
-            <a:r>
-              <a:rPr lang="en-US" sz="1800" dirty="0" smtClean="0"/>
-              <a:t>Stanford NER - Based on linear chain CRF model</a:t>
-            </a:r>
-          </a:p>
-          <a:p>
-            <a:pPr algn="l"/>
-            <a:endParaRPr lang="en-US" sz="1800" dirty="0" smtClean="0"/>
-          </a:p>
-          <a:p>
-            <a:pPr marL="342900" indent="-342900" algn="l">
-              <a:buFont typeface="Wingdings" panose="05000000000000000000" pitchFamily="2" charset="2"/>
-              <a:buChar char="§"/>
-            </a:pPr>
-            <a:r>
-              <a:rPr lang="en-US" sz="1800" dirty="0" smtClean="0"/>
-              <a:t>Existing models </a:t>
-            </a:r>
-            <a:r>
-              <a:rPr lang="en-US" sz="1800" dirty="0"/>
-              <a:t>label sequences of words in a text (PERSON, ORGANIZATION, LOCATION)</a:t>
-            </a:r>
-            <a:br>
-              <a:rPr lang="en-US" sz="1800" dirty="0"/>
-            </a:br>
-            <a:endParaRPr lang="en-US" sz="1800" dirty="0" smtClean="0"/>
-          </a:p>
-          <a:p>
-            <a:pPr marL="342900" indent="-342900" algn="l">
-              <a:buFont typeface="Wingdings" panose="05000000000000000000" pitchFamily="2" charset="2"/>
-              <a:buChar char="§"/>
-            </a:pPr>
-            <a:r>
-              <a:rPr lang="en-US" sz="1800" dirty="0" smtClean="0"/>
-              <a:t>Building a custom sequence model to identify three </a:t>
-            </a:r>
-            <a:r>
-              <a:rPr lang="en-US" sz="1800" dirty="0"/>
-              <a:t>parts of </a:t>
-            </a:r>
-            <a:r>
-              <a:rPr lang="en-US" sz="1800" dirty="0" smtClean="0"/>
-              <a:t>a location </a:t>
-            </a:r>
-            <a:r>
-              <a:rPr lang="en-US" sz="1800" dirty="0"/>
-              <a:t>in a text (POI, CITY, </a:t>
-            </a:r>
-            <a:r>
-              <a:rPr lang="en-US" sz="1800" dirty="0" smtClean="0"/>
-              <a:t>STATE)</a:t>
-            </a:r>
-          </a:p>
-          <a:p>
-            <a:pPr algn="l"/>
-            <a:endParaRPr lang="en-US" sz="1800" dirty="0" smtClean="0"/>
-          </a:p>
-          <a:p>
-            <a:pPr marL="342900" indent="-342900" algn="l">
-              <a:buFont typeface="Wingdings" panose="05000000000000000000" pitchFamily="2" charset="2"/>
-              <a:buChar char="§"/>
-            </a:pPr>
-            <a:r>
-              <a:rPr lang="en-US" sz="1800" dirty="0"/>
-              <a:t>NER is applied on the tweets of the user and his friends</a:t>
-            </a:r>
-            <a:br>
-              <a:rPr lang="en-US" sz="1800" dirty="0"/>
-            </a:br>
-            <a:endParaRPr lang="en-US" sz="1800" dirty="0" smtClean="0"/>
-          </a:p>
-          <a:p>
-            <a:pPr marL="342900" indent="-342900" algn="l">
-              <a:buFont typeface="Wingdings" panose="05000000000000000000" pitchFamily="2" charset="2"/>
-              <a:buChar char="§"/>
-            </a:pPr>
-            <a:r>
-              <a:rPr lang="en-US" sz="1800" dirty="0" err="1" smtClean="0"/>
-              <a:t>GeoNames</a:t>
-            </a:r>
-            <a:r>
-              <a:rPr lang="en-US" sz="1800" dirty="0" smtClean="0"/>
-              <a:t> </a:t>
-            </a:r>
-            <a:r>
-              <a:rPr lang="en-US" sz="1800" dirty="0"/>
-              <a:t>DB for tagging POI's and mapping POI's to states</a:t>
-            </a:r>
-            <a:br>
-              <a:rPr lang="en-US" sz="1800" dirty="0"/>
-            </a:br>
-            <a:endParaRPr lang="en-US" sz="1800" dirty="0" smtClean="0"/>
-          </a:p>
-          <a:p>
-            <a:pPr marL="342900" indent="-342900" algn="l">
-              <a:buFont typeface="Wingdings" panose="05000000000000000000" pitchFamily="2" charset="2"/>
-              <a:buChar char="§"/>
-            </a:pPr>
-            <a:r>
-              <a:rPr lang="en-US" sz="1800" dirty="0" smtClean="0"/>
-              <a:t>Also to identify </a:t>
-            </a:r>
-            <a:r>
-              <a:rPr lang="en-US" sz="1800" dirty="0"/>
-              <a:t>and </a:t>
-            </a:r>
-            <a:r>
-              <a:rPr lang="en-US" sz="1800" dirty="0" smtClean="0"/>
-              <a:t>tag </a:t>
-            </a:r>
-            <a:r>
-              <a:rPr lang="en-US" sz="1800" dirty="0"/>
-              <a:t>abbreviations</a:t>
-            </a:r>
-          </a:p>
-        </p:txBody>
-      </p:sp>
     </p:spTree>
     <p:extLst>
       <p:ext uri="{BB962C8B-B14F-4D97-AF65-F5344CB8AC3E}">
-        <p14:creationId xmlns:p14="http://schemas.microsoft.com/office/powerpoint/2010/main" xmlns="" val="764352400"/>
+        <p14:creationId xmlns="" xmlns:p14="http://schemas.microsoft.com/office/powerpoint/2010/main" val="2896510169"/>
       </p:ext>
     </p:extLst>
   </p:cSld>
@@ -14168,10 +14184,18 @@
           <a:p>
             <a:pPr algn="ctr"/>
             <a:r>
-              <a:rPr lang="en-US" dirty="0" smtClean="0"/>
-              <a:t>Example</a:t>
-            </a:r>
-            <a:endParaRPr lang="en-US" dirty="0"/>
+              <a:rPr lang="en-US" dirty="0" smtClean="0">
+                <a:solidFill>
+                  <a:srgbClr val="C00000"/>
+                </a:solidFill>
+              </a:rPr>
+              <a:t>Complication</a:t>
+            </a:r>
+            <a:endParaRPr lang="en-US" dirty="0">
+              <a:solidFill>
+                <a:srgbClr val="C00000"/>
+              </a:solidFill>
+            </a:endParaRPr>
           </a:p>
         </p:txBody>
       </p:sp>
@@ -14185,432 +14209,138 @@
             <p:ph idx="1"/>
           </p:nvPr>
         </p:nvSpPr>
-        <p:spPr/>
+        <p:spPr>
+          <a:xfrm>
+            <a:off x="1915674" y="1176338"/>
+            <a:ext cx="6771125" cy="4919662"/>
+          </a:xfrm>
+        </p:spPr>
         <p:txBody>
           <a:bodyPr/>
           <a:lstStyle/>
           <a:p>
+            <a:pPr>
+              <a:buClr>
+                <a:schemeClr val="tx1"/>
+              </a:buClr>
+            </a:pPr>
+            <a:endParaRPr lang="en-US" sz="1800" b="0" dirty="0" smtClean="0"/>
+          </a:p>
+          <a:p>
+            <a:pPr>
+              <a:buClr>
+                <a:schemeClr val="tx1"/>
+              </a:buClr>
+            </a:pPr>
+            <a:r>
+              <a:rPr lang="en-US" sz="1800" b="0" dirty="0" smtClean="0"/>
+              <a:t>It </a:t>
+            </a:r>
+            <a:r>
+              <a:rPr lang="en-US" sz="1800" b="0" dirty="0"/>
+              <a:t>replaces proper nouns too like names of people/cities etc.</a:t>
+            </a:r>
+            <a:endParaRPr lang="en-US" sz="1800" b="0" dirty="0" smtClean="0"/>
+          </a:p>
+          <a:p>
+            <a:pPr>
+              <a:buClr>
+                <a:schemeClr val="tx1"/>
+              </a:buClr>
+            </a:pPr>
+            <a:endParaRPr lang="en-US" sz="1800" b="0" dirty="0"/>
+          </a:p>
+          <a:p>
+            <a:pPr>
+              <a:buClr>
+                <a:schemeClr val="tx1"/>
+              </a:buClr>
+            </a:pPr>
+            <a:r>
+              <a:rPr lang="en-US" sz="1800" b="0" dirty="0" smtClean="0"/>
+              <a:t>We overcome this problem by determining nouns in the speech and ignoring it by using </a:t>
+            </a:r>
+            <a:r>
+              <a:rPr lang="en-US" sz="1800" dirty="0" smtClean="0"/>
+              <a:t>part-of-speech tagger</a:t>
+            </a:r>
+            <a:r>
+              <a:rPr lang="en-US" sz="1800" b="0" dirty="0" smtClean="0"/>
+              <a:t>. </a:t>
+            </a:r>
+          </a:p>
+          <a:p>
+            <a:pPr marL="0" indent="0" algn="ctr">
+              <a:buNone/>
+            </a:pPr>
+            <a:endParaRPr lang="en-US" dirty="0"/>
+          </a:p>
+          <a:p>
             <a:pPr marL="0" indent="0">
               <a:buNone/>
             </a:pPr>
             <a:r>
-              <a:rPr lang="en-US" sz="2000" dirty="0" smtClean="0"/>
-              <a:t>Tweet</a:t>
+              <a:rPr lang="en-US" sz="2800" dirty="0" smtClean="0">
+                <a:solidFill>
+                  <a:srgbClr val="C00000"/>
+                </a:solidFill>
+              </a:rPr>
+              <a:t>			     </a:t>
             </a:r>
           </a:p>
           <a:p>
             <a:pPr marL="0" indent="0">
               <a:buNone/>
             </a:pPr>
-            <a:endParaRPr lang="en-US" sz="2000" dirty="0"/>
+            <a:r>
+              <a:rPr lang="en-US" sz="2800" dirty="0" smtClean="0">
+                <a:solidFill>
+                  <a:srgbClr val="C00000"/>
+                </a:solidFill>
+              </a:rPr>
+              <a:t>			    Example</a:t>
+            </a:r>
+            <a:endParaRPr lang="en-US" sz="2800" dirty="0">
+              <a:solidFill>
+                <a:srgbClr val="C00000"/>
+              </a:solidFill>
+            </a:endParaRPr>
           </a:p>
           <a:p>
             <a:pPr marL="0" indent="0">
               <a:buNone/>
             </a:pPr>
-            <a:r>
-              <a:rPr lang="en-US" sz="2000" b="0" dirty="0" smtClean="0"/>
-              <a:t>Arizona State University’s Tempe campus gets a green revamp @</a:t>
-            </a:r>
-            <a:r>
-              <a:rPr lang="en-US" sz="2000" b="0" dirty="0" err="1" smtClean="0"/>
-              <a:t>ASUGreen</a:t>
-            </a:r>
-            <a:endParaRPr lang="en-US" sz="2000" b="0" dirty="0" smtClean="0"/>
-          </a:p>
-          <a:p>
-            <a:pPr marL="0" indent="0">
-              <a:buNone/>
-            </a:pPr>
-            <a:endParaRPr lang="en-US" sz="2000" b="0" dirty="0"/>
-          </a:p>
-          <a:p>
-            <a:pPr marL="0" indent="0">
-              <a:buNone/>
-            </a:pPr>
-            <a:endParaRPr lang="en-US" sz="2000" b="0" dirty="0" smtClean="0"/>
+            <a:endParaRPr lang="en-US" dirty="0"/>
           </a:p>
         </p:txBody>
       </p:sp>
-      <p:sp>
-        <p:nvSpPr>
-          <p:cNvPr id="4" name="Oval 3"/>
-          <p:cNvSpPr/>
+      <p:pic>
+        <p:nvPicPr>
+          <p:cNvPr id="6" name="Picture 5"/>
+          <p:cNvPicPr>
+            <a:picLocks noChangeAspect="1"/>
+          </p:cNvPicPr>
           <p:nvPr/>
-        </p:nvSpPr>
-        <p:spPr bwMode="auto">
-          <a:xfrm>
-            <a:off x="1219201" y="1835205"/>
-            <a:ext cx="3049220" cy="531265"/>
-          </a:xfrm>
-          <a:prstGeom prst="ellipse">
-            <a:avLst/>
-          </a:prstGeom>
-          <a:noFill/>
-          <a:ln w="33401" cap="flat" cmpd="sng" algn="ctr">
-            <a:solidFill>
-              <a:srgbClr val="800000"/>
-            </a:solidFill>
-            <a:prstDash val="solid"/>
-            <a:round/>
-            <a:headEnd type="none" w="med" len="med"/>
-            <a:tailEnd type="none" w="med" len="med"/>
-          </a:ln>
-          <a:effectLst/>
-          <a:extLst>
-            <a:ext uri="{909E8E84-426E-40DD-AFC4-6F175D3DCCD1}">
-              <a14:hiddenFill xmlns:a14="http://schemas.microsoft.com/office/drawing/2010/main" xmlns="">
-                <a:solidFill>
-                  <a:srgbClr val="FFFFFF"/>
-                </a:solidFill>
-              </a14:hiddenFill>
-            </a:ext>
-            <a:ext uri="{AF507438-7753-43E0-B8FC-AC1667EBCBE1}">
-              <a14:hiddenEffects xmlns:a14="http://schemas.microsoft.com/office/drawing/2010/main" xmlns="">
-                <a:effectLst>
-                  <a:outerShdw dist="35921" dir="2700000" algn="ctr" rotWithShape="0">
-                    <a:srgbClr val="808080"/>
-                  </a:outerShdw>
-                </a:effectLst>
-              </a14:hiddenEffects>
-            </a:ext>
-          </a:extLst>
-        </p:spPr>
-        <p:txBody>
-          <a:bodyPr vert="horz" wrap="square" lIns="91440" tIns="45720" rIns="91440" bIns="45720" numCol="1" rtlCol="0" anchor="t" anchorCtr="0" compatLnSpc="1">
-            <a:prstTxWarp prst="textNoShape">
-              <a:avLst/>
-            </a:prstTxWarp>
-          </a:bodyPr>
-          <a:lstStyle/>
-          <a:p>
-            <a:pPr marL="342900" marR="0" indent="-342900" algn="ctr" defTabSz="914400" rtl="0" eaLnBrk="1" fontAlgn="base" latinLnBrk="0" hangingPunct="1">
-              <a:lnSpc>
-                <a:spcPct val="100000"/>
-              </a:lnSpc>
-              <a:spcBef>
-                <a:spcPct val="20000"/>
-              </a:spcBef>
-              <a:spcAft>
-                <a:spcPct val="0"/>
-              </a:spcAft>
-              <a:buClrTx/>
-              <a:buSzTx/>
-              <a:buFontTx/>
-              <a:buNone/>
-              <a:tabLst/>
-            </a:pPr>
-            <a:endParaRPr kumimoji="0" lang="en-US" sz="2000" b="0" i="0" u="none" strike="noStrike" cap="none" normalizeH="0" baseline="0" smtClean="0">
-              <a:ln>
-                <a:noFill/>
-              </a:ln>
-              <a:solidFill>
-                <a:schemeClr val="tx1"/>
-              </a:solidFill>
-              <a:effectLst/>
-              <a:latin typeface="Arial" panose="020B0604020202020204" pitchFamily="34" charset="0"/>
-            </a:endParaRPr>
-          </a:p>
-        </p:txBody>
-      </p:sp>
-      <p:cxnSp>
-        <p:nvCxnSpPr>
-          <p:cNvPr id="6" name="Straight Arrow Connector 5"/>
-          <p:cNvCxnSpPr/>
-          <p:nvPr/>
-        </p:nvCxnSpPr>
-        <p:spPr bwMode="auto">
-          <a:xfrm>
-            <a:off x="3281785" y="2366470"/>
-            <a:ext cx="75895" cy="628286"/>
-          </a:xfrm>
-          <a:prstGeom prst="straightConnector1">
-            <a:avLst/>
-          </a:prstGeom>
-          <a:noFill/>
-          <a:ln w="33401" cap="flat" cmpd="sng" algn="ctr">
-            <a:solidFill>
-              <a:srgbClr val="800000"/>
-            </a:solidFill>
-            <a:prstDash val="solid"/>
-            <a:round/>
-            <a:headEnd type="none" w="med" len="med"/>
-            <a:tailEnd type="triangle"/>
-          </a:ln>
-          <a:effectLst/>
-          <a:extLst>
-            <a:ext uri="{909E8E84-426E-40DD-AFC4-6F175D3DCCD1}">
-              <a14:hiddenFill xmlns:a14="http://schemas.microsoft.com/office/drawing/2010/main" xmlns="">
-                <a:solidFill>
-                  <a:srgbClr val="FFFFFF"/>
-                </a:solidFill>
-              </a14:hiddenFill>
-            </a:ext>
-            <a:ext uri="{AF507438-7753-43E0-B8FC-AC1667EBCBE1}">
-              <a14:hiddenEffects xmlns:a14="http://schemas.microsoft.com/office/drawing/2010/main" xmlns="">
-                <a:effectLst>
-                  <a:outerShdw dist="35921" dir="2700000" algn="ctr" rotWithShape="0">
-                    <a:srgbClr val="808080"/>
-                  </a:outerShdw>
-                </a:effectLst>
-              </a14:hiddenEffects>
-            </a:ext>
-          </a:extLst>
-        </p:spPr>
-      </p:cxnSp>
-      <p:sp>
-        <p:nvSpPr>
-          <p:cNvPr id="7" name="TextBox 6"/>
-          <p:cNvSpPr txBox="1"/>
-          <p:nvPr/>
-        </p:nvSpPr>
+        </p:nvPicPr>
+        <p:blipFill rotWithShape="1">
+          <a:blip r:embed="rId2" cstate="print"/>
+          <a:srcRect t="84036" r="33852" b="10777"/>
+          <a:stretch/>
+        </p:blipFill>
         <p:spPr>
           <a:xfrm>
-            <a:off x="2775240" y="3025337"/>
-            <a:ext cx="1366110" cy="707886"/>
+            <a:off x="1554500" y="4795110"/>
+            <a:ext cx="7589500" cy="607160"/>
           </a:xfrm>
           <a:prstGeom prst="rect">
             <a:avLst/>
           </a:prstGeom>
-          <a:noFill/>
         </p:spPr>
-        <p:txBody>
-          <a:bodyPr wrap="square" rtlCol="0">
-            <a:spAutoFit/>
-          </a:bodyPr>
-          <a:lstStyle/>
-          <a:p>
-            <a:r>
-              <a:rPr lang="en-US" dirty="0" smtClean="0"/>
-              <a:t>Point of Interest</a:t>
-            </a:r>
-            <a:endParaRPr lang="en-US" dirty="0"/>
-          </a:p>
-        </p:txBody>
-      </p:sp>
-      <p:sp>
-        <p:nvSpPr>
-          <p:cNvPr id="8" name="Oval 7"/>
-          <p:cNvSpPr/>
-          <p:nvPr/>
-        </p:nvSpPr>
-        <p:spPr bwMode="auto">
-          <a:xfrm>
-            <a:off x="4211777" y="1911099"/>
-            <a:ext cx="986634" cy="379475"/>
-          </a:xfrm>
-          <a:prstGeom prst="ellipse">
-            <a:avLst/>
-          </a:prstGeom>
-          <a:noFill/>
-          <a:ln w="33401" cap="flat" cmpd="sng" algn="ctr">
-            <a:solidFill>
-              <a:srgbClr val="800000"/>
-            </a:solidFill>
-            <a:prstDash val="solid"/>
-            <a:round/>
-            <a:headEnd type="none" w="med" len="med"/>
-            <a:tailEnd type="none" w="med" len="med"/>
-          </a:ln>
-          <a:effectLst/>
-          <a:extLst>
-            <a:ext uri="{909E8E84-426E-40DD-AFC4-6F175D3DCCD1}">
-              <a14:hiddenFill xmlns:a14="http://schemas.microsoft.com/office/drawing/2010/main" xmlns="">
-                <a:solidFill>
-                  <a:srgbClr val="FFFFFF"/>
-                </a:solidFill>
-              </a14:hiddenFill>
-            </a:ext>
-            <a:ext uri="{AF507438-7753-43E0-B8FC-AC1667EBCBE1}">
-              <a14:hiddenEffects xmlns:a14="http://schemas.microsoft.com/office/drawing/2010/main" xmlns="">
-                <a:effectLst>
-                  <a:outerShdw dist="35921" dir="2700000" algn="ctr" rotWithShape="0">
-                    <a:srgbClr val="808080"/>
-                  </a:outerShdw>
-                </a:effectLst>
-              </a14:hiddenEffects>
-            </a:ext>
-          </a:extLst>
-        </p:spPr>
-        <p:txBody>
-          <a:bodyPr vert="horz" wrap="square" lIns="91440" tIns="45720" rIns="91440" bIns="45720" numCol="1" rtlCol="0" anchor="t" anchorCtr="0" compatLnSpc="1">
-            <a:prstTxWarp prst="textNoShape">
-              <a:avLst/>
-            </a:prstTxWarp>
-          </a:bodyPr>
-          <a:lstStyle/>
-          <a:p>
-            <a:pPr marL="342900" marR="0" indent="-342900" algn="ctr" defTabSz="914400" rtl="0" eaLnBrk="1" fontAlgn="base" latinLnBrk="0" hangingPunct="1">
-              <a:lnSpc>
-                <a:spcPct val="100000"/>
-              </a:lnSpc>
-              <a:spcBef>
-                <a:spcPct val="20000"/>
-              </a:spcBef>
-              <a:spcAft>
-                <a:spcPct val="0"/>
-              </a:spcAft>
-              <a:buClrTx/>
-              <a:buSzTx/>
-              <a:buFontTx/>
-              <a:buNone/>
-              <a:tabLst/>
-            </a:pPr>
-            <a:endParaRPr kumimoji="0" lang="en-US" sz="2000" b="0" i="0" u="none" strike="noStrike" cap="none" normalizeH="0" baseline="0" smtClean="0">
-              <a:ln>
-                <a:noFill/>
-              </a:ln>
-              <a:solidFill>
-                <a:schemeClr val="tx1"/>
-              </a:solidFill>
-              <a:effectLst/>
-              <a:latin typeface="Arial" panose="020B0604020202020204" pitchFamily="34" charset="0"/>
-            </a:endParaRPr>
-          </a:p>
-        </p:txBody>
-      </p:sp>
-      <p:cxnSp>
-        <p:nvCxnSpPr>
-          <p:cNvPr id="10" name="Straight Arrow Connector 9"/>
-          <p:cNvCxnSpPr/>
-          <p:nvPr/>
-        </p:nvCxnSpPr>
-        <p:spPr bwMode="auto">
-          <a:xfrm>
-            <a:off x="4799685" y="2281120"/>
-            <a:ext cx="150399" cy="602213"/>
-          </a:xfrm>
-          <a:prstGeom prst="straightConnector1">
-            <a:avLst/>
-          </a:prstGeom>
-          <a:noFill/>
-          <a:ln w="33401" cap="flat" cmpd="sng" algn="ctr">
-            <a:solidFill>
-              <a:srgbClr val="800000"/>
-            </a:solidFill>
-            <a:prstDash val="solid"/>
-            <a:round/>
-            <a:headEnd type="none" w="med" len="med"/>
-            <a:tailEnd type="triangle"/>
-          </a:ln>
-          <a:effectLst/>
-          <a:extLst>
-            <a:ext uri="{909E8E84-426E-40DD-AFC4-6F175D3DCCD1}">
-              <a14:hiddenFill xmlns:a14="http://schemas.microsoft.com/office/drawing/2010/main" xmlns="">
-                <a:solidFill>
-                  <a:srgbClr val="FFFFFF"/>
-                </a:solidFill>
-              </a14:hiddenFill>
-            </a:ext>
-            <a:ext uri="{AF507438-7753-43E0-B8FC-AC1667EBCBE1}">
-              <a14:hiddenEffects xmlns:a14="http://schemas.microsoft.com/office/drawing/2010/main" xmlns="">
-                <a:effectLst>
-                  <a:outerShdw dist="35921" dir="2700000" algn="ctr" rotWithShape="0">
-                    <a:srgbClr val="808080"/>
-                  </a:outerShdw>
-                </a:effectLst>
-              </a14:hiddenEffects>
-            </a:ext>
-          </a:extLst>
-        </p:spPr>
-      </p:cxnSp>
-      <p:sp>
-        <p:nvSpPr>
-          <p:cNvPr id="11" name="TextBox 10"/>
-          <p:cNvSpPr txBox="1"/>
-          <p:nvPr/>
-        </p:nvSpPr>
-        <p:spPr>
-          <a:xfrm>
-            <a:off x="4496105" y="2992871"/>
-            <a:ext cx="1081226" cy="400110"/>
-          </a:xfrm>
-          <a:prstGeom prst="rect">
-            <a:avLst/>
-          </a:prstGeom>
-          <a:noFill/>
-        </p:spPr>
-        <p:txBody>
-          <a:bodyPr wrap="square" rtlCol="0">
-            <a:spAutoFit/>
-          </a:bodyPr>
-          <a:lstStyle/>
-          <a:p>
-            <a:r>
-              <a:rPr lang="en-US" dirty="0" smtClean="0"/>
-              <a:t>City</a:t>
-            </a:r>
-            <a:endParaRPr lang="en-US" dirty="0"/>
-          </a:p>
-        </p:txBody>
-      </p:sp>
-      <p:sp>
-        <p:nvSpPr>
-          <p:cNvPr id="14" name="TextBox 13"/>
-          <p:cNvSpPr txBox="1"/>
-          <p:nvPr/>
-        </p:nvSpPr>
-        <p:spPr>
-          <a:xfrm>
-            <a:off x="1460305" y="4187950"/>
-            <a:ext cx="6299285" cy="1446550"/>
-          </a:xfrm>
-          <a:prstGeom prst="rect">
-            <a:avLst/>
-          </a:prstGeom>
-          <a:noFill/>
-        </p:spPr>
-        <p:txBody>
-          <a:bodyPr wrap="square" rtlCol="0">
-            <a:spAutoFit/>
-          </a:bodyPr>
-          <a:lstStyle/>
-          <a:p>
-            <a:r>
-              <a:rPr lang="en-US" dirty="0" smtClean="0"/>
-              <a:t>I’m at Milano’s family restaurant in </a:t>
-            </a:r>
-            <a:r>
-              <a:rPr lang="en-US" u="sng" dirty="0" smtClean="0"/>
-              <a:t>Springfield, VA</a:t>
-            </a:r>
-          </a:p>
-          <a:p>
-            <a:endParaRPr lang="en-US" dirty="0"/>
-          </a:p>
-          <a:p>
-            <a:r>
-              <a:rPr lang="en-US" dirty="0" smtClean="0"/>
-              <a:t>Great crowd for @</a:t>
-            </a:r>
-            <a:r>
-              <a:rPr lang="en-US" dirty="0" err="1" smtClean="0"/>
-              <a:t>katieschuermann’s</a:t>
-            </a:r>
-            <a:r>
-              <a:rPr lang="en-US" dirty="0" smtClean="0"/>
-              <a:t> book signing at </a:t>
-            </a:r>
-            <a:r>
-              <a:rPr lang="en-US" dirty="0" err="1" smtClean="0"/>
-              <a:t>Barnnes</a:t>
-            </a:r>
-            <a:r>
-              <a:rPr lang="en-US" dirty="0" smtClean="0"/>
-              <a:t> and noble today in </a:t>
-            </a:r>
-            <a:r>
-              <a:rPr lang="en-US" u="sng" dirty="0" smtClean="0"/>
-              <a:t>Springfield, IL</a:t>
-            </a:r>
-            <a:endParaRPr lang="en-US" u="sng" dirty="0"/>
-          </a:p>
-        </p:txBody>
-      </p:sp>
+      </p:pic>
     </p:spTree>
     <p:extLst>
       <p:ext uri="{BB962C8B-B14F-4D97-AF65-F5344CB8AC3E}">
-        <p14:creationId xmlns:p14="http://schemas.microsoft.com/office/powerpoint/2010/main" xmlns="" val="2501871751"/>
+        <p14:creationId xmlns="" xmlns:p14="http://schemas.microsoft.com/office/powerpoint/2010/main" val="2429929950"/>
       </p:ext>
     </p:extLst>
   </p:cSld>
@@ -14656,21 +14386,21 @@
         </p:nvSpPr>
         <p:spPr bwMode="auto">
           <a:xfrm>
-            <a:off x="1536200" y="393200"/>
-            <a:ext cx="7134225" cy="834845"/>
+            <a:off x="1763885" y="0"/>
+            <a:ext cx="7134225" cy="469095"/>
           </a:xfrm>
           <a:noFill/>
           <a:ln/>
           <a:extLst>
             <a:ext uri="{909E8E84-426E-40DD-AFC4-6F175D3DCCD1}">
-              <a14:hiddenFill xmlns:a14="http://schemas.microsoft.com/office/drawing/2010/main" xmlns="">
+              <a14:hiddenFill xmlns="" xmlns:a14="http://schemas.microsoft.com/office/drawing/2010/main">
                 <a:solidFill>
                   <a:schemeClr val="accent1"/>
                 </a:solidFill>
               </a14:hiddenFill>
             </a:ext>
             <a:ext uri="{91240B29-F687-4F45-9708-019B960494DF}">
-              <a14:hiddenLine xmlns:a14="http://schemas.microsoft.com/office/drawing/2010/main" xmlns="" w="9525">
+              <a14:hiddenLine xmlns="" xmlns:a14="http://schemas.microsoft.com/office/drawing/2010/main" w="9525">
                 <a:solidFill>
                   <a:schemeClr val="tx1"/>
                 </a:solidFill>
@@ -14680,7 +14410,7 @@
               </a14:hiddenLine>
             </a:ext>
             <a:ext uri="{AF507438-7753-43E0-B8FC-AC1667EBCBE1}">
-              <a14:hiddenEffects xmlns:a14="http://schemas.microsoft.com/office/drawing/2010/main" xmlns="">
+              <a14:hiddenEffects xmlns="" xmlns:a14="http://schemas.microsoft.com/office/drawing/2010/main">
                 <a:effectLst>
                   <a:outerShdw dist="35921" dir="2700000" algn="ctr" rotWithShape="0">
                     <a:schemeClr val="bg2"/>
@@ -14698,6 +14428,9 @@
           </a:bodyPr>
           <a:lstStyle/>
           <a:p>
+            <a:endParaRPr lang="en-US" altLang="en-US" sz="2400" dirty="0"/>
+          </a:p>
+          <a:p>
             <a:pPr marL="0" indent="0">
               <a:buNone/>
             </a:pPr>
@@ -14707,7 +14440,7 @@
                   <a:srgbClr val="C00000"/>
                 </a:solidFill>
               </a:rPr>
-              <a:t>Module 4: </a:t>
+              <a:t>Module 3: </a:t>
             </a:r>
             <a:r>
               <a:rPr lang="en-US" sz="3200" dirty="0" smtClean="0">
@@ -14715,7 +14448,7 @@
                   <a:srgbClr val="C00000"/>
                 </a:solidFill>
               </a:rPr>
-              <a:t>Social </a:t>
+              <a:t>Supervised </a:t>
             </a:r>
             <a:r>
               <a:rPr lang="en-US" sz="3200" dirty="0">
@@ -14723,7 +14456,7 @@
                   <a:srgbClr val="C00000"/>
                 </a:solidFill>
               </a:rPr>
-              <a:t>N</a:t>
+              <a:t>L</a:t>
             </a:r>
             <a:r>
               <a:rPr lang="en-US" sz="3200" dirty="0" smtClean="0">
@@ -14731,39 +14464,7 @@
                   <a:srgbClr val="C00000"/>
                 </a:solidFill>
               </a:rPr>
-              <a:t>etwork </a:t>
-            </a:r>
-            <a:r>
-              <a:rPr lang="en-US" sz="3200" dirty="0">
-                <a:solidFill>
-                  <a:srgbClr val="C00000"/>
-                </a:solidFill>
-              </a:rPr>
-              <a:t>G</a:t>
-            </a:r>
-            <a:r>
-              <a:rPr lang="en-US" sz="3200" dirty="0" smtClean="0">
-                <a:solidFill>
-                  <a:srgbClr val="C00000"/>
-                </a:solidFill>
-              </a:rPr>
-              <a:t>raph </a:t>
-            </a:r>
-            <a:r>
-              <a:rPr lang="en-US" sz="3200" dirty="0">
-                <a:solidFill>
-                  <a:srgbClr val="C00000"/>
-                </a:solidFill>
-              </a:rPr>
-              <a:t>construction using </a:t>
-            </a:r>
-            <a:r>
-              <a:rPr lang="en-US" sz="3200" dirty="0" err="1" smtClean="0">
-                <a:solidFill>
-                  <a:srgbClr val="C00000"/>
-                </a:solidFill>
-              </a:rPr>
-              <a:t>NetworkX</a:t>
+              <a:t>earning</a:t>
             </a:r>
             <a:endParaRPr lang="en-US" altLang="en-US" sz="3200" dirty="0">
               <a:solidFill>
@@ -14781,8 +14482,8 @@
         </p:nvSpPr>
         <p:spPr>
           <a:xfrm>
-            <a:off x="1460305" y="1607520"/>
-            <a:ext cx="7134226" cy="3471720"/>
+            <a:off x="1991570" y="1076255"/>
+            <a:ext cx="6223390" cy="4358116"/>
           </a:xfrm>
           <a:prstGeom prst="rect">
             <a:avLst/>
@@ -14795,73 +14496,123 @@
           </a:bodyPr>
           <a:lstStyle/>
           <a:p>
-            <a:pPr marL="285750" indent="-285750" algn="l">
+            <a:pPr marL="342900" indent="-342900" algn="l">
               <a:buFont typeface="Wingdings" panose="05000000000000000000" pitchFamily="2" charset="2"/>
               <a:buChar char="§"/>
             </a:pPr>
             <a:r>
-              <a:rPr lang="en-US" sz="1800" dirty="0"/>
-              <a:t>Scrapped T</a:t>
-            </a:r>
-            <a:r>
               <a:rPr lang="en-US" sz="1800" dirty="0" smtClean="0"/>
-              <a:t>witter </a:t>
-            </a:r>
-            <a:r>
-              <a:rPr lang="en-US" sz="1800" dirty="0"/>
-              <a:t>(using the rest end points exposed) to fetch users and their friends in a breadth first fashion.	</a:t>
-            </a:r>
+              <a:t>Stanford NER - Based on linear chain CRF model</a:t>
+            </a:r>
+          </a:p>
+          <a:p>
+            <a:pPr algn="l"/>
             <a:endParaRPr lang="en-US" sz="1800" dirty="0" smtClean="0"/>
           </a:p>
           <a:p>
-            <a:pPr algn="l"/>
-            <a:endParaRPr lang="en-US" sz="1800" dirty="0"/>
-          </a:p>
-          <a:p>
-            <a:pPr marL="285750" indent="-285750" algn="l">
+            <a:pPr marL="342900" indent="-342900" algn="l">
               <a:buFont typeface="Wingdings" panose="05000000000000000000" pitchFamily="2" charset="2"/>
               <a:buChar char="§"/>
             </a:pPr>
             <a:r>
               <a:rPr lang="en-US" sz="1800" dirty="0" smtClean="0"/>
-              <a:t>This </a:t>
+              <a:t>Existing models </a:t>
             </a:r>
             <a:r>
               <a:rPr lang="en-US" sz="1800" dirty="0"/>
-              <a:t>user information (including friendship) is used to construct a social network graph. </a:t>
-            </a:r>
+              <a:t>label sequences of words in a text (PERSON, ORGANIZATION, LOCATION)</a:t>
+            </a:r>
+            <a:br>
+              <a:rPr lang="en-US" sz="1800" dirty="0"/>
+            </a:br>
             <a:endParaRPr lang="en-US" sz="1800" dirty="0" smtClean="0"/>
           </a:p>
           <a:p>
-            <a:pPr algn="l"/>
-            <a:endParaRPr lang="en-US" sz="1800" dirty="0"/>
-          </a:p>
-          <a:p>
-            <a:pPr marL="285750" indent="-285750" algn="l">
+            <a:pPr marL="342900" indent="-342900" algn="l">
               <a:buFont typeface="Wingdings" panose="05000000000000000000" pitchFamily="2" charset="2"/>
               <a:buChar char="§"/>
             </a:pPr>
             <a:r>
+              <a:rPr lang="en-US" sz="1800" dirty="0" smtClean="0"/>
+              <a:t>Building a custom sequence model to identify three </a:t>
+            </a:r>
+            <a:r>
               <a:rPr lang="en-US" sz="1800" dirty="0"/>
-              <a:t>Few measures like centrality and similarity are computed to get a picture of the social network </a:t>
-            </a:r>
+              <a:t>parts of </a:t>
+            </a:r>
+            <a:r>
+              <a:rPr lang="en-US" sz="1800" dirty="0" smtClean="0"/>
+              <a:t>a location </a:t>
+            </a:r>
+            <a:r>
+              <a:rPr lang="en-US" sz="1800" dirty="0"/>
+              <a:t>in a text (POI, CITY, </a:t>
+            </a:r>
+            <a:r>
+              <a:rPr lang="en-US" sz="1800" dirty="0" smtClean="0"/>
+              <a:t>STATE)</a:t>
+            </a:r>
+          </a:p>
+          <a:p>
+            <a:pPr algn="l"/>
             <a:endParaRPr lang="en-US" sz="1800" dirty="0" smtClean="0"/>
           </a:p>
           <a:p>
-            <a:pPr algn="l"/>
-            <a:r>
-              <a:rPr lang="en-US" sz="1800" dirty="0"/>
-              <a:t>	</a:t>
-            </a:r>
-          </a:p>
-          <a:p>
-            <a:pPr marL="285750" indent="-285750" algn="l">
+            <a:pPr marL="342900" indent="-342900" algn="l">
               <a:buFont typeface="Wingdings" panose="05000000000000000000" pitchFamily="2" charset="2"/>
               <a:buChar char="§"/>
             </a:pPr>
             <a:r>
               <a:rPr lang="en-US" sz="1800" dirty="0"/>
-              <a:t>As expected, there are many users with minimal friends and a few users with maximum friends. </a:t>
+              <a:t>NER is applied on the tweets of the user and his friends</a:t>
+            </a:r>
+            <a:br>
+              <a:rPr lang="en-US" sz="1800" dirty="0"/>
+            </a:br>
+            <a:endParaRPr lang="en-US" sz="1800" dirty="0" smtClean="0"/>
+          </a:p>
+          <a:p>
+            <a:pPr marL="342900" indent="-342900" algn="l">
+              <a:buFont typeface="Wingdings" panose="05000000000000000000" pitchFamily="2" charset="2"/>
+              <a:buChar char="§"/>
+            </a:pPr>
+            <a:r>
+              <a:rPr lang="en-US" sz="1800" dirty="0" err="1" smtClean="0"/>
+              <a:t>GeoNames</a:t>
+            </a:r>
+            <a:r>
+              <a:rPr lang="en-US" sz="1800" dirty="0" smtClean="0"/>
+              <a:t> </a:t>
+            </a:r>
+            <a:r>
+              <a:rPr lang="en-US" sz="1800" dirty="0"/>
+              <a:t>DB for tagging POI's and mapping POI's to states</a:t>
+            </a:r>
+            <a:br>
+              <a:rPr lang="en-US" sz="1800" dirty="0"/>
+            </a:br>
+            <a:endParaRPr lang="en-US" sz="1800" dirty="0" smtClean="0"/>
+          </a:p>
+          <a:p>
+            <a:pPr marL="342900" indent="-342900" algn="l">
+              <a:buFont typeface="Wingdings" panose="05000000000000000000" pitchFamily="2" charset="2"/>
+              <a:buChar char="§"/>
+            </a:pPr>
+            <a:r>
+              <a:rPr lang="en-US" sz="1800" dirty="0" smtClean="0"/>
+              <a:t>Also to identify </a:t>
+            </a:r>
+            <a:r>
+              <a:rPr lang="en-US" sz="1800" dirty="0"/>
+              <a:t>and </a:t>
+            </a:r>
+            <a:r>
+              <a:rPr lang="en-US" sz="1800" dirty="0" smtClean="0"/>
+              <a:t>tag </a:t>
+            </a:r>
+            <a:r>
+              <a:rPr lang="en-US" sz="1800" dirty="0"/>
+              <a:t>abbreviations</a:t>
             </a:r>
           </a:p>
         </p:txBody>
@@ -14869,7 +14620,7 @@
     </p:spTree>
     <p:extLst>
       <p:ext uri="{BB962C8B-B14F-4D97-AF65-F5344CB8AC3E}">
-        <p14:creationId xmlns:p14="http://schemas.microsoft.com/office/powerpoint/2010/main" xmlns="" val="4053586189"/>
+        <p14:creationId xmlns="" xmlns:p14="http://schemas.microsoft.com/office/powerpoint/2010/main" val="764352400"/>
       </p:ext>
     </p:extLst>
   </p:cSld>
@@ -14903,6 +14654,758 @@
           <a:chExt cx="0" cy="0"/>
         </a:xfrm>
       </p:grpSpPr>
+      <p:sp>
+        <p:nvSpPr>
+          <p:cNvPr id="2" name="Title 1"/>
+          <p:cNvSpPr>
+            <a:spLocks noGrp="1"/>
+          </p:cNvSpPr>
+          <p:nvPr>
+            <p:ph type="title"/>
+          </p:nvPr>
+        </p:nvSpPr>
+        <p:spPr/>
+        <p:txBody>
+          <a:bodyPr/>
+          <a:lstStyle/>
+          <a:p>
+            <a:pPr algn="ctr"/>
+            <a:r>
+              <a:rPr lang="en-US" dirty="0" smtClean="0"/>
+              <a:t>Example</a:t>
+            </a:r>
+            <a:endParaRPr lang="en-US" dirty="0"/>
+          </a:p>
+        </p:txBody>
+      </p:sp>
+      <p:sp>
+        <p:nvSpPr>
+          <p:cNvPr id="3" name="Content Placeholder 2"/>
+          <p:cNvSpPr>
+            <a:spLocks noGrp="1"/>
+          </p:cNvSpPr>
+          <p:nvPr>
+            <p:ph idx="1"/>
+          </p:nvPr>
+        </p:nvSpPr>
+        <p:spPr/>
+        <p:txBody>
+          <a:bodyPr/>
+          <a:lstStyle/>
+          <a:p>
+            <a:pPr marL="0" indent="0">
+              <a:buNone/>
+            </a:pPr>
+            <a:r>
+              <a:rPr lang="en-US" sz="2000" dirty="0" smtClean="0"/>
+              <a:t>Tweet</a:t>
+            </a:r>
+          </a:p>
+          <a:p>
+            <a:pPr marL="0" indent="0">
+              <a:buNone/>
+            </a:pPr>
+            <a:endParaRPr lang="en-US" sz="2000" dirty="0"/>
+          </a:p>
+          <a:p>
+            <a:pPr marL="0" indent="0">
+              <a:buNone/>
+            </a:pPr>
+            <a:r>
+              <a:rPr lang="en-US" sz="2000" b="0" dirty="0" smtClean="0"/>
+              <a:t>Arizona State University’s Tempe campus gets a green revamp @</a:t>
+            </a:r>
+            <a:r>
+              <a:rPr lang="en-US" sz="2000" b="0" dirty="0" err="1" smtClean="0"/>
+              <a:t>ASUGreen</a:t>
+            </a:r>
+            <a:endParaRPr lang="en-US" sz="2000" b="0" dirty="0" smtClean="0"/>
+          </a:p>
+          <a:p>
+            <a:pPr marL="0" indent="0">
+              <a:buNone/>
+            </a:pPr>
+            <a:endParaRPr lang="en-US" sz="2000" b="0" dirty="0"/>
+          </a:p>
+          <a:p>
+            <a:pPr marL="0" indent="0">
+              <a:buNone/>
+            </a:pPr>
+            <a:endParaRPr lang="en-US" sz="2000" b="0" dirty="0" smtClean="0"/>
+          </a:p>
+        </p:txBody>
+      </p:sp>
+      <p:sp>
+        <p:nvSpPr>
+          <p:cNvPr id="4" name="Oval 3"/>
+          <p:cNvSpPr/>
+          <p:nvPr/>
+        </p:nvSpPr>
+        <p:spPr bwMode="auto">
+          <a:xfrm>
+            <a:off x="1219201" y="1835205"/>
+            <a:ext cx="3049220" cy="531265"/>
+          </a:xfrm>
+          <a:prstGeom prst="ellipse">
+            <a:avLst/>
+          </a:prstGeom>
+          <a:noFill/>
+          <a:ln w="33401" cap="flat" cmpd="sng" algn="ctr">
+            <a:solidFill>
+              <a:srgbClr val="800000"/>
+            </a:solidFill>
+            <a:prstDash val="solid"/>
+            <a:round/>
+            <a:headEnd type="none" w="med" len="med"/>
+            <a:tailEnd type="none" w="med" len="med"/>
+          </a:ln>
+          <a:effectLst/>
+          <a:extLst>
+            <a:ext uri="{909E8E84-426E-40DD-AFC4-6F175D3DCCD1}">
+              <a14:hiddenFill xmlns="" xmlns:a14="http://schemas.microsoft.com/office/drawing/2010/main">
+                <a:solidFill>
+                  <a:srgbClr val="FFFFFF"/>
+                </a:solidFill>
+              </a14:hiddenFill>
+            </a:ext>
+            <a:ext uri="{AF507438-7753-43E0-B8FC-AC1667EBCBE1}">
+              <a14:hiddenEffects xmlns="" xmlns:a14="http://schemas.microsoft.com/office/drawing/2010/main">
+                <a:effectLst>
+                  <a:outerShdw dist="35921" dir="2700000" algn="ctr" rotWithShape="0">
+                    <a:srgbClr val="808080"/>
+                  </a:outerShdw>
+                </a:effectLst>
+              </a14:hiddenEffects>
+            </a:ext>
+          </a:extLst>
+        </p:spPr>
+        <p:txBody>
+          <a:bodyPr vert="horz" wrap="square" lIns="91440" tIns="45720" rIns="91440" bIns="45720" numCol="1" rtlCol="0" anchor="t" anchorCtr="0" compatLnSpc="1">
+            <a:prstTxWarp prst="textNoShape">
+              <a:avLst/>
+            </a:prstTxWarp>
+          </a:bodyPr>
+          <a:lstStyle/>
+          <a:p>
+            <a:pPr marL="342900" marR="0" indent="-342900" algn="ctr" defTabSz="914400" rtl="0" eaLnBrk="1" fontAlgn="base" latinLnBrk="0" hangingPunct="1">
+              <a:lnSpc>
+                <a:spcPct val="100000"/>
+              </a:lnSpc>
+              <a:spcBef>
+                <a:spcPct val="20000"/>
+              </a:spcBef>
+              <a:spcAft>
+                <a:spcPct val="0"/>
+              </a:spcAft>
+              <a:buClrTx/>
+              <a:buSzTx/>
+              <a:buFontTx/>
+              <a:buNone/>
+              <a:tabLst/>
+            </a:pPr>
+            <a:endParaRPr kumimoji="0" lang="en-US" sz="2000" b="0" i="0" u="none" strike="noStrike" cap="none" normalizeH="0" baseline="0" smtClean="0">
+              <a:ln>
+                <a:noFill/>
+              </a:ln>
+              <a:solidFill>
+                <a:schemeClr val="tx1"/>
+              </a:solidFill>
+              <a:effectLst/>
+              <a:latin typeface="Arial" panose="020B0604020202020204" pitchFamily="34" charset="0"/>
+            </a:endParaRPr>
+          </a:p>
+        </p:txBody>
+      </p:sp>
+      <p:cxnSp>
+        <p:nvCxnSpPr>
+          <p:cNvPr id="6" name="Straight Arrow Connector 5"/>
+          <p:cNvCxnSpPr/>
+          <p:nvPr/>
+        </p:nvCxnSpPr>
+        <p:spPr bwMode="auto">
+          <a:xfrm>
+            <a:off x="3281785" y="2366470"/>
+            <a:ext cx="75895" cy="628286"/>
+          </a:xfrm>
+          <a:prstGeom prst="straightConnector1">
+            <a:avLst/>
+          </a:prstGeom>
+          <a:noFill/>
+          <a:ln w="33401" cap="flat" cmpd="sng" algn="ctr">
+            <a:solidFill>
+              <a:srgbClr val="800000"/>
+            </a:solidFill>
+            <a:prstDash val="solid"/>
+            <a:round/>
+            <a:headEnd type="none" w="med" len="med"/>
+            <a:tailEnd type="triangle"/>
+          </a:ln>
+          <a:effectLst/>
+          <a:extLst>
+            <a:ext uri="{909E8E84-426E-40DD-AFC4-6F175D3DCCD1}">
+              <a14:hiddenFill xmlns="" xmlns:a14="http://schemas.microsoft.com/office/drawing/2010/main">
+                <a:solidFill>
+                  <a:srgbClr val="FFFFFF"/>
+                </a:solidFill>
+              </a14:hiddenFill>
+            </a:ext>
+            <a:ext uri="{AF507438-7753-43E0-B8FC-AC1667EBCBE1}">
+              <a14:hiddenEffects xmlns="" xmlns:a14="http://schemas.microsoft.com/office/drawing/2010/main">
+                <a:effectLst>
+                  <a:outerShdw dist="35921" dir="2700000" algn="ctr" rotWithShape="0">
+                    <a:srgbClr val="808080"/>
+                  </a:outerShdw>
+                </a:effectLst>
+              </a14:hiddenEffects>
+            </a:ext>
+          </a:extLst>
+        </p:spPr>
+      </p:cxnSp>
+      <p:sp>
+        <p:nvSpPr>
+          <p:cNvPr id="7" name="TextBox 6"/>
+          <p:cNvSpPr txBox="1"/>
+          <p:nvPr/>
+        </p:nvSpPr>
+        <p:spPr>
+          <a:xfrm>
+            <a:off x="2775240" y="3025337"/>
+            <a:ext cx="1366110" cy="707886"/>
+          </a:xfrm>
+          <a:prstGeom prst="rect">
+            <a:avLst/>
+          </a:prstGeom>
+          <a:noFill/>
+        </p:spPr>
+        <p:txBody>
+          <a:bodyPr wrap="square" rtlCol="0">
+            <a:spAutoFit/>
+          </a:bodyPr>
+          <a:lstStyle/>
+          <a:p>
+            <a:r>
+              <a:rPr lang="en-US" dirty="0" smtClean="0"/>
+              <a:t>Point of Interest</a:t>
+            </a:r>
+            <a:endParaRPr lang="en-US" dirty="0"/>
+          </a:p>
+        </p:txBody>
+      </p:sp>
+      <p:sp>
+        <p:nvSpPr>
+          <p:cNvPr id="8" name="Oval 7"/>
+          <p:cNvSpPr/>
+          <p:nvPr/>
+        </p:nvSpPr>
+        <p:spPr bwMode="auto">
+          <a:xfrm>
+            <a:off x="4211777" y="1911099"/>
+            <a:ext cx="986634" cy="379475"/>
+          </a:xfrm>
+          <a:prstGeom prst="ellipse">
+            <a:avLst/>
+          </a:prstGeom>
+          <a:noFill/>
+          <a:ln w="33401" cap="flat" cmpd="sng" algn="ctr">
+            <a:solidFill>
+              <a:srgbClr val="800000"/>
+            </a:solidFill>
+            <a:prstDash val="solid"/>
+            <a:round/>
+            <a:headEnd type="none" w="med" len="med"/>
+            <a:tailEnd type="none" w="med" len="med"/>
+          </a:ln>
+          <a:effectLst/>
+          <a:extLst>
+            <a:ext uri="{909E8E84-426E-40DD-AFC4-6F175D3DCCD1}">
+              <a14:hiddenFill xmlns="" xmlns:a14="http://schemas.microsoft.com/office/drawing/2010/main">
+                <a:solidFill>
+                  <a:srgbClr val="FFFFFF"/>
+                </a:solidFill>
+              </a14:hiddenFill>
+            </a:ext>
+            <a:ext uri="{AF507438-7753-43E0-B8FC-AC1667EBCBE1}">
+              <a14:hiddenEffects xmlns="" xmlns:a14="http://schemas.microsoft.com/office/drawing/2010/main">
+                <a:effectLst>
+                  <a:outerShdw dist="35921" dir="2700000" algn="ctr" rotWithShape="0">
+                    <a:srgbClr val="808080"/>
+                  </a:outerShdw>
+                </a:effectLst>
+              </a14:hiddenEffects>
+            </a:ext>
+          </a:extLst>
+        </p:spPr>
+        <p:txBody>
+          <a:bodyPr vert="horz" wrap="square" lIns="91440" tIns="45720" rIns="91440" bIns="45720" numCol="1" rtlCol="0" anchor="t" anchorCtr="0" compatLnSpc="1">
+            <a:prstTxWarp prst="textNoShape">
+              <a:avLst/>
+            </a:prstTxWarp>
+          </a:bodyPr>
+          <a:lstStyle/>
+          <a:p>
+            <a:pPr marL="342900" marR="0" indent="-342900" algn="ctr" defTabSz="914400" rtl="0" eaLnBrk="1" fontAlgn="base" latinLnBrk="0" hangingPunct="1">
+              <a:lnSpc>
+                <a:spcPct val="100000"/>
+              </a:lnSpc>
+              <a:spcBef>
+                <a:spcPct val="20000"/>
+              </a:spcBef>
+              <a:spcAft>
+                <a:spcPct val="0"/>
+              </a:spcAft>
+              <a:buClrTx/>
+              <a:buSzTx/>
+              <a:buFontTx/>
+              <a:buNone/>
+              <a:tabLst/>
+            </a:pPr>
+            <a:endParaRPr kumimoji="0" lang="en-US" sz="2000" b="0" i="0" u="none" strike="noStrike" cap="none" normalizeH="0" baseline="0" smtClean="0">
+              <a:ln>
+                <a:noFill/>
+              </a:ln>
+              <a:solidFill>
+                <a:schemeClr val="tx1"/>
+              </a:solidFill>
+              <a:effectLst/>
+              <a:latin typeface="Arial" panose="020B0604020202020204" pitchFamily="34" charset="0"/>
+            </a:endParaRPr>
+          </a:p>
+        </p:txBody>
+      </p:sp>
+      <p:cxnSp>
+        <p:nvCxnSpPr>
+          <p:cNvPr id="10" name="Straight Arrow Connector 9"/>
+          <p:cNvCxnSpPr/>
+          <p:nvPr/>
+        </p:nvCxnSpPr>
+        <p:spPr bwMode="auto">
+          <a:xfrm>
+            <a:off x="4799685" y="2281120"/>
+            <a:ext cx="150399" cy="602213"/>
+          </a:xfrm>
+          <a:prstGeom prst="straightConnector1">
+            <a:avLst/>
+          </a:prstGeom>
+          <a:noFill/>
+          <a:ln w="33401" cap="flat" cmpd="sng" algn="ctr">
+            <a:solidFill>
+              <a:srgbClr val="800000"/>
+            </a:solidFill>
+            <a:prstDash val="solid"/>
+            <a:round/>
+            <a:headEnd type="none" w="med" len="med"/>
+            <a:tailEnd type="triangle"/>
+          </a:ln>
+          <a:effectLst/>
+          <a:extLst>
+            <a:ext uri="{909E8E84-426E-40DD-AFC4-6F175D3DCCD1}">
+              <a14:hiddenFill xmlns="" xmlns:a14="http://schemas.microsoft.com/office/drawing/2010/main">
+                <a:solidFill>
+                  <a:srgbClr val="FFFFFF"/>
+                </a:solidFill>
+              </a14:hiddenFill>
+            </a:ext>
+            <a:ext uri="{AF507438-7753-43E0-B8FC-AC1667EBCBE1}">
+              <a14:hiddenEffects xmlns="" xmlns:a14="http://schemas.microsoft.com/office/drawing/2010/main">
+                <a:effectLst>
+                  <a:outerShdw dist="35921" dir="2700000" algn="ctr" rotWithShape="0">
+                    <a:srgbClr val="808080"/>
+                  </a:outerShdw>
+                </a:effectLst>
+              </a14:hiddenEffects>
+            </a:ext>
+          </a:extLst>
+        </p:spPr>
+      </p:cxnSp>
+      <p:sp>
+        <p:nvSpPr>
+          <p:cNvPr id="11" name="TextBox 10"/>
+          <p:cNvSpPr txBox="1"/>
+          <p:nvPr/>
+        </p:nvSpPr>
+        <p:spPr>
+          <a:xfrm>
+            <a:off x="4496105" y="2992871"/>
+            <a:ext cx="1081226" cy="400110"/>
+          </a:xfrm>
+          <a:prstGeom prst="rect">
+            <a:avLst/>
+          </a:prstGeom>
+          <a:noFill/>
+        </p:spPr>
+        <p:txBody>
+          <a:bodyPr wrap="square" rtlCol="0">
+            <a:spAutoFit/>
+          </a:bodyPr>
+          <a:lstStyle/>
+          <a:p>
+            <a:r>
+              <a:rPr lang="en-US" dirty="0" smtClean="0"/>
+              <a:t>City</a:t>
+            </a:r>
+            <a:endParaRPr lang="en-US" dirty="0"/>
+          </a:p>
+        </p:txBody>
+      </p:sp>
+      <p:sp>
+        <p:nvSpPr>
+          <p:cNvPr id="14" name="TextBox 13"/>
+          <p:cNvSpPr txBox="1"/>
+          <p:nvPr/>
+        </p:nvSpPr>
+        <p:spPr>
+          <a:xfrm>
+            <a:off x="1460305" y="4187950"/>
+            <a:ext cx="6299285" cy="1446550"/>
+          </a:xfrm>
+          <a:prstGeom prst="rect">
+            <a:avLst/>
+          </a:prstGeom>
+          <a:noFill/>
+        </p:spPr>
+        <p:txBody>
+          <a:bodyPr wrap="square" rtlCol="0">
+            <a:spAutoFit/>
+          </a:bodyPr>
+          <a:lstStyle/>
+          <a:p>
+            <a:r>
+              <a:rPr lang="en-US" dirty="0" smtClean="0"/>
+              <a:t>I’m at Milano’s family restaurant in </a:t>
+            </a:r>
+            <a:r>
+              <a:rPr lang="en-US" u="sng" dirty="0" smtClean="0"/>
+              <a:t>Springfield, VA</a:t>
+            </a:r>
+          </a:p>
+          <a:p>
+            <a:endParaRPr lang="en-US" dirty="0"/>
+          </a:p>
+          <a:p>
+            <a:r>
+              <a:rPr lang="en-US" dirty="0" smtClean="0"/>
+              <a:t>Great crowd for @</a:t>
+            </a:r>
+            <a:r>
+              <a:rPr lang="en-US" dirty="0" err="1" smtClean="0"/>
+              <a:t>katieschuermann’s</a:t>
+            </a:r>
+            <a:r>
+              <a:rPr lang="en-US" dirty="0" smtClean="0"/>
+              <a:t> book signing at </a:t>
+            </a:r>
+            <a:r>
+              <a:rPr lang="en-US" dirty="0" err="1" smtClean="0"/>
+              <a:t>Barnnes</a:t>
+            </a:r>
+            <a:r>
+              <a:rPr lang="en-US" dirty="0" smtClean="0"/>
+              <a:t> and noble today in </a:t>
+            </a:r>
+            <a:r>
+              <a:rPr lang="en-US" u="sng" dirty="0" smtClean="0"/>
+              <a:t>Springfield, IL</a:t>
+            </a:r>
+            <a:endParaRPr lang="en-US" u="sng" dirty="0"/>
+          </a:p>
+        </p:txBody>
+      </p:sp>
+    </p:spTree>
+    <p:extLst>
+      <p:ext uri="{BB962C8B-B14F-4D97-AF65-F5344CB8AC3E}">
+        <p14:creationId xmlns="" xmlns:p14="http://schemas.microsoft.com/office/powerpoint/2010/main" val="2501871751"/>
+      </p:ext>
+    </p:extLst>
+  </p:cSld>
+  <p:clrMapOvr>
+    <a:masterClrMapping/>
+  </p:clrMapOvr>
+  <p:timing>
+    <p:tnLst>
+      <p:par>
+        <p:cTn id="1" dur="indefinite" restart="never" nodeType="tmRoot"/>
+      </p:par>
+    </p:tnLst>
+  </p:timing>
+</p:sld>
+</file>
+
+<file path=ppt/slides/slide14.xml><?xml version="1.0" encoding="utf-8"?>
+<p:sld xmlns:a="http://schemas.openxmlformats.org/drawingml/2006/main" xmlns:r="http://schemas.openxmlformats.org/officeDocument/2006/relationships" xmlns:p="http://schemas.openxmlformats.org/presentationml/2006/main">
+  <p:cSld>
+    <p:spTree>
+      <p:nvGrpSpPr>
+        <p:cNvPr id="1" name=""/>
+        <p:cNvGrpSpPr/>
+        <p:nvPr/>
+      </p:nvGrpSpPr>
+      <p:grpSpPr>
+        <a:xfrm>
+          <a:off x="0" y="0"/>
+          <a:ext cx="0" cy="0"/>
+          <a:chOff x="0" y="0"/>
+          <a:chExt cx="0" cy="0"/>
+        </a:xfrm>
+      </p:grpSpPr>
+      <p:sp>
+        <p:nvSpPr>
+          <p:cNvPr id="133125" name="Rectangle 5"/>
+          <p:cNvSpPr>
+            <a:spLocks noGrp="1" noChangeArrowheads="1"/>
+          </p:cNvSpPr>
+          <p:nvPr>
+            <p:ph idx="1"/>
+          </p:nvPr>
+        </p:nvSpPr>
+        <p:spPr bwMode="auto">
+          <a:xfrm>
+            <a:off x="1536200" y="393200"/>
+            <a:ext cx="7134225" cy="834845"/>
+          </a:xfrm>
+          <a:noFill/>
+          <a:ln/>
+          <a:extLst>
+            <a:ext uri="{909E8E84-426E-40DD-AFC4-6F175D3DCCD1}">
+              <a14:hiddenFill xmlns="" xmlns:a14="http://schemas.microsoft.com/office/drawing/2010/main">
+                <a:solidFill>
+                  <a:schemeClr val="accent1"/>
+                </a:solidFill>
+              </a14:hiddenFill>
+            </a:ext>
+            <a:ext uri="{91240B29-F687-4F45-9708-019B960494DF}">
+              <a14:hiddenLine xmlns="" xmlns:a14="http://schemas.microsoft.com/office/drawing/2010/main" w="9525">
+                <a:solidFill>
+                  <a:schemeClr val="tx1"/>
+                </a:solidFill>
+                <a:miter lim="800000"/>
+                <a:headEnd/>
+                <a:tailEnd/>
+              </a14:hiddenLine>
+            </a:ext>
+            <a:ext uri="{AF507438-7753-43E0-B8FC-AC1667EBCBE1}">
+              <a14:hiddenEffects xmlns="" xmlns:a14="http://schemas.microsoft.com/office/drawing/2010/main">
+                <a:effectLst>
+                  <a:outerShdw dist="35921" dir="2700000" algn="ctr" rotWithShape="0">
+                    <a:schemeClr val="bg2"/>
+                  </a:outerShdw>
+                </a:effectLst>
+              </a14:hiddenEffects>
+            </a:ext>
+          </a:extLst>
+        </p:spPr>
+        <p:txBody>
+          <a:bodyPr vert="horz" wrap="square" lIns="91440" tIns="45720" rIns="91440" bIns="45720" numCol="1" anchor="t" anchorCtr="0" compatLnSpc="1">
+            <a:prstTxWarp prst="textNoShape">
+              <a:avLst/>
+            </a:prstTxWarp>
+          </a:bodyPr>
+          <a:lstStyle/>
+          <a:p>
+            <a:pPr marL="0" indent="0">
+              <a:buNone/>
+            </a:pPr>
+            <a:r>
+              <a:rPr lang="en-US" sz="3200" dirty="0">
+                <a:solidFill>
+                  <a:srgbClr val="C00000"/>
+                </a:solidFill>
+              </a:rPr>
+              <a:t>Module 4: </a:t>
+            </a:r>
+            <a:r>
+              <a:rPr lang="en-US" sz="3200" dirty="0" smtClean="0">
+                <a:solidFill>
+                  <a:srgbClr val="C00000"/>
+                </a:solidFill>
+              </a:rPr>
+              <a:t>Social </a:t>
+            </a:r>
+            <a:r>
+              <a:rPr lang="en-US" sz="3200" dirty="0">
+                <a:solidFill>
+                  <a:srgbClr val="C00000"/>
+                </a:solidFill>
+              </a:rPr>
+              <a:t>N</a:t>
+            </a:r>
+            <a:r>
+              <a:rPr lang="en-US" sz="3200" dirty="0" smtClean="0">
+                <a:solidFill>
+                  <a:srgbClr val="C00000"/>
+                </a:solidFill>
+              </a:rPr>
+              <a:t>etwork </a:t>
+            </a:r>
+            <a:r>
+              <a:rPr lang="en-US" sz="3200" dirty="0">
+                <a:solidFill>
+                  <a:srgbClr val="C00000"/>
+                </a:solidFill>
+              </a:rPr>
+              <a:t>G</a:t>
+            </a:r>
+            <a:r>
+              <a:rPr lang="en-US" sz="3200" dirty="0" smtClean="0">
+                <a:solidFill>
+                  <a:srgbClr val="C00000"/>
+                </a:solidFill>
+              </a:rPr>
+              <a:t>raph </a:t>
+            </a:r>
+            <a:r>
+              <a:rPr lang="en-US" sz="3200" dirty="0">
+                <a:solidFill>
+                  <a:srgbClr val="C00000"/>
+                </a:solidFill>
+              </a:rPr>
+              <a:t>construction using </a:t>
+            </a:r>
+            <a:r>
+              <a:rPr lang="en-US" sz="3200" dirty="0" err="1" smtClean="0">
+                <a:solidFill>
+                  <a:srgbClr val="C00000"/>
+                </a:solidFill>
+              </a:rPr>
+              <a:t>NetworkX</a:t>
+            </a:r>
+            <a:endParaRPr lang="en-US" altLang="en-US" sz="3200" dirty="0">
+              <a:solidFill>
+                <a:srgbClr val="C00000"/>
+              </a:solidFill>
+            </a:endParaRPr>
+          </a:p>
+        </p:txBody>
+      </p:sp>
+      <p:sp>
+        <p:nvSpPr>
+          <p:cNvPr id="2" name="TextBox 1"/>
+          <p:cNvSpPr txBox="1"/>
+          <p:nvPr/>
+        </p:nvSpPr>
+        <p:spPr>
+          <a:xfrm>
+            <a:off x="1460305" y="1607520"/>
+            <a:ext cx="7134226" cy="3471720"/>
+          </a:xfrm>
+          <a:prstGeom prst="rect">
+            <a:avLst/>
+          </a:prstGeom>
+          <a:noFill/>
+        </p:spPr>
+        <p:txBody>
+          <a:bodyPr wrap="square" rtlCol="0">
+            <a:spAutoFit/>
+          </a:bodyPr>
+          <a:lstStyle/>
+          <a:p>
+            <a:pPr marL="285750" indent="-285750" algn="l">
+              <a:buFont typeface="Wingdings" panose="05000000000000000000" pitchFamily="2" charset="2"/>
+              <a:buChar char="§"/>
+            </a:pPr>
+            <a:r>
+              <a:rPr lang="en-US" sz="1800" dirty="0"/>
+              <a:t>Scrapped T</a:t>
+            </a:r>
+            <a:r>
+              <a:rPr lang="en-US" sz="1800" dirty="0" smtClean="0"/>
+              <a:t>witter </a:t>
+            </a:r>
+            <a:r>
+              <a:rPr lang="en-US" sz="1800" dirty="0"/>
+              <a:t>(using the rest end points exposed) to fetch users and their friends in a breadth first fashion.	</a:t>
+            </a:r>
+            <a:endParaRPr lang="en-US" sz="1800" dirty="0" smtClean="0"/>
+          </a:p>
+          <a:p>
+            <a:pPr algn="l"/>
+            <a:endParaRPr lang="en-US" sz="1800" dirty="0"/>
+          </a:p>
+          <a:p>
+            <a:pPr marL="285750" indent="-285750" algn="l">
+              <a:buFont typeface="Wingdings" panose="05000000000000000000" pitchFamily="2" charset="2"/>
+              <a:buChar char="§"/>
+            </a:pPr>
+            <a:r>
+              <a:rPr lang="en-US" sz="1800" dirty="0" smtClean="0"/>
+              <a:t>This </a:t>
+            </a:r>
+            <a:r>
+              <a:rPr lang="en-US" sz="1800" dirty="0"/>
+              <a:t>user information (including friendship) is used to construct a social network graph. </a:t>
+            </a:r>
+            <a:endParaRPr lang="en-US" sz="1800" dirty="0" smtClean="0"/>
+          </a:p>
+          <a:p>
+            <a:pPr algn="l"/>
+            <a:endParaRPr lang="en-US" sz="1800" dirty="0"/>
+          </a:p>
+          <a:p>
+            <a:pPr marL="285750" indent="-285750" algn="l">
+              <a:buFont typeface="Wingdings" panose="05000000000000000000" pitchFamily="2" charset="2"/>
+              <a:buChar char="§"/>
+            </a:pPr>
+            <a:r>
+              <a:rPr lang="en-US" sz="1800" dirty="0"/>
+              <a:t>Few measures like centrality and similarity are computed to get a picture of the social network </a:t>
+            </a:r>
+            <a:endParaRPr lang="en-US" sz="1800" dirty="0" smtClean="0"/>
+          </a:p>
+          <a:p>
+            <a:pPr algn="l"/>
+            <a:r>
+              <a:rPr lang="en-US" sz="1800" dirty="0"/>
+              <a:t>	</a:t>
+            </a:r>
+          </a:p>
+          <a:p>
+            <a:pPr marL="285750" indent="-285750" algn="l">
+              <a:buFont typeface="Wingdings" panose="05000000000000000000" pitchFamily="2" charset="2"/>
+              <a:buChar char="§"/>
+            </a:pPr>
+            <a:r>
+              <a:rPr lang="en-US" sz="1800" dirty="0"/>
+              <a:t>As expected, there are many users with minimal friends and a few users with maximum friends. </a:t>
+            </a:r>
+          </a:p>
+        </p:txBody>
+      </p:sp>
+    </p:spTree>
+    <p:extLst>
+      <p:ext uri="{BB962C8B-B14F-4D97-AF65-F5344CB8AC3E}">
+        <p14:creationId xmlns="" xmlns:p14="http://schemas.microsoft.com/office/powerpoint/2010/main" val="4053586189"/>
+      </p:ext>
+    </p:extLst>
+  </p:cSld>
+  <p:clrMapOvr>
+    <a:masterClrMapping/>
+  </p:clrMapOvr>
+  <p:timing>
+    <p:tnLst>
+      <p:par>
+        <p:cTn id="1" dur="indefinite" restart="never" nodeType="tmRoot"/>
+      </p:par>
+    </p:tnLst>
+  </p:timing>
+</p:sld>
+</file>
+
+<file path=ppt/slides/slide15.xml><?xml version="1.0" encoding="utf-8"?>
+<p:sld xmlns:a="http://schemas.openxmlformats.org/drawingml/2006/main" xmlns:r="http://schemas.openxmlformats.org/officeDocument/2006/relationships" xmlns:p="http://schemas.openxmlformats.org/presentationml/2006/main">
+  <p:cSld>
+    <p:spTree>
+      <p:nvGrpSpPr>
+        <p:cNvPr id="1" name=""/>
+        <p:cNvGrpSpPr/>
+        <p:nvPr/>
+      </p:nvGrpSpPr>
+      <p:grpSpPr>
+        <a:xfrm>
+          <a:off x="0" y="0"/>
+          <a:ext cx="0" cy="0"/>
+          <a:chOff x="0" y="0"/>
+          <a:chExt cx="0" cy="0"/>
+        </a:xfrm>
+      </p:grpSpPr>
       <p:pic>
         <p:nvPicPr>
           <p:cNvPr id="4" name="Content Placeholder 3"/>
@@ -14917,7 +15420,7 @@
           <a:blip r:embed="rId2" cstate="print">
             <a:extLst>
               <a:ext uri="{28A0092B-C50C-407E-A947-70E740481C1C}">
-                <a14:useLocalDpi xmlns:a14="http://schemas.microsoft.com/office/drawing/2010/main" xmlns="" val="0"/>
+                <a14:useLocalDpi xmlns="" xmlns:a14="http://schemas.microsoft.com/office/drawing/2010/main" val="0"/>
               </a:ext>
             </a:extLst>
           </a:blip>
@@ -14973,551 +15476,7 @@
     </p:spTree>
     <p:extLst>
       <p:ext uri="{BB962C8B-B14F-4D97-AF65-F5344CB8AC3E}">
-        <p14:creationId xmlns:p14="http://schemas.microsoft.com/office/powerpoint/2010/main" xmlns="" val="2459363644"/>
-      </p:ext>
-    </p:extLst>
-  </p:cSld>
-  <p:clrMapOvr>
-    <a:masterClrMapping/>
-  </p:clrMapOvr>
-  <p:timing>
-    <p:tnLst>
-      <p:par>
-        <p:cTn id="1" dur="indefinite" restart="never" nodeType="tmRoot"/>
-      </p:par>
-    </p:tnLst>
-  </p:timing>
-</p:sld>
-</file>
-
-<file path=ppt/slides/slide14.xml><?xml version="1.0" encoding="utf-8"?>
-<p:sld xmlns:a="http://schemas.openxmlformats.org/drawingml/2006/main" xmlns:r="http://schemas.openxmlformats.org/officeDocument/2006/relationships" xmlns:p="http://schemas.openxmlformats.org/presentationml/2006/main">
-  <p:cSld>
-    <p:spTree>
-      <p:nvGrpSpPr>
-        <p:cNvPr id="1" name=""/>
-        <p:cNvGrpSpPr/>
-        <p:nvPr/>
-      </p:nvGrpSpPr>
-      <p:grpSpPr>
-        <a:xfrm>
-          <a:off x="0" y="0"/>
-          <a:ext cx="0" cy="0"/>
-          <a:chOff x="0" y="0"/>
-          <a:chExt cx="0" cy="0"/>
-        </a:xfrm>
-      </p:grpSpPr>
-      <p:sp>
-        <p:nvSpPr>
-          <p:cNvPr id="2" name="Title 1"/>
-          <p:cNvSpPr>
-            <a:spLocks noGrp="1"/>
-          </p:cNvSpPr>
-          <p:nvPr>
-            <p:ph type="title"/>
-          </p:nvPr>
-        </p:nvSpPr>
-        <p:spPr>
-          <a:xfrm>
-            <a:off x="1308515" y="696780"/>
-            <a:ext cx="7467600" cy="763587"/>
-          </a:xfrm>
-        </p:spPr>
-        <p:txBody>
-          <a:bodyPr/>
-          <a:lstStyle/>
-          <a:p>
-            <a:r>
-              <a:rPr lang="en-US" dirty="0"/>
-              <a:t>MODULE 5: USING SOCIAL NETWORKS TO RANK THE LOCATION PREDICTION</a:t>
-            </a:r>
-            <a:br>
-              <a:rPr lang="en-US" dirty="0"/>
-            </a:br>
-            <a:r>
-              <a:rPr lang="en-US" altLang="en-US" dirty="0"/>
-              <a:t/>
-            </a:r>
-            <a:br>
-              <a:rPr lang="en-US" altLang="en-US" dirty="0"/>
-            </a:br>
-            <a:endParaRPr lang="en-US" dirty="0"/>
-          </a:p>
-        </p:txBody>
-      </p:sp>
-      <p:sp>
-        <p:nvSpPr>
-          <p:cNvPr id="3" name="Content Placeholder 2"/>
-          <p:cNvSpPr>
-            <a:spLocks noGrp="1"/>
-          </p:cNvSpPr>
-          <p:nvPr>
-            <p:ph idx="1"/>
-          </p:nvPr>
-        </p:nvSpPr>
-        <p:spPr>
-          <a:xfrm>
-            <a:off x="1282622" y="1759310"/>
-            <a:ext cx="7467600" cy="3957215"/>
-          </a:xfrm>
-        </p:spPr>
-        <p:txBody>
-          <a:bodyPr/>
-          <a:lstStyle/>
-          <a:p>
-            <a:pPr>
-              <a:buClr>
-                <a:schemeClr val="tx1"/>
-              </a:buClr>
-            </a:pPr>
-            <a:r>
-              <a:rPr lang="en-US" sz="1800" b="0" dirty="0"/>
-              <a:t>Use social tightness model to predict similarity between </a:t>
-            </a:r>
-            <a:r>
-              <a:rPr lang="en-US" sz="1800" b="0" dirty="0" smtClean="0"/>
-              <a:t>users</a:t>
-            </a:r>
-          </a:p>
-          <a:p>
-            <a:pPr>
-              <a:buClr>
-                <a:schemeClr val="tx1"/>
-              </a:buClr>
-            </a:pPr>
-            <a:endParaRPr lang="en-US" sz="1800" b="0" dirty="0"/>
-          </a:p>
-          <a:p>
-            <a:pPr>
-              <a:buClr>
-                <a:schemeClr val="tx1"/>
-              </a:buClr>
-            </a:pPr>
-            <a:r>
-              <a:rPr lang="en-US" sz="1800" b="0" dirty="0"/>
-              <a:t>Identify the most influential (similar) friends of a user and extract their location (if available in user profile information</a:t>
-            </a:r>
-            <a:r>
-              <a:rPr lang="en-US" sz="1800" b="0" dirty="0" smtClean="0"/>
-              <a:t>)</a:t>
-            </a:r>
-          </a:p>
-          <a:p>
-            <a:pPr>
-              <a:buClr>
-                <a:schemeClr val="tx1"/>
-              </a:buClr>
-            </a:pPr>
-            <a:endParaRPr lang="en-US" sz="1800" b="0" dirty="0"/>
-          </a:p>
-          <a:p>
-            <a:pPr>
-              <a:buClr>
-                <a:schemeClr val="tx1"/>
-              </a:buClr>
-            </a:pPr>
-            <a:r>
-              <a:rPr lang="en-US" sz="1800" b="0" dirty="0"/>
-              <a:t>If location information is not available,  estimate the user's location and use this estimate in successive iterations </a:t>
-            </a:r>
-            <a:endParaRPr lang="en-US" sz="1800" b="0" dirty="0" smtClean="0"/>
-          </a:p>
-          <a:p>
-            <a:pPr>
-              <a:buClr>
-                <a:schemeClr val="tx1"/>
-              </a:buClr>
-            </a:pPr>
-            <a:endParaRPr lang="en-US" sz="1800" b="0" dirty="0"/>
-          </a:p>
-          <a:p>
-            <a:pPr>
-              <a:buClr>
-                <a:schemeClr val="tx1"/>
-              </a:buClr>
-            </a:pPr>
-            <a:r>
-              <a:rPr lang="en-US" sz="1800" b="0" dirty="0" smtClean="0"/>
-              <a:t>Identify </a:t>
-            </a:r>
-            <a:r>
-              <a:rPr lang="en-US" sz="1800" b="0" dirty="0"/>
-              <a:t>(influential) friends whose location estimations are closer to the user's predicted location</a:t>
-            </a:r>
-          </a:p>
-          <a:p>
-            <a:pPr>
-              <a:buClr>
-                <a:schemeClr val="tx1"/>
-              </a:buClr>
-            </a:pPr>
-            <a:endParaRPr lang="en-US" altLang="en-US" sz="1800" b="0" dirty="0"/>
-          </a:p>
-          <a:p>
-            <a:pPr>
-              <a:buClr>
-                <a:schemeClr val="tx1"/>
-              </a:buClr>
-            </a:pPr>
-            <a:endParaRPr lang="en-US" sz="1800" b="0" dirty="0"/>
-          </a:p>
-        </p:txBody>
-      </p:sp>
-    </p:spTree>
-    <p:extLst>
-      <p:ext uri="{BB962C8B-B14F-4D97-AF65-F5344CB8AC3E}">
-        <p14:creationId xmlns:p14="http://schemas.microsoft.com/office/powerpoint/2010/main" xmlns="" val="3537114441"/>
-      </p:ext>
-    </p:extLst>
-  </p:cSld>
-  <p:clrMapOvr>
-    <a:masterClrMapping/>
-  </p:clrMapOvr>
-  <p:timing>
-    <p:tnLst>
-      <p:par>
-        <p:cTn id="1" dur="indefinite" restart="never" nodeType="tmRoot"/>
-      </p:par>
-    </p:tnLst>
-  </p:timing>
-</p:sld>
-</file>
-
-<file path=ppt/slides/slide15.xml><?xml version="1.0" encoding="utf-8"?>
-<p:sld xmlns:a="http://schemas.openxmlformats.org/drawingml/2006/main" xmlns:r="http://schemas.openxmlformats.org/officeDocument/2006/relationships" xmlns:p="http://schemas.openxmlformats.org/presentationml/2006/main">
-  <p:cSld>
-    <p:spTree>
-      <p:nvGrpSpPr>
-        <p:cNvPr id="1" name=""/>
-        <p:cNvGrpSpPr/>
-        <p:nvPr/>
-      </p:nvGrpSpPr>
-      <p:grpSpPr>
-        <a:xfrm>
-          <a:off x="0" y="0"/>
-          <a:ext cx="0" cy="0"/>
-          <a:chOff x="0" y="0"/>
-          <a:chExt cx="0" cy="0"/>
-        </a:xfrm>
-      </p:grpSpPr>
-      <p:sp>
-        <p:nvSpPr>
-          <p:cNvPr id="2" name="Title 1"/>
-          <p:cNvSpPr>
-            <a:spLocks noGrp="1"/>
-          </p:cNvSpPr>
-          <p:nvPr>
-            <p:ph type="title"/>
-          </p:nvPr>
-        </p:nvSpPr>
-        <p:spPr/>
-        <p:txBody>
-          <a:bodyPr/>
-          <a:lstStyle/>
-          <a:p>
-            <a:r>
-              <a:rPr lang="en-US" dirty="0" smtClean="0"/>
-              <a:t>References</a:t>
-            </a:r>
-            <a:endParaRPr lang="en-US" dirty="0"/>
-          </a:p>
-        </p:txBody>
-      </p:sp>
-      <p:sp>
-        <p:nvSpPr>
-          <p:cNvPr id="4" name="Content Placeholder 3"/>
-          <p:cNvSpPr>
-            <a:spLocks noGrp="1"/>
-          </p:cNvSpPr>
-          <p:nvPr>
-            <p:ph idx="1"/>
-          </p:nvPr>
-        </p:nvSpPr>
-        <p:spPr/>
-        <p:txBody>
-          <a:bodyPr/>
-          <a:lstStyle/>
-          <a:p>
-            <a:pPr>
-              <a:buClrTx/>
-            </a:pPr>
-            <a:r>
-              <a:rPr lang="en-US" sz="1800" b="0" dirty="0"/>
-              <a:t>[1] </a:t>
-            </a:r>
-            <a:r>
-              <a:rPr lang="en-US" sz="1800" b="0" dirty="0" err="1"/>
-              <a:t>Chuanyang</a:t>
-            </a:r>
-            <a:r>
-              <a:rPr lang="en-US" sz="1800" b="0" dirty="0"/>
-              <a:t> Li, </a:t>
-            </a:r>
-            <a:r>
-              <a:rPr lang="en-US" sz="1800" b="0" dirty="0" err="1"/>
-              <a:t>Xiuqin</a:t>
-            </a:r>
-            <a:r>
-              <a:rPr lang="en-US" sz="1800" b="0" dirty="0"/>
-              <a:t> Lin, Bin Wu, </a:t>
-            </a:r>
-            <a:r>
-              <a:rPr lang="en-US" sz="1800" b="0" dirty="0" err="1"/>
-              <a:t>Chuan</a:t>
-            </a:r>
-            <a:r>
-              <a:rPr lang="en-US" sz="1800" b="0" dirty="0"/>
-              <a:t> Shi </a:t>
-            </a:r>
-            <a:r>
-              <a:rPr lang="en-US" sz="1800" b="0" dirty="0" smtClean="0"/>
-              <a:t>Location </a:t>
-            </a:r>
-            <a:r>
-              <a:rPr lang="en-US" sz="1800" b="0" dirty="0"/>
-              <a:t>Inference Using Microblog Text and </a:t>
-            </a:r>
-            <a:r>
-              <a:rPr lang="en-US" sz="1800" b="0" dirty="0" smtClean="0"/>
-              <a:t>Friendships</a:t>
-            </a:r>
-            <a:r>
-              <a:rPr lang="en-US" sz="1800" b="0" dirty="0"/>
-              <a:t>. ASONAM </a:t>
-            </a:r>
-            <a:r>
-              <a:rPr lang="en-US" sz="1800" b="0" dirty="0" smtClean="0"/>
-              <a:t>2014</a:t>
-            </a:r>
-          </a:p>
-          <a:p>
-            <a:pPr marL="0" indent="0">
-              <a:buClrTx/>
-              <a:buNone/>
-            </a:pPr>
-            <a:endParaRPr lang="en-US" sz="1800" b="0" dirty="0" smtClean="0"/>
-          </a:p>
-          <a:p>
-            <a:pPr>
-              <a:buClrTx/>
-            </a:pPr>
-            <a:r>
-              <a:rPr lang="en-US" sz="1800" b="0" dirty="0"/>
-              <a:t>[2] </a:t>
-            </a:r>
-            <a:r>
-              <a:rPr lang="en-US" sz="1800" b="0" dirty="0" err="1"/>
-              <a:t>Guoliang</a:t>
-            </a:r>
-            <a:r>
-              <a:rPr lang="en-US" sz="1800" b="0" dirty="0"/>
-              <a:t> Li, Jun Hu, Kian-lee Tan, </a:t>
-            </a:r>
-            <a:r>
-              <a:rPr lang="en-US" sz="1800" b="0" dirty="0" err="1"/>
-              <a:t>Zhifeng</a:t>
-            </a:r>
-            <a:r>
-              <a:rPr lang="en-US" sz="1800" b="0" dirty="0"/>
-              <a:t> </a:t>
-            </a:r>
-            <a:r>
-              <a:rPr lang="en-US" sz="1800" b="0" dirty="0" err="1"/>
-              <a:t>Bao</a:t>
-            </a:r>
-            <a:r>
-              <a:rPr lang="en-US" sz="1800" b="0" dirty="0"/>
-              <a:t>, </a:t>
-            </a:r>
-            <a:r>
-              <a:rPr lang="en-US" sz="1800" b="0" dirty="0" err="1" smtClean="0"/>
-              <a:t>Jianhua</a:t>
-            </a:r>
-            <a:r>
-              <a:rPr lang="en-US" sz="1800" b="0" dirty="0" smtClean="0"/>
-              <a:t> </a:t>
-            </a:r>
-            <a:r>
-              <a:rPr lang="en-US" sz="1800" b="0" dirty="0"/>
-              <a:t>Feng Effective Location Identiﬁcation from </a:t>
-            </a:r>
-            <a:r>
-              <a:rPr lang="en-US" sz="1800" b="0" dirty="0" smtClean="0"/>
-              <a:t>Microblogs</a:t>
-            </a:r>
-            <a:r>
-              <a:rPr lang="en-US" sz="1800" b="0" dirty="0"/>
-              <a:t>. ICDE </a:t>
-            </a:r>
-            <a:r>
-              <a:rPr lang="en-US" sz="1800" b="0" dirty="0" smtClean="0"/>
-              <a:t>2014</a:t>
-            </a:r>
-          </a:p>
-          <a:p>
-            <a:pPr marL="0" indent="0">
-              <a:buClrTx/>
-              <a:buNone/>
-            </a:pPr>
-            <a:endParaRPr lang="en-US" sz="1800" b="0" dirty="0" smtClean="0"/>
-          </a:p>
-          <a:p>
-            <a:pPr>
-              <a:buClrTx/>
-            </a:pPr>
-            <a:r>
-              <a:rPr lang="en-US" sz="1800" b="0" dirty="0"/>
-              <a:t>[3] </a:t>
-            </a:r>
-            <a:r>
-              <a:rPr lang="en-US" sz="1800" b="0" dirty="0" err="1"/>
-              <a:t>Longbo</a:t>
-            </a:r>
-            <a:r>
-              <a:rPr lang="en-US" sz="1800" b="0" dirty="0"/>
-              <a:t> Kong, </a:t>
-            </a:r>
-            <a:r>
-              <a:rPr lang="en-US" sz="1800" b="0" dirty="0" err="1"/>
-              <a:t>Zhi</a:t>
-            </a:r>
-            <a:r>
-              <a:rPr lang="en-US" sz="1800" b="0" dirty="0"/>
-              <a:t> Liu, Yan Huang SPOT: </a:t>
-            </a:r>
-            <a:r>
-              <a:rPr lang="en-US" sz="1800" b="0" dirty="0" smtClean="0"/>
-              <a:t>Locating </a:t>
-            </a:r>
-            <a:r>
-              <a:rPr lang="en-US" sz="1800" b="0" dirty="0"/>
-              <a:t>Social Media Users Based on Social Network </a:t>
-            </a:r>
-            <a:r>
-              <a:rPr lang="en-US" sz="1800" b="0" dirty="0" smtClean="0"/>
-              <a:t>Context</a:t>
-            </a:r>
-            <a:r>
-              <a:rPr lang="en-US" sz="1800" b="0" dirty="0"/>
-              <a:t>. VLDB </a:t>
-            </a:r>
-            <a:r>
-              <a:rPr lang="en-US" sz="1800" b="0" dirty="0" smtClean="0"/>
-              <a:t>2014</a:t>
-            </a:r>
-          </a:p>
-          <a:p>
-            <a:pPr>
-              <a:buClrTx/>
-            </a:pPr>
-            <a:endParaRPr lang="en-US" sz="1800" b="0" dirty="0"/>
-          </a:p>
-          <a:p>
-            <a:pPr>
-              <a:buClrTx/>
-            </a:pPr>
-            <a:r>
-              <a:rPr lang="en-US" sz="1800" b="0" dirty="0"/>
-              <a:t>[4] Cheng, Z., </a:t>
-            </a:r>
-            <a:r>
-              <a:rPr lang="en-US" sz="1800" b="0" dirty="0" err="1"/>
-              <a:t>Caverlee</a:t>
-            </a:r>
-            <a:r>
-              <a:rPr lang="en-US" sz="1800" b="0" dirty="0"/>
-              <a:t>, J., and Lee, K. 2013. A </a:t>
-            </a:r>
-            <a:r>
-              <a:rPr lang="en-US" sz="1800" b="0" dirty="0" smtClean="0"/>
-              <a:t>Content-driven </a:t>
-            </a:r>
-            <a:r>
-              <a:rPr lang="en-US" sz="1800" b="0" dirty="0"/>
-              <a:t>Framework for </a:t>
-            </a:r>
-            <a:r>
-              <a:rPr lang="en-US" sz="1800" b="0" dirty="0" err="1"/>
-              <a:t>Geolocating</a:t>
-            </a:r>
-            <a:r>
-              <a:rPr lang="en-US" sz="1800" b="0" dirty="0"/>
-              <a:t> Microblog </a:t>
-            </a:r>
-            <a:r>
-              <a:rPr lang="en-US" sz="1800" b="0" dirty="0" smtClean="0"/>
-              <a:t>Users</a:t>
-            </a:r>
-            <a:r>
-              <a:rPr lang="en-US" sz="1800" b="0" dirty="0"/>
-              <a:t>. ACM </a:t>
-            </a:r>
-            <a:r>
-              <a:rPr lang="en-US" sz="1800" b="0" dirty="0" smtClean="0"/>
-              <a:t>2013</a:t>
-            </a:r>
-          </a:p>
-          <a:p>
-            <a:pPr>
-              <a:buClrTx/>
-            </a:pPr>
-            <a:endParaRPr lang="en-US" sz="1800" b="0" dirty="0"/>
-          </a:p>
-          <a:p>
-            <a:pPr>
-              <a:buClrTx/>
-            </a:pPr>
-            <a:r>
-              <a:rPr lang="en-US" sz="1800" b="0" dirty="0"/>
-              <a:t>[5] Lars </a:t>
-            </a:r>
-            <a:r>
-              <a:rPr lang="en-US" sz="1800" b="0" dirty="0" err="1"/>
-              <a:t>Backstrom</a:t>
-            </a:r>
-            <a:r>
-              <a:rPr lang="en-US" sz="1800" b="0" dirty="0"/>
-              <a:t>, Eric Sun, and Cameron </a:t>
-            </a:r>
-            <a:r>
-              <a:rPr lang="en-US" sz="1800" b="0" dirty="0" smtClean="0"/>
-              <a:t>Marlow Find </a:t>
-            </a:r>
-            <a:r>
-              <a:rPr lang="en-US" sz="1800" b="0" dirty="0"/>
-              <a:t>me if you can: improving geographical prediction </a:t>
-            </a:r>
-            <a:r>
-              <a:rPr lang="en-US" sz="1800" b="0" dirty="0" smtClean="0"/>
-              <a:t>with </a:t>
-            </a:r>
-            <a:r>
-              <a:rPr lang="en-US" sz="1800" b="0" dirty="0"/>
-              <a:t>social and spatial proximity. In Proceedings of the </a:t>
-            </a:r>
-            <a:r>
-              <a:rPr lang="en-US" sz="1800" b="0" dirty="0" smtClean="0"/>
-              <a:t>19th </a:t>
-            </a:r>
-            <a:r>
-              <a:rPr lang="en-US" sz="1800" b="0" dirty="0"/>
-              <a:t>international conference on World wide web, </a:t>
-            </a:r>
-            <a:r>
-              <a:rPr lang="en-US" sz="1800" b="0" dirty="0" smtClean="0"/>
-              <a:t>pages </a:t>
-            </a:r>
-            <a:r>
-              <a:rPr lang="en-US" sz="1800" b="0" dirty="0"/>
-              <a:t>61–70. ACM, 2010</a:t>
-            </a:r>
-          </a:p>
-        </p:txBody>
-      </p:sp>
-    </p:spTree>
-    <p:extLst>
-      <p:ext uri="{BB962C8B-B14F-4D97-AF65-F5344CB8AC3E}">
-        <p14:creationId xmlns:p14="http://schemas.microsoft.com/office/powerpoint/2010/main" xmlns="" val="2258079724"/>
+        <p14:creationId xmlns="" xmlns:p14="http://schemas.microsoft.com/office/powerpoint/2010/main" val="2459363644"/>
       </p:ext>
     </p:extLst>
   </p:cSld>
@@ -15561,15 +15520,30 @@
             <p:ph type="title"/>
           </p:nvPr>
         </p:nvSpPr>
-        <p:spPr/>
+        <p:spPr>
+          <a:xfrm>
+            <a:off x="1308515" y="696780"/>
+            <a:ext cx="7467600" cy="763587"/>
+          </a:xfrm>
+        </p:spPr>
         <p:txBody>
           <a:bodyPr/>
           <a:lstStyle/>
           <a:p>
             <a:r>
-              <a:rPr lang="en-US" dirty="0" smtClean="0"/>
-              <a:t>References</a:t>
-            </a:r>
+              <a:rPr lang="en-US" dirty="0"/>
+              <a:t>MODULE 5: USING SOCIAL NETWORKS TO RANK THE LOCATION PREDICTION</a:t>
+            </a:r>
+            <a:br>
+              <a:rPr lang="en-US" dirty="0"/>
+            </a:br>
+            <a:r>
+              <a:rPr lang="en-US" altLang="en-US" dirty="0"/>
+              <a:t/>
+            </a:r>
+            <a:br>
+              <a:rPr lang="en-US" altLang="en-US" dirty="0"/>
+            </a:br>
             <a:endParaRPr lang="en-US" dirty="0"/>
           </a:p>
         </p:txBody>
@@ -15584,353 +15558,118 @@
             <p:ph idx="1"/>
           </p:nvPr>
         </p:nvSpPr>
-        <p:spPr/>
+        <p:spPr>
+          <a:xfrm>
+            <a:off x="1282622" y="1759310"/>
+            <a:ext cx="7467600" cy="3957215"/>
+          </a:xfrm>
+        </p:spPr>
         <p:txBody>
           <a:bodyPr/>
           <a:lstStyle/>
           <a:p>
             <a:pPr>
-              <a:buClrTx/>
+              <a:buClr>
+                <a:schemeClr val="tx1"/>
+              </a:buClr>
             </a:pPr>
             <a:r>
               <a:rPr lang="en-US" sz="1800" b="0" dirty="0"/>
-              <a:t>[6] Alexandre Passant </a:t>
-            </a:r>
-            <a:r>
-              <a:rPr lang="en-US" sz="1800" b="0" dirty="0" err="1"/>
-              <a:t>Tuukka</a:t>
-            </a:r>
-            <a:r>
-              <a:rPr lang="en-US" sz="1800" b="0" dirty="0"/>
-              <a:t> </a:t>
-            </a:r>
-            <a:r>
-              <a:rPr lang="en-US" sz="1800" b="0" dirty="0" err="1"/>
-              <a:t>Hastrup</a:t>
-            </a:r>
-            <a:r>
-              <a:rPr lang="en-US" sz="1800" b="0" dirty="0"/>
-              <a:t> </a:t>
-            </a:r>
-            <a:r>
-              <a:rPr lang="en-US" sz="1800" b="0" dirty="0" err="1"/>
-              <a:t>Uldis</a:t>
-            </a:r>
-            <a:r>
-              <a:rPr lang="en-US" sz="1800" b="0" dirty="0"/>
-              <a:t> </a:t>
-            </a:r>
-            <a:r>
-              <a:rPr lang="en-US" sz="1800" b="0" dirty="0" err="1" smtClean="0"/>
-              <a:t>Bojars</a:t>
+              <a:t>Use social tightness model to predict similarity between </a:t>
             </a:r>
             <a:r>
               <a:rPr lang="en-US" sz="1800" b="0" dirty="0" smtClean="0"/>
-              <a:t> John </a:t>
-            </a:r>
-            <a:r>
-              <a:rPr lang="en-US" sz="1800" b="0" dirty="0" err="1"/>
-              <a:t>Breslin</a:t>
-            </a:r>
-            <a:r>
-              <a:rPr lang="en-US" sz="1800" b="0" dirty="0"/>
-              <a:t> </a:t>
-            </a:r>
-            <a:r>
-              <a:rPr lang="en-US" sz="1800" b="0" dirty="0" err="1"/>
-              <a:t>LaLIC</a:t>
-            </a:r>
-            <a:r>
-              <a:rPr lang="en-US" sz="1800" b="0" dirty="0"/>
-              <a:t>, University Paris-Sorbonne, 28 rue </a:t>
-            </a:r>
-            <a:r>
-              <a:rPr lang="en-US" sz="1800" b="0" dirty="0" err="1" smtClean="0"/>
-              <a:t>Serpente</a:t>
-            </a:r>
-            <a:r>
-              <a:rPr lang="en-US" sz="1800" b="0" dirty="0" smtClean="0"/>
-              <a:t> </a:t>
-            </a:r>
-            <a:r>
-              <a:rPr lang="en-US" sz="1800" b="0" dirty="0"/>
-              <a:t>Microblogging: A Semantic and Distributed </a:t>
-            </a:r>
-            <a:r>
-              <a:rPr lang="en-US" sz="1800" b="0" dirty="0" smtClean="0"/>
-              <a:t>Approach</a:t>
-            </a:r>
-            <a:r>
-              <a:rPr lang="en-US" sz="1800" b="0" dirty="0"/>
-              <a:t>, 75006 Paris, </a:t>
-            </a:r>
-            <a:r>
-              <a:rPr lang="en-US" sz="1800" b="0" dirty="0" smtClean="0"/>
-              <a:t>France</a:t>
+              <a:t>users</a:t>
             </a:r>
           </a:p>
           <a:p>
             <a:pPr>
-              <a:buClrTx/>
+              <a:buClr>
+                <a:schemeClr val="tx1"/>
+              </a:buClr>
             </a:pPr>
             <a:endParaRPr lang="en-US" sz="1800" b="0" dirty="0"/>
           </a:p>
           <a:p>
             <a:pPr>
-              <a:buClrTx/>
+              <a:buClr>
+                <a:schemeClr val="tx1"/>
+              </a:buClr>
             </a:pPr>
             <a:r>
               <a:rPr lang="en-US" sz="1800" b="0" dirty="0"/>
-              <a:t>[7] Eric Lai, Daniel </a:t>
-            </a:r>
-            <a:r>
-              <a:rPr lang="en-US" sz="1800" b="0" dirty="0" err="1"/>
-              <a:t>Moyerxy</a:t>
-            </a:r>
-            <a:r>
-              <a:rPr lang="en-US" sz="1800" b="0" dirty="0"/>
-              <a:t> </a:t>
-            </a:r>
-            <a:r>
-              <a:rPr lang="en-US" sz="1800" b="0" dirty="0" err="1"/>
-              <a:t>Baichuan</a:t>
-            </a:r>
-            <a:r>
-              <a:rPr lang="en-US" sz="1800" b="0" dirty="0"/>
-              <a:t> </a:t>
-            </a:r>
-            <a:r>
-              <a:rPr lang="en-US" sz="1800" b="0" dirty="0" err="1"/>
-              <a:t>Yuanz</a:t>
-            </a:r>
-            <a:r>
-              <a:rPr lang="en-US" sz="1800" b="0" dirty="0"/>
-              <a:t> Eric </a:t>
+              <a:t>Identify the most influential (similar) friends of a user and extract their location (if available in user profile information</a:t>
             </a:r>
             <a:r>
               <a:rPr lang="en-US" sz="1800" b="0" dirty="0" smtClean="0"/>
-              <a:t>Fox </a:t>
-            </a:r>
-            <a:r>
-              <a:rPr lang="en-US" sz="1800" b="0" dirty="0"/>
-              <a:t>Blake </a:t>
-            </a:r>
-            <a:r>
-              <a:rPr lang="en-US" sz="1800" b="0" dirty="0" err="1"/>
-              <a:t>H,unter</a:t>
-            </a:r>
-            <a:r>
-              <a:rPr lang="en-US" sz="1800" b="0" dirty="0"/>
-              <a:t> Andrea </a:t>
-            </a:r>
-            <a:r>
-              <a:rPr lang="en-US" sz="1800" b="0" dirty="0" err="1"/>
-              <a:t>L.Bertozzi</a:t>
-            </a:r>
-            <a:r>
-              <a:rPr lang="en-US" sz="1800" b="0" dirty="0"/>
-              <a:t> </a:t>
-            </a:r>
-            <a:r>
-              <a:rPr lang="en-US" sz="1800" b="0" dirty="0" err="1" smtClean="0"/>
-              <a:t>rey</a:t>
-            </a:r>
-            <a:r>
-              <a:rPr lang="en-US" sz="1800" b="0" dirty="0" smtClean="0"/>
-              <a:t> </a:t>
-            </a:r>
-            <a:r>
-              <a:rPr lang="en-US" sz="1800" b="0" dirty="0" err="1"/>
-              <a:t>Brantingham</a:t>
-            </a:r>
-            <a:r>
-              <a:rPr lang="en-US" sz="1800" b="0" dirty="0"/>
-              <a:t> :Topic Time </a:t>
-            </a:r>
-            <a:r>
-              <a:rPr lang="en-US" sz="1800" b="0" dirty="0" smtClean="0"/>
-              <a:t>Series </a:t>
-            </a:r>
-            <a:r>
-              <a:rPr lang="en-US" sz="1800" b="0" dirty="0"/>
-              <a:t>Analysis of </a:t>
-            </a:r>
-          </a:p>
-          <a:p>
-            <a:pPr marL="0" indent="0">
-              <a:buClrTx/>
-              <a:buNone/>
-            </a:pPr>
-            <a:r>
-              <a:rPr lang="en-US" sz="1800" b="0" dirty="0" smtClean="0"/>
-              <a:t>    Microblogs</a:t>
-            </a:r>
-          </a:p>
-          <a:p>
-            <a:pPr marL="0" indent="0">
-              <a:buClrTx/>
-              <a:buNone/>
+              <a:t>)</a:t>
+            </a:r>
+          </a:p>
+          <a:p>
+            <a:pPr>
+              <a:buClr>
+                <a:schemeClr val="tx1"/>
+              </a:buClr>
             </a:pPr>
             <a:endParaRPr lang="en-US" sz="1800" b="0" dirty="0"/>
           </a:p>
           <a:p>
             <a:pPr>
-              <a:buClrTx/>
+              <a:buClr>
+                <a:schemeClr val="tx1"/>
+              </a:buClr>
             </a:pPr>
             <a:r>
               <a:rPr lang="en-US" sz="1800" b="0" dirty="0"/>
-              <a:t>[8]: </a:t>
-            </a:r>
-            <a:r>
-              <a:rPr lang="en-US" sz="1800" b="0" dirty="0" err="1"/>
-              <a:t>Sudipta</a:t>
-            </a:r>
-            <a:r>
-              <a:rPr lang="en-US" sz="1800" b="0" dirty="0"/>
-              <a:t> Roy </a:t>
-            </a:r>
-            <a:r>
-              <a:rPr lang="en-US" sz="1800" b="0" dirty="0" err="1"/>
-              <a:t>Sourish</a:t>
-            </a:r>
-            <a:r>
-              <a:rPr lang="en-US" sz="1800" b="0" dirty="0"/>
-              <a:t> </a:t>
-            </a:r>
-            <a:r>
-              <a:rPr lang="en-US" sz="1800" b="0" dirty="0" err="1"/>
-              <a:t>Dhar</a:t>
-            </a:r>
-            <a:r>
-              <a:rPr lang="en-US" sz="1800" b="0" dirty="0"/>
-              <a:t> </a:t>
-            </a:r>
-            <a:r>
-              <a:rPr lang="en-US" sz="1800" b="0" dirty="0" err="1"/>
-              <a:t>Saprativa</a:t>
-            </a:r>
-            <a:r>
-              <a:rPr lang="en-US" sz="1800" b="0" dirty="0"/>
-              <a:t> </a:t>
-            </a:r>
-            <a:r>
-              <a:rPr lang="en-US" sz="1800" b="0" dirty="0" err="1" smtClean="0"/>
-              <a:t>Bhattacharjee</a:t>
-            </a:r>
-            <a:r>
-              <a:rPr lang="en-US" sz="1800" b="0" dirty="0" smtClean="0"/>
-              <a:t> </a:t>
-            </a:r>
-            <a:r>
-              <a:rPr lang="en-US" sz="1800" b="0" dirty="0" err="1" smtClean="0"/>
-              <a:t>Anirban</a:t>
-            </a:r>
-            <a:r>
-              <a:rPr lang="en-US" sz="1800" b="0" dirty="0" smtClean="0"/>
-              <a:t> </a:t>
-            </a:r>
-            <a:r>
-              <a:rPr lang="en-US" sz="1800" b="0" dirty="0"/>
-              <a:t>Das </a:t>
-            </a:r>
-            <a:r>
-              <a:rPr lang="en-US" sz="1800" b="0" dirty="0" err="1" smtClean="0"/>
-              <a:t>Triguna</a:t>
-            </a:r>
-            <a:r>
-              <a:rPr lang="en-US" sz="1800" b="0" dirty="0" smtClean="0"/>
-              <a:t> </a:t>
-            </a:r>
-            <a:r>
-              <a:rPr lang="en-US" sz="1800" b="0" dirty="0"/>
-              <a:t>Sen School of Technology, </a:t>
-            </a:r>
-            <a:r>
-              <a:rPr lang="en-US" sz="1800" b="0" dirty="0" smtClean="0"/>
-              <a:t>Assam </a:t>
-            </a:r>
-            <a:r>
-              <a:rPr lang="en-US" sz="1800" b="0" dirty="0"/>
-              <a:t>University, </a:t>
-            </a:r>
-            <a:r>
-              <a:rPr lang="en-US" sz="1800" b="0" dirty="0" err="1"/>
-              <a:t>Silcha:A</a:t>
-            </a:r>
-            <a:r>
-              <a:rPr lang="en-US" sz="1800" b="0" dirty="0"/>
-              <a:t> </a:t>
-            </a:r>
-            <a:r>
-              <a:rPr lang="en-US" sz="1800" b="0" dirty="0" smtClean="0"/>
-              <a:t>LEXICON </a:t>
-            </a:r>
-            <a:r>
-              <a:rPr lang="en-US" sz="1800" b="0" dirty="0"/>
-              <a:t>BASED </a:t>
-            </a:r>
-            <a:r>
-              <a:rPr lang="en-US" sz="1800" b="0" dirty="0" smtClean="0"/>
-              <a:t>ALGORITHM </a:t>
-            </a:r>
-            <a:r>
-              <a:rPr lang="en-US" sz="1800" b="0" dirty="0"/>
-              <a:t>FOR NOISY </a:t>
-            </a:r>
-            <a:r>
-              <a:rPr lang="en-US" sz="1800" b="0" dirty="0" smtClean="0"/>
-              <a:t>TEXT NORMALIZATION AS PREPROCESSING FOR  SENTIMENT ANALYSIS</a:t>
-            </a:r>
+              <a:t>If location information is not available,  estimate the user's location and use this estimate in successive iterations </a:t>
+            </a:r>
+            <a:endParaRPr lang="en-US" sz="1800" b="0" dirty="0" smtClean="0"/>
           </a:p>
           <a:p>
             <a:pPr>
-              <a:buClrTx/>
+              <a:buClr>
+                <a:schemeClr val="tx1"/>
+              </a:buClr>
             </a:pPr>
             <a:endParaRPr lang="en-US" sz="1800" b="0" dirty="0"/>
           </a:p>
           <a:p>
             <a:pPr>
-              <a:buClrTx/>
+              <a:buClr>
+                <a:schemeClr val="tx1"/>
+              </a:buClr>
             </a:pPr>
             <a:r>
+              <a:rPr lang="en-US" sz="1800" b="0" dirty="0" smtClean="0"/>
+              <a:t>Identify </a:t>
+            </a:r>
+            <a:r>
               <a:rPr lang="en-US" sz="1800" b="0" dirty="0"/>
-              <a:t>[9]Reid </a:t>
-            </a:r>
-            <a:r>
-              <a:rPr lang="en-US" sz="1800" b="0" dirty="0" err="1"/>
-              <a:t>Priedhorsky</a:t>
-            </a:r>
-            <a:r>
-              <a:rPr lang="en-US" sz="1800" b="0" dirty="0" smtClean="0"/>
-              <a:t>, Aron </a:t>
-            </a:r>
-            <a:r>
-              <a:rPr lang="en-US" sz="1800" b="0" dirty="0" err="1"/>
-              <a:t>Culotta</a:t>
-            </a:r>
-            <a:r>
-              <a:rPr lang="en-US" sz="1800" b="0" dirty="0"/>
-              <a:t>, Sara </a:t>
-            </a:r>
-            <a:r>
-              <a:rPr lang="en-US" sz="1800" b="0" dirty="0" smtClean="0"/>
-              <a:t>Y </a:t>
-            </a:r>
-            <a:r>
-              <a:rPr lang="en-US" sz="1800" b="0" dirty="0"/>
-              <a:t>Locations of Tweets with Quantitative </a:t>
-            </a:r>
-            <a:r>
-              <a:rPr lang="en-US" sz="1800" b="0" dirty="0" smtClean="0"/>
-              <a:t>Confidence</a:t>
-            </a:r>
+              <a:t>(influential) friends whose location estimations are closer to the user's predicted location</a:t>
+            </a:r>
+          </a:p>
+          <a:p>
+            <a:pPr>
+              <a:buClr>
+                <a:schemeClr val="tx1"/>
+              </a:buClr>
+            </a:pPr>
+            <a:endParaRPr lang="en-US" altLang="en-US" sz="1800" b="0" dirty="0"/>
+          </a:p>
+          <a:p>
+            <a:pPr>
+              <a:buClr>
+                <a:schemeClr val="tx1"/>
+              </a:buClr>
+            </a:pPr>
+            <a:endParaRPr lang="en-US" sz="1800" b="0" dirty="0"/>
           </a:p>
         </p:txBody>
       </p:sp>
     </p:spTree>
     <p:extLst>
       <p:ext uri="{BB962C8B-B14F-4D97-AF65-F5344CB8AC3E}">
-        <p14:creationId xmlns:p14="http://schemas.microsoft.com/office/powerpoint/2010/main" xmlns="" val="1848986639"/>
+        <p14:creationId xmlns="" xmlns:p14="http://schemas.microsoft.com/office/powerpoint/2010/main" val="3537114441"/>
       </p:ext>
     </p:extLst>
   </p:cSld>
@@ -15966,6 +15705,770 @@
       </p:grpSpPr>
       <p:sp>
         <p:nvSpPr>
+          <p:cNvPr id="2" name="Title 1"/>
+          <p:cNvSpPr>
+            <a:spLocks noGrp="1"/>
+          </p:cNvSpPr>
+          <p:nvPr>
+            <p:ph type="title"/>
+          </p:nvPr>
+        </p:nvSpPr>
+        <p:spPr/>
+        <p:txBody>
+          <a:bodyPr/>
+          <a:lstStyle/>
+          <a:p>
+            <a:r>
+              <a:rPr lang="en-US" dirty="0" smtClean="0"/>
+              <a:t>References</a:t>
+            </a:r>
+            <a:endParaRPr lang="en-US" dirty="0"/>
+          </a:p>
+        </p:txBody>
+      </p:sp>
+      <p:sp>
+        <p:nvSpPr>
+          <p:cNvPr id="4" name="Content Placeholder 3"/>
+          <p:cNvSpPr>
+            <a:spLocks noGrp="1"/>
+          </p:cNvSpPr>
+          <p:nvPr>
+            <p:ph idx="1"/>
+          </p:nvPr>
+        </p:nvSpPr>
+        <p:spPr/>
+        <p:txBody>
+          <a:bodyPr/>
+          <a:lstStyle/>
+          <a:p>
+            <a:pPr>
+              <a:buClrTx/>
+            </a:pPr>
+            <a:r>
+              <a:rPr lang="en-US" sz="1800" b="0" dirty="0"/>
+              <a:t>[1] </a:t>
+            </a:r>
+            <a:r>
+              <a:rPr lang="en-US" sz="1800" b="0" dirty="0" err="1"/>
+              <a:t>Chuanyang</a:t>
+            </a:r>
+            <a:r>
+              <a:rPr lang="en-US" sz="1800" b="0" dirty="0"/>
+              <a:t> Li, </a:t>
+            </a:r>
+            <a:r>
+              <a:rPr lang="en-US" sz="1800" b="0" dirty="0" err="1"/>
+              <a:t>Xiuqin</a:t>
+            </a:r>
+            <a:r>
+              <a:rPr lang="en-US" sz="1800" b="0" dirty="0"/>
+              <a:t> Lin, Bin Wu, </a:t>
+            </a:r>
+            <a:r>
+              <a:rPr lang="en-US" sz="1800" b="0" dirty="0" err="1"/>
+              <a:t>Chuan</a:t>
+            </a:r>
+            <a:r>
+              <a:rPr lang="en-US" sz="1800" b="0" dirty="0"/>
+              <a:t> Shi </a:t>
+            </a:r>
+            <a:r>
+              <a:rPr lang="en-US" sz="1800" b="0" dirty="0" smtClean="0"/>
+              <a:t>Location </a:t>
+            </a:r>
+            <a:r>
+              <a:rPr lang="en-US" sz="1800" b="0" dirty="0"/>
+              <a:t>Inference Using Microblog Text and </a:t>
+            </a:r>
+            <a:r>
+              <a:rPr lang="en-US" sz="1800" b="0" dirty="0" smtClean="0"/>
+              <a:t>Friendships</a:t>
+            </a:r>
+            <a:r>
+              <a:rPr lang="en-US" sz="1800" b="0" dirty="0"/>
+              <a:t>. ASONAM </a:t>
+            </a:r>
+            <a:r>
+              <a:rPr lang="en-US" sz="1800" b="0" dirty="0" smtClean="0"/>
+              <a:t>2014</a:t>
+            </a:r>
+          </a:p>
+          <a:p>
+            <a:pPr marL="0" indent="0">
+              <a:buClrTx/>
+              <a:buNone/>
+            </a:pPr>
+            <a:endParaRPr lang="en-US" sz="1800" b="0" dirty="0" smtClean="0"/>
+          </a:p>
+          <a:p>
+            <a:pPr>
+              <a:buClrTx/>
+            </a:pPr>
+            <a:r>
+              <a:rPr lang="en-US" sz="1800" b="0" dirty="0"/>
+              <a:t>[2] </a:t>
+            </a:r>
+            <a:r>
+              <a:rPr lang="en-US" sz="1800" b="0" dirty="0" err="1"/>
+              <a:t>Guoliang</a:t>
+            </a:r>
+            <a:r>
+              <a:rPr lang="en-US" sz="1800" b="0" dirty="0"/>
+              <a:t> Li, Jun Hu, Kian-lee Tan, </a:t>
+            </a:r>
+            <a:r>
+              <a:rPr lang="en-US" sz="1800" b="0" dirty="0" err="1"/>
+              <a:t>Zhifeng</a:t>
+            </a:r>
+            <a:r>
+              <a:rPr lang="en-US" sz="1800" b="0" dirty="0"/>
+              <a:t> </a:t>
+            </a:r>
+            <a:r>
+              <a:rPr lang="en-US" sz="1800" b="0" dirty="0" err="1"/>
+              <a:t>Bao</a:t>
+            </a:r>
+            <a:r>
+              <a:rPr lang="en-US" sz="1800" b="0" dirty="0"/>
+              <a:t>, </a:t>
+            </a:r>
+            <a:r>
+              <a:rPr lang="en-US" sz="1800" b="0" dirty="0" err="1" smtClean="0"/>
+              <a:t>Jianhua</a:t>
+            </a:r>
+            <a:r>
+              <a:rPr lang="en-US" sz="1800" b="0" dirty="0" smtClean="0"/>
+              <a:t> </a:t>
+            </a:r>
+            <a:r>
+              <a:rPr lang="en-US" sz="1800" b="0" dirty="0"/>
+              <a:t>Feng Effective Location Identiﬁcation from </a:t>
+            </a:r>
+            <a:r>
+              <a:rPr lang="en-US" sz="1800" b="0" dirty="0" smtClean="0"/>
+              <a:t>Microblogs</a:t>
+            </a:r>
+            <a:r>
+              <a:rPr lang="en-US" sz="1800" b="0" dirty="0"/>
+              <a:t>. ICDE </a:t>
+            </a:r>
+            <a:r>
+              <a:rPr lang="en-US" sz="1800" b="0" dirty="0" smtClean="0"/>
+              <a:t>2014</a:t>
+            </a:r>
+          </a:p>
+          <a:p>
+            <a:pPr marL="0" indent="0">
+              <a:buClrTx/>
+              <a:buNone/>
+            </a:pPr>
+            <a:endParaRPr lang="en-US" sz="1800" b="0" dirty="0" smtClean="0"/>
+          </a:p>
+          <a:p>
+            <a:pPr>
+              <a:buClrTx/>
+            </a:pPr>
+            <a:r>
+              <a:rPr lang="en-US" sz="1800" b="0" dirty="0"/>
+              <a:t>[3] </a:t>
+            </a:r>
+            <a:r>
+              <a:rPr lang="en-US" sz="1800" b="0" dirty="0" err="1"/>
+              <a:t>Longbo</a:t>
+            </a:r>
+            <a:r>
+              <a:rPr lang="en-US" sz="1800" b="0" dirty="0"/>
+              <a:t> Kong, </a:t>
+            </a:r>
+            <a:r>
+              <a:rPr lang="en-US" sz="1800" b="0" dirty="0" err="1"/>
+              <a:t>Zhi</a:t>
+            </a:r>
+            <a:r>
+              <a:rPr lang="en-US" sz="1800" b="0" dirty="0"/>
+              <a:t> Liu, Yan Huang SPOT: </a:t>
+            </a:r>
+            <a:r>
+              <a:rPr lang="en-US" sz="1800" b="0" dirty="0" smtClean="0"/>
+              <a:t>Locating </a:t>
+            </a:r>
+            <a:r>
+              <a:rPr lang="en-US" sz="1800" b="0" dirty="0"/>
+              <a:t>Social Media Users Based on Social Network </a:t>
+            </a:r>
+            <a:r>
+              <a:rPr lang="en-US" sz="1800" b="0" dirty="0" smtClean="0"/>
+              <a:t>Context</a:t>
+            </a:r>
+            <a:r>
+              <a:rPr lang="en-US" sz="1800" b="0" dirty="0"/>
+              <a:t>. VLDB </a:t>
+            </a:r>
+            <a:r>
+              <a:rPr lang="en-US" sz="1800" b="0" dirty="0" smtClean="0"/>
+              <a:t>2014</a:t>
+            </a:r>
+          </a:p>
+          <a:p>
+            <a:pPr>
+              <a:buClrTx/>
+            </a:pPr>
+            <a:endParaRPr lang="en-US" sz="1800" b="0" dirty="0"/>
+          </a:p>
+          <a:p>
+            <a:pPr>
+              <a:buClrTx/>
+            </a:pPr>
+            <a:r>
+              <a:rPr lang="en-US" sz="1800" b="0" dirty="0"/>
+              <a:t>[4] Cheng, Z., </a:t>
+            </a:r>
+            <a:r>
+              <a:rPr lang="en-US" sz="1800" b="0" dirty="0" err="1"/>
+              <a:t>Caverlee</a:t>
+            </a:r>
+            <a:r>
+              <a:rPr lang="en-US" sz="1800" b="0" dirty="0"/>
+              <a:t>, J., and Lee, K. 2013. A </a:t>
+            </a:r>
+            <a:r>
+              <a:rPr lang="en-US" sz="1800" b="0" dirty="0" smtClean="0"/>
+              <a:t>Content-driven </a:t>
+            </a:r>
+            <a:r>
+              <a:rPr lang="en-US" sz="1800" b="0" dirty="0"/>
+              <a:t>Framework for </a:t>
+            </a:r>
+            <a:r>
+              <a:rPr lang="en-US" sz="1800" b="0" dirty="0" err="1"/>
+              <a:t>Geolocating</a:t>
+            </a:r>
+            <a:r>
+              <a:rPr lang="en-US" sz="1800" b="0" dirty="0"/>
+              <a:t> Microblog </a:t>
+            </a:r>
+            <a:r>
+              <a:rPr lang="en-US" sz="1800" b="0" dirty="0" smtClean="0"/>
+              <a:t>Users</a:t>
+            </a:r>
+            <a:r>
+              <a:rPr lang="en-US" sz="1800" b="0" dirty="0"/>
+              <a:t>. ACM </a:t>
+            </a:r>
+            <a:r>
+              <a:rPr lang="en-US" sz="1800" b="0" dirty="0" smtClean="0"/>
+              <a:t>2013</a:t>
+            </a:r>
+          </a:p>
+          <a:p>
+            <a:pPr>
+              <a:buClrTx/>
+            </a:pPr>
+            <a:endParaRPr lang="en-US" sz="1800" b="0" dirty="0"/>
+          </a:p>
+          <a:p>
+            <a:pPr>
+              <a:buClrTx/>
+            </a:pPr>
+            <a:r>
+              <a:rPr lang="en-US" sz="1800" b="0" dirty="0"/>
+              <a:t>[5] Lars </a:t>
+            </a:r>
+            <a:r>
+              <a:rPr lang="en-US" sz="1800" b="0" dirty="0" err="1"/>
+              <a:t>Backstrom</a:t>
+            </a:r>
+            <a:r>
+              <a:rPr lang="en-US" sz="1800" b="0" dirty="0"/>
+              <a:t>, Eric Sun, and Cameron </a:t>
+            </a:r>
+            <a:r>
+              <a:rPr lang="en-US" sz="1800" b="0" dirty="0" smtClean="0"/>
+              <a:t>Marlow Find </a:t>
+            </a:r>
+            <a:r>
+              <a:rPr lang="en-US" sz="1800" b="0" dirty="0"/>
+              <a:t>me if you can: improving geographical prediction </a:t>
+            </a:r>
+            <a:r>
+              <a:rPr lang="en-US" sz="1800" b="0" dirty="0" smtClean="0"/>
+              <a:t>with </a:t>
+            </a:r>
+            <a:r>
+              <a:rPr lang="en-US" sz="1800" b="0" dirty="0"/>
+              <a:t>social and spatial proximity. In Proceedings of the </a:t>
+            </a:r>
+            <a:r>
+              <a:rPr lang="en-US" sz="1800" b="0" dirty="0" smtClean="0"/>
+              <a:t>19th </a:t>
+            </a:r>
+            <a:r>
+              <a:rPr lang="en-US" sz="1800" b="0" dirty="0"/>
+              <a:t>international conference on World wide web, </a:t>
+            </a:r>
+            <a:r>
+              <a:rPr lang="en-US" sz="1800" b="0" dirty="0" smtClean="0"/>
+              <a:t>pages </a:t>
+            </a:r>
+            <a:r>
+              <a:rPr lang="en-US" sz="1800" b="0" dirty="0"/>
+              <a:t>61–70. ACM, 2010</a:t>
+            </a:r>
+          </a:p>
+        </p:txBody>
+      </p:sp>
+    </p:spTree>
+    <p:extLst>
+      <p:ext uri="{BB962C8B-B14F-4D97-AF65-F5344CB8AC3E}">
+        <p14:creationId xmlns="" xmlns:p14="http://schemas.microsoft.com/office/powerpoint/2010/main" val="2258079724"/>
+      </p:ext>
+    </p:extLst>
+  </p:cSld>
+  <p:clrMapOvr>
+    <a:masterClrMapping/>
+  </p:clrMapOvr>
+  <p:timing>
+    <p:tnLst>
+      <p:par>
+        <p:cTn id="1" dur="indefinite" restart="never" nodeType="tmRoot"/>
+      </p:par>
+    </p:tnLst>
+  </p:timing>
+</p:sld>
+</file>
+
+<file path=ppt/slides/slide18.xml><?xml version="1.0" encoding="utf-8"?>
+<p:sld xmlns:a="http://schemas.openxmlformats.org/drawingml/2006/main" xmlns:r="http://schemas.openxmlformats.org/officeDocument/2006/relationships" xmlns:p="http://schemas.openxmlformats.org/presentationml/2006/main">
+  <p:cSld>
+    <p:spTree>
+      <p:nvGrpSpPr>
+        <p:cNvPr id="1" name=""/>
+        <p:cNvGrpSpPr/>
+        <p:nvPr/>
+      </p:nvGrpSpPr>
+      <p:grpSpPr>
+        <a:xfrm>
+          <a:off x="0" y="0"/>
+          <a:ext cx="0" cy="0"/>
+          <a:chOff x="0" y="0"/>
+          <a:chExt cx="0" cy="0"/>
+        </a:xfrm>
+      </p:grpSpPr>
+      <p:sp>
+        <p:nvSpPr>
+          <p:cNvPr id="2" name="Title 1"/>
+          <p:cNvSpPr>
+            <a:spLocks noGrp="1"/>
+          </p:cNvSpPr>
+          <p:nvPr>
+            <p:ph type="title"/>
+          </p:nvPr>
+        </p:nvSpPr>
+        <p:spPr/>
+        <p:txBody>
+          <a:bodyPr/>
+          <a:lstStyle/>
+          <a:p>
+            <a:r>
+              <a:rPr lang="en-US" dirty="0" smtClean="0"/>
+              <a:t>References</a:t>
+            </a:r>
+            <a:endParaRPr lang="en-US" dirty="0"/>
+          </a:p>
+        </p:txBody>
+      </p:sp>
+      <p:sp>
+        <p:nvSpPr>
+          <p:cNvPr id="3" name="Content Placeholder 2"/>
+          <p:cNvSpPr>
+            <a:spLocks noGrp="1"/>
+          </p:cNvSpPr>
+          <p:nvPr>
+            <p:ph idx="1"/>
+          </p:nvPr>
+        </p:nvSpPr>
+        <p:spPr/>
+        <p:txBody>
+          <a:bodyPr/>
+          <a:lstStyle/>
+          <a:p>
+            <a:pPr>
+              <a:buClrTx/>
+            </a:pPr>
+            <a:r>
+              <a:rPr lang="en-US" sz="1800" b="0" dirty="0"/>
+              <a:t>[6] Alexandre Passant </a:t>
+            </a:r>
+            <a:r>
+              <a:rPr lang="en-US" sz="1800" b="0" dirty="0" err="1"/>
+              <a:t>Tuukka</a:t>
+            </a:r>
+            <a:r>
+              <a:rPr lang="en-US" sz="1800" b="0" dirty="0"/>
+              <a:t> </a:t>
+            </a:r>
+            <a:r>
+              <a:rPr lang="en-US" sz="1800" b="0" dirty="0" err="1"/>
+              <a:t>Hastrup</a:t>
+            </a:r>
+            <a:r>
+              <a:rPr lang="en-US" sz="1800" b="0" dirty="0"/>
+              <a:t> </a:t>
+            </a:r>
+            <a:r>
+              <a:rPr lang="en-US" sz="1800" b="0" dirty="0" err="1"/>
+              <a:t>Uldis</a:t>
+            </a:r>
+            <a:r>
+              <a:rPr lang="en-US" sz="1800" b="0" dirty="0"/>
+              <a:t> </a:t>
+            </a:r>
+            <a:r>
+              <a:rPr lang="en-US" sz="1800" b="0" dirty="0" err="1" smtClean="0"/>
+              <a:t>Bojars</a:t>
+            </a:r>
+            <a:r>
+              <a:rPr lang="en-US" sz="1800" b="0" dirty="0" smtClean="0"/>
+              <a:t> John </a:t>
+            </a:r>
+            <a:r>
+              <a:rPr lang="en-US" sz="1800" b="0" dirty="0" err="1"/>
+              <a:t>Breslin</a:t>
+            </a:r>
+            <a:r>
+              <a:rPr lang="en-US" sz="1800" b="0" dirty="0"/>
+              <a:t> </a:t>
+            </a:r>
+            <a:r>
+              <a:rPr lang="en-US" sz="1800" b="0" dirty="0" err="1"/>
+              <a:t>LaLIC</a:t>
+            </a:r>
+            <a:r>
+              <a:rPr lang="en-US" sz="1800" b="0" dirty="0"/>
+              <a:t>, University Paris-Sorbonne, 28 rue </a:t>
+            </a:r>
+            <a:r>
+              <a:rPr lang="en-US" sz="1800" b="0" dirty="0" err="1" smtClean="0"/>
+              <a:t>Serpente</a:t>
+            </a:r>
+            <a:r>
+              <a:rPr lang="en-US" sz="1800" b="0" dirty="0" smtClean="0"/>
+              <a:t> </a:t>
+            </a:r>
+            <a:r>
+              <a:rPr lang="en-US" sz="1800" b="0" dirty="0"/>
+              <a:t>Microblogging: A Semantic and Distributed </a:t>
+            </a:r>
+            <a:r>
+              <a:rPr lang="en-US" sz="1800" b="0" dirty="0" smtClean="0"/>
+              <a:t>Approach</a:t>
+            </a:r>
+            <a:r>
+              <a:rPr lang="en-US" sz="1800" b="0" dirty="0"/>
+              <a:t>, 75006 Paris, </a:t>
+            </a:r>
+            <a:r>
+              <a:rPr lang="en-US" sz="1800" b="0" dirty="0" smtClean="0"/>
+              <a:t>France</a:t>
+            </a:r>
+          </a:p>
+          <a:p>
+            <a:pPr>
+              <a:buClrTx/>
+            </a:pPr>
+            <a:endParaRPr lang="en-US" sz="1800" b="0" dirty="0"/>
+          </a:p>
+          <a:p>
+            <a:pPr>
+              <a:buClrTx/>
+            </a:pPr>
+            <a:r>
+              <a:rPr lang="en-US" sz="1800" b="0" dirty="0"/>
+              <a:t>[7] Eric Lai, Daniel </a:t>
+            </a:r>
+            <a:r>
+              <a:rPr lang="en-US" sz="1800" b="0" dirty="0" err="1"/>
+              <a:t>Moyerxy</a:t>
+            </a:r>
+            <a:r>
+              <a:rPr lang="en-US" sz="1800" b="0" dirty="0"/>
+              <a:t> </a:t>
+            </a:r>
+            <a:r>
+              <a:rPr lang="en-US" sz="1800" b="0" dirty="0" err="1"/>
+              <a:t>Baichuan</a:t>
+            </a:r>
+            <a:r>
+              <a:rPr lang="en-US" sz="1800" b="0" dirty="0"/>
+              <a:t> </a:t>
+            </a:r>
+            <a:r>
+              <a:rPr lang="en-US" sz="1800" b="0" dirty="0" err="1"/>
+              <a:t>Yuanz</a:t>
+            </a:r>
+            <a:r>
+              <a:rPr lang="en-US" sz="1800" b="0" dirty="0"/>
+              <a:t> Eric </a:t>
+            </a:r>
+            <a:r>
+              <a:rPr lang="en-US" sz="1800" b="0" dirty="0" smtClean="0"/>
+              <a:t>Fox </a:t>
+            </a:r>
+            <a:r>
+              <a:rPr lang="en-US" sz="1800" b="0" dirty="0"/>
+              <a:t>Blake </a:t>
+            </a:r>
+            <a:r>
+              <a:rPr lang="en-US" sz="1800" b="0" dirty="0" err="1"/>
+              <a:t>H,unter</a:t>
+            </a:r>
+            <a:r>
+              <a:rPr lang="en-US" sz="1800" b="0" dirty="0"/>
+              <a:t> Andrea </a:t>
+            </a:r>
+            <a:r>
+              <a:rPr lang="en-US" sz="1800" b="0" dirty="0" err="1"/>
+              <a:t>L.Bertozzi</a:t>
+            </a:r>
+            <a:r>
+              <a:rPr lang="en-US" sz="1800" b="0" dirty="0"/>
+              <a:t> </a:t>
+            </a:r>
+            <a:r>
+              <a:rPr lang="en-US" sz="1800" b="0" dirty="0" err="1" smtClean="0"/>
+              <a:t>rey</a:t>
+            </a:r>
+            <a:r>
+              <a:rPr lang="en-US" sz="1800" b="0" dirty="0" smtClean="0"/>
+              <a:t> </a:t>
+            </a:r>
+            <a:r>
+              <a:rPr lang="en-US" sz="1800" b="0" dirty="0" err="1"/>
+              <a:t>Brantingham</a:t>
+            </a:r>
+            <a:r>
+              <a:rPr lang="en-US" sz="1800" b="0" dirty="0"/>
+              <a:t> :Topic Time </a:t>
+            </a:r>
+            <a:r>
+              <a:rPr lang="en-US" sz="1800" b="0" dirty="0" smtClean="0"/>
+              <a:t>Series </a:t>
+            </a:r>
+            <a:r>
+              <a:rPr lang="en-US" sz="1800" b="0" dirty="0"/>
+              <a:t>Analysis of </a:t>
+            </a:r>
+          </a:p>
+          <a:p>
+            <a:pPr marL="0" indent="0">
+              <a:buClrTx/>
+              <a:buNone/>
+            </a:pPr>
+            <a:r>
+              <a:rPr lang="en-US" sz="1800" b="0" dirty="0" smtClean="0"/>
+              <a:t>    Microblogs</a:t>
+            </a:r>
+          </a:p>
+          <a:p>
+            <a:pPr marL="0" indent="0">
+              <a:buClrTx/>
+              <a:buNone/>
+            </a:pPr>
+            <a:endParaRPr lang="en-US" sz="1800" b="0" dirty="0"/>
+          </a:p>
+          <a:p>
+            <a:pPr>
+              <a:buClrTx/>
+            </a:pPr>
+            <a:r>
+              <a:rPr lang="en-US" sz="1800" b="0" dirty="0"/>
+              <a:t>[8]: </a:t>
+            </a:r>
+            <a:r>
+              <a:rPr lang="en-US" sz="1800" b="0" dirty="0" err="1"/>
+              <a:t>Sudipta</a:t>
+            </a:r>
+            <a:r>
+              <a:rPr lang="en-US" sz="1800" b="0" dirty="0"/>
+              <a:t> Roy </a:t>
+            </a:r>
+            <a:r>
+              <a:rPr lang="en-US" sz="1800" b="0" dirty="0" err="1"/>
+              <a:t>Sourish</a:t>
+            </a:r>
+            <a:r>
+              <a:rPr lang="en-US" sz="1800" b="0" dirty="0"/>
+              <a:t> </a:t>
+            </a:r>
+            <a:r>
+              <a:rPr lang="en-US" sz="1800" b="0" dirty="0" err="1"/>
+              <a:t>Dhar</a:t>
+            </a:r>
+            <a:r>
+              <a:rPr lang="en-US" sz="1800" b="0" dirty="0"/>
+              <a:t> </a:t>
+            </a:r>
+            <a:r>
+              <a:rPr lang="en-US" sz="1800" b="0" dirty="0" err="1"/>
+              <a:t>Saprativa</a:t>
+            </a:r>
+            <a:r>
+              <a:rPr lang="en-US" sz="1800" b="0" dirty="0"/>
+              <a:t> </a:t>
+            </a:r>
+            <a:r>
+              <a:rPr lang="en-US" sz="1800" b="0" dirty="0" err="1" smtClean="0"/>
+              <a:t>Bhattacharjee</a:t>
+            </a:r>
+            <a:r>
+              <a:rPr lang="en-US" sz="1800" b="0" dirty="0" smtClean="0"/>
+              <a:t> </a:t>
+            </a:r>
+            <a:r>
+              <a:rPr lang="en-US" sz="1800" b="0" dirty="0" err="1" smtClean="0"/>
+              <a:t>Anirban</a:t>
+            </a:r>
+            <a:r>
+              <a:rPr lang="en-US" sz="1800" b="0" dirty="0" smtClean="0"/>
+              <a:t> </a:t>
+            </a:r>
+            <a:r>
+              <a:rPr lang="en-US" sz="1800" b="0" dirty="0"/>
+              <a:t>Das </a:t>
+            </a:r>
+            <a:r>
+              <a:rPr lang="en-US" sz="1800" b="0" dirty="0" err="1" smtClean="0"/>
+              <a:t>Triguna</a:t>
+            </a:r>
+            <a:r>
+              <a:rPr lang="en-US" sz="1800" b="0" dirty="0" smtClean="0"/>
+              <a:t> </a:t>
+            </a:r>
+            <a:r>
+              <a:rPr lang="en-US" sz="1800" b="0" dirty="0"/>
+              <a:t>Sen School of Technology, </a:t>
+            </a:r>
+            <a:r>
+              <a:rPr lang="en-US" sz="1800" b="0" dirty="0" smtClean="0"/>
+              <a:t>Assam </a:t>
+            </a:r>
+            <a:r>
+              <a:rPr lang="en-US" sz="1800" b="0" dirty="0"/>
+              <a:t>University, </a:t>
+            </a:r>
+            <a:r>
+              <a:rPr lang="en-US" sz="1800" b="0" dirty="0" err="1"/>
+              <a:t>Silcha:A</a:t>
+            </a:r>
+            <a:r>
+              <a:rPr lang="en-US" sz="1800" b="0" dirty="0"/>
+              <a:t> </a:t>
+            </a:r>
+            <a:r>
+              <a:rPr lang="en-US" sz="1800" b="0" dirty="0" smtClean="0"/>
+              <a:t>LEXICON </a:t>
+            </a:r>
+            <a:r>
+              <a:rPr lang="en-US" sz="1800" b="0" dirty="0"/>
+              <a:t>BASED </a:t>
+            </a:r>
+            <a:r>
+              <a:rPr lang="en-US" sz="1800" b="0" dirty="0" smtClean="0"/>
+              <a:t>ALGORITHM </a:t>
+            </a:r>
+            <a:r>
+              <a:rPr lang="en-US" sz="1800" b="0" dirty="0"/>
+              <a:t>FOR NOISY </a:t>
+            </a:r>
+            <a:r>
+              <a:rPr lang="en-US" sz="1800" b="0" dirty="0" smtClean="0"/>
+              <a:t>TEXT NORMALIZATION AS PREPROCESSING FOR  SENTIMENT ANALYSIS</a:t>
+            </a:r>
+          </a:p>
+          <a:p>
+            <a:pPr>
+              <a:buClrTx/>
+            </a:pPr>
+            <a:endParaRPr lang="en-US" sz="1800" b="0" dirty="0"/>
+          </a:p>
+          <a:p>
+            <a:pPr>
+              <a:buClrTx/>
+            </a:pPr>
+            <a:r>
+              <a:rPr lang="en-US" sz="1800" b="0" dirty="0"/>
+              <a:t>[9]Reid </a:t>
+            </a:r>
+            <a:r>
+              <a:rPr lang="en-US" sz="1800" b="0" dirty="0" err="1"/>
+              <a:t>Priedhorsky</a:t>
+            </a:r>
+            <a:r>
+              <a:rPr lang="en-US" sz="1800" b="0" dirty="0" smtClean="0"/>
+              <a:t>, Aron </a:t>
+            </a:r>
+            <a:r>
+              <a:rPr lang="en-US" sz="1800" b="0" dirty="0" err="1"/>
+              <a:t>Culotta</a:t>
+            </a:r>
+            <a:r>
+              <a:rPr lang="en-US" sz="1800" b="0" dirty="0"/>
+              <a:t>, Sara </a:t>
+            </a:r>
+            <a:r>
+              <a:rPr lang="en-US" sz="1800" b="0" dirty="0" smtClean="0"/>
+              <a:t>Y </a:t>
+            </a:r>
+            <a:r>
+              <a:rPr lang="en-US" sz="1800" b="0" dirty="0"/>
+              <a:t>Locations of Tweets with Quantitative </a:t>
+            </a:r>
+            <a:r>
+              <a:rPr lang="en-US" sz="1800" b="0" dirty="0" smtClean="0"/>
+              <a:t>Confidence</a:t>
+            </a:r>
+          </a:p>
+        </p:txBody>
+      </p:sp>
+    </p:spTree>
+    <p:extLst>
+      <p:ext uri="{BB962C8B-B14F-4D97-AF65-F5344CB8AC3E}">
+        <p14:creationId xmlns="" xmlns:p14="http://schemas.microsoft.com/office/powerpoint/2010/main" val="1848986639"/>
+      </p:ext>
+    </p:extLst>
+  </p:cSld>
+  <p:clrMapOvr>
+    <a:masterClrMapping/>
+  </p:clrMapOvr>
+  <p:timing>
+    <p:tnLst>
+      <p:par>
+        <p:cTn id="1" dur="indefinite" restart="never" nodeType="tmRoot"/>
+      </p:par>
+    </p:tnLst>
+  </p:timing>
+</p:sld>
+</file>
+
+<file path=ppt/slides/slide19.xml><?xml version="1.0" encoding="utf-8"?>
+<p:sld xmlns:a="http://schemas.openxmlformats.org/drawingml/2006/main" xmlns:r="http://schemas.openxmlformats.org/officeDocument/2006/relationships" xmlns:p="http://schemas.openxmlformats.org/presentationml/2006/main">
+  <p:cSld>
+    <p:spTree>
+      <p:nvGrpSpPr>
+        <p:cNvPr id="1" name=""/>
+        <p:cNvGrpSpPr/>
+        <p:nvPr/>
+      </p:nvGrpSpPr>
+      <p:grpSpPr>
+        <a:xfrm>
+          <a:off x="0" y="0"/>
+          <a:ext cx="0" cy="0"/>
+          <a:chOff x="0" y="0"/>
+          <a:chExt cx="0" cy="0"/>
+        </a:xfrm>
+      </p:grpSpPr>
+      <p:sp>
+        <p:nvSpPr>
           <p:cNvPr id="3" name="Content Placeholder 2"/>
           <p:cNvSpPr>
             <a:spLocks noGrp="1"/>
@@ -16006,7 +16509,7 @@
     </p:spTree>
     <p:extLst>
       <p:ext uri="{BB962C8B-B14F-4D97-AF65-F5344CB8AC3E}">
-        <p14:creationId xmlns:p14="http://schemas.microsoft.com/office/powerpoint/2010/main" xmlns="" val="268338712"/>
+        <p14:creationId xmlns="" xmlns:p14="http://schemas.microsoft.com/office/powerpoint/2010/main" val="268338712"/>
       </p:ext>
     </p:extLst>
   </p:cSld>
@@ -16063,14 +16566,14 @@
           <a:effectLst/>
           <a:extLst>
             <a:ext uri="{909E8E84-426E-40DD-AFC4-6F175D3DCCD1}">
-              <a14:hiddenFill xmlns:a14="http://schemas.microsoft.com/office/drawing/2010/main" xmlns="">
+              <a14:hiddenFill xmlns="" xmlns:a14="http://schemas.microsoft.com/office/drawing/2010/main">
                 <a:solidFill>
                   <a:schemeClr val="accent1"/>
                 </a:solidFill>
               </a14:hiddenFill>
             </a:ext>
             <a:ext uri="{91240B29-F687-4F45-9708-019B960494DF}">
-              <a14:hiddenLine xmlns:a14="http://schemas.microsoft.com/office/drawing/2010/main" xmlns="" w="9525">
+              <a14:hiddenLine xmlns="" xmlns:a14="http://schemas.microsoft.com/office/drawing/2010/main" w="9525">
                 <a:solidFill>
                   <a:schemeClr val="tx1"/>
                 </a:solidFill>
@@ -16080,7 +16583,7 @@
               </a14:hiddenLine>
             </a:ext>
             <a:ext uri="{AF507438-7753-43E0-B8FC-AC1667EBCBE1}">
-              <a14:hiddenEffects xmlns:a14="http://schemas.microsoft.com/office/drawing/2010/main" xmlns="">
+              <a14:hiddenEffects xmlns="" xmlns:a14="http://schemas.microsoft.com/office/drawing/2010/main">
                 <a:effectLst>
                   <a:outerShdw dist="35921" dir="2700000" algn="ctr" rotWithShape="0">
                     <a:schemeClr val="bg2"/>
@@ -16178,14 +16681,14 @@
           <a:ln/>
           <a:extLst>
             <a:ext uri="{909E8E84-426E-40DD-AFC4-6F175D3DCCD1}">
-              <a14:hiddenFill xmlns:a14="http://schemas.microsoft.com/office/drawing/2010/main" xmlns="">
+              <a14:hiddenFill xmlns="" xmlns:a14="http://schemas.microsoft.com/office/drawing/2010/main">
                 <a:solidFill>
                   <a:schemeClr val="accent1"/>
                 </a:solidFill>
               </a14:hiddenFill>
             </a:ext>
             <a:ext uri="{91240B29-F687-4F45-9708-019B960494DF}">
-              <a14:hiddenLine xmlns:a14="http://schemas.microsoft.com/office/drawing/2010/main" xmlns="" w="9525">
+              <a14:hiddenLine xmlns="" xmlns:a14="http://schemas.microsoft.com/office/drawing/2010/main" w="9525">
                 <a:solidFill>
                   <a:schemeClr val="tx1"/>
                 </a:solidFill>
@@ -16195,7 +16698,7 @@
               </a14:hiddenLine>
             </a:ext>
             <a:ext uri="{AF507438-7753-43E0-B8FC-AC1667EBCBE1}">
-              <a14:hiddenEffects xmlns:a14="http://schemas.microsoft.com/office/drawing/2010/main" xmlns="">
+              <a14:hiddenEffects xmlns="" xmlns:a14="http://schemas.microsoft.com/office/drawing/2010/main">
                 <a:effectLst>
                   <a:outerShdw dist="35921" dir="2700000" algn="ctr" rotWithShape="0">
                     <a:schemeClr val="bg2"/>
@@ -16347,14 +16850,14 @@
           <a:effectLst/>
           <a:extLst>
             <a:ext uri="{909E8E84-426E-40DD-AFC4-6F175D3DCCD1}">
-              <a14:hiddenFill xmlns:a14="http://schemas.microsoft.com/office/drawing/2010/main" xmlns="">
+              <a14:hiddenFill xmlns="" xmlns:a14="http://schemas.microsoft.com/office/drawing/2010/main">
                 <a:solidFill>
                   <a:schemeClr val="accent1"/>
                 </a:solidFill>
               </a14:hiddenFill>
             </a:ext>
             <a:ext uri="{91240B29-F687-4F45-9708-019B960494DF}">
-              <a14:hiddenLine xmlns:a14="http://schemas.microsoft.com/office/drawing/2010/main" xmlns="" w="9525">
+              <a14:hiddenLine xmlns="" xmlns:a14="http://schemas.microsoft.com/office/drawing/2010/main" w="9525">
                 <a:solidFill>
                   <a:schemeClr val="tx1"/>
                 </a:solidFill>
@@ -16364,7 +16867,7 @@
               </a14:hiddenLine>
             </a:ext>
             <a:ext uri="{AF507438-7753-43E0-B8FC-AC1667EBCBE1}">
-              <a14:hiddenEffects xmlns:a14="http://schemas.microsoft.com/office/drawing/2010/main" xmlns="">
+              <a14:hiddenEffects xmlns="" xmlns:a14="http://schemas.microsoft.com/office/drawing/2010/main">
                 <a:effectLst>
                   <a:outerShdw dist="35921" dir="2700000" algn="ctr" rotWithShape="0">
                     <a:schemeClr val="bg2"/>
@@ -16849,7 +17352,7 @@
     </p:spTree>
     <p:extLst>
       <p:ext uri="{BB962C8B-B14F-4D97-AF65-F5344CB8AC3E}">
-        <p14:creationId xmlns:p14="http://schemas.microsoft.com/office/powerpoint/2010/main" xmlns="" val="3938347196"/>
+        <p14:creationId xmlns="" xmlns:p14="http://schemas.microsoft.com/office/powerpoint/2010/main" val="3938347196"/>
       </p:ext>
     </p:extLst>
   </p:cSld>
@@ -16893,7 +17396,7 @@
             <p:ph idx="1"/>
             <p:extLst>
               <p:ext uri="{D42A27DB-BD31-4B8C-83A1-F6EECF244321}">
-                <p14:modId xmlns:p14="http://schemas.microsoft.com/office/powerpoint/2010/main" xmlns="" val="3545614197"/>
+                <p14:modId xmlns="" xmlns:p14="http://schemas.microsoft.com/office/powerpoint/2010/main" val="3545614197"/>
               </p:ext>
             </p:extLst>
           </p:nvPr>
@@ -16915,7 +17418,7 @@
           <p:nvPr>
             <p:extLst>
               <p:ext uri="{D42A27DB-BD31-4B8C-83A1-F6EECF244321}">
-                <p14:modId xmlns:p14="http://schemas.microsoft.com/office/powerpoint/2010/main" xmlns="" val="3850816241"/>
+                <p14:modId xmlns="" xmlns:p14="http://schemas.microsoft.com/office/powerpoint/2010/main" val="3850816241"/>
               </p:ext>
             </p:extLst>
           </p:nvPr>
@@ -16937,7 +17440,7 @@
           <p:nvPr>
             <p:extLst>
               <p:ext uri="{D42A27DB-BD31-4B8C-83A1-F6EECF244321}">
-                <p14:modId xmlns:p14="http://schemas.microsoft.com/office/powerpoint/2010/main" xmlns="" val="553989372"/>
+                <p14:modId xmlns="" xmlns:p14="http://schemas.microsoft.com/office/powerpoint/2010/main" val="553989372"/>
               </p:ext>
             </p:extLst>
           </p:nvPr>
@@ -17162,7 +17665,7 @@
     </p:spTree>
     <p:extLst>
       <p:ext uri="{BB962C8B-B14F-4D97-AF65-F5344CB8AC3E}">
-        <p14:creationId xmlns:p14="http://schemas.microsoft.com/office/powerpoint/2010/main" xmlns="" val="3459513994"/>
+        <p14:creationId xmlns="" xmlns:p14="http://schemas.microsoft.com/office/powerpoint/2010/main" val="3459513994"/>
       </p:ext>
     </p:extLst>
   </p:cSld>
@@ -17219,14 +17722,14 @@
           <a:effectLst/>
           <a:extLst>
             <a:ext uri="{909E8E84-426E-40DD-AFC4-6F175D3DCCD1}">
-              <a14:hiddenFill xmlns:a14="http://schemas.microsoft.com/office/drawing/2010/main" xmlns="">
+              <a14:hiddenFill xmlns="" xmlns:a14="http://schemas.microsoft.com/office/drawing/2010/main">
                 <a:solidFill>
                   <a:schemeClr val="accent1"/>
                 </a:solidFill>
               </a14:hiddenFill>
             </a:ext>
             <a:ext uri="{91240B29-F687-4F45-9708-019B960494DF}">
-              <a14:hiddenLine xmlns:a14="http://schemas.microsoft.com/office/drawing/2010/main" xmlns="" w="9525">
+              <a14:hiddenLine xmlns="" xmlns:a14="http://schemas.microsoft.com/office/drawing/2010/main" w="9525">
                 <a:solidFill>
                   <a:schemeClr val="tx1"/>
                 </a:solidFill>
@@ -17236,7 +17739,7 @@
               </a14:hiddenLine>
             </a:ext>
             <a:ext uri="{AF507438-7753-43E0-B8FC-AC1667EBCBE1}">
-              <a14:hiddenEffects xmlns:a14="http://schemas.microsoft.com/office/drawing/2010/main" xmlns="">
+              <a14:hiddenEffects xmlns="" xmlns:a14="http://schemas.microsoft.com/office/drawing/2010/main">
                 <a:effectLst>
                   <a:outerShdw dist="35921" dir="2700000" algn="ctr" rotWithShape="0">
                     <a:schemeClr val="bg2"/>
@@ -17300,14 +17803,14 @@
           <a:ln/>
           <a:extLst>
             <a:ext uri="{909E8E84-426E-40DD-AFC4-6F175D3DCCD1}">
-              <a14:hiddenFill xmlns:a14="http://schemas.microsoft.com/office/drawing/2010/main" xmlns="">
+              <a14:hiddenFill xmlns="" xmlns:a14="http://schemas.microsoft.com/office/drawing/2010/main">
                 <a:solidFill>
                   <a:schemeClr val="accent1"/>
                 </a:solidFill>
               </a14:hiddenFill>
             </a:ext>
             <a:ext uri="{91240B29-F687-4F45-9708-019B960494DF}">
-              <a14:hiddenLine xmlns:a14="http://schemas.microsoft.com/office/drawing/2010/main" xmlns="" w="9525">
+              <a14:hiddenLine xmlns="" xmlns:a14="http://schemas.microsoft.com/office/drawing/2010/main" w="9525">
                 <a:solidFill>
                   <a:schemeClr val="tx1"/>
                 </a:solidFill>
@@ -17317,7 +17820,7 @@
               </a14:hiddenLine>
             </a:ext>
             <a:ext uri="{AF507438-7753-43E0-B8FC-AC1667EBCBE1}">
-              <a14:hiddenEffects xmlns:a14="http://schemas.microsoft.com/office/drawing/2010/main" xmlns="">
+              <a14:hiddenEffects xmlns="" xmlns:a14="http://schemas.microsoft.com/office/drawing/2010/main">
                 <a:effectLst>
                   <a:outerShdw dist="35921" dir="2700000" algn="ctr" rotWithShape="0">
                     <a:schemeClr val="bg2"/>
@@ -17489,7 +17992,7 @@
     </p:spTree>
     <p:extLst>
       <p:ext uri="{BB962C8B-B14F-4D97-AF65-F5344CB8AC3E}">
-        <p14:creationId xmlns:p14="http://schemas.microsoft.com/office/powerpoint/2010/main" xmlns="" val="2361427633"/>
+        <p14:creationId xmlns="" xmlns:p14="http://schemas.microsoft.com/office/powerpoint/2010/main" val="2361427633"/>
       </p:ext>
     </p:extLst>
   </p:cSld>
@@ -17523,13 +18026,39 @@
           <a:chExt cx="0" cy="0"/>
         </a:xfrm>
       </p:grpSpPr>
+      <p:sp>
+        <p:nvSpPr>
+          <p:cNvPr id="2" name="Title 1"/>
+          <p:cNvSpPr>
+            <a:spLocks noGrp="1"/>
+          </p:cNvSpPr>
+          <p:nvPr>
+            <p:ph type="title"/>
+          </p:nvPr>
+        </p:nvSpPr>
+        <p:spPr/>
+        <p:txBody>
+          <a:bodyPr/>
+          <a:lstStyle/>
+          <a:p>
+            <a:pPr algn="ctr"/>
+            <a:r>
+              <a:rPr lang="en-IN" dirty="0" smtClean="0"/>
+              <a:t>Streaming API Connection</a:t>
+            </a:r>
+            <a:endParaRPr lang="en-IN" dirty="0"/>
+          </a:p>
+        </p:txBody>
+      </p:sp>
       <p:pic>
         <p:nvPicPr>
           <p:cNvPr id="1026" name="Picture 2"/>
           <p:cNvPicPr>
-            <a:picLocks noChangeAspect="1" noChangeArrowheads="1"/>
+            <a:picLocks noGrp="1" noChangeAspect="1" noChangeArrowheads="1"/>
           </p:cNvPicPr>
-          <p:nvPr/>
+          <p:nvPr>
+            <p:ph idx="1"/>
+          </p:nvPr>
         </p:nvPicPr>
         <p:blipFill>
           <a:blip r:embed="rId2" cstate="print"/>
@@ -17540,8 +18069,8 @@
         </p:blipFill>
         <p:spPr bwMode="auto">
           <a:xfrm>
-            <a:off x="1230332" y="393200"/>
-            <a:ext cx="7913668" cy="5084965"/>
+            <a:off x="1612095" y="1303940"/>
+            <a:ext cx="6542746" cy="4174225"/>
           </a:xfrm>
           <a:prstGeom prst="rect">
             <a:avLst/>
@@ -17580,13 +18109,39 @@
           <a:chExt cx="0" cy="0"/>
         </a:xfrm>
       </p:grpSpPr>
+      <p:sp>
+        <p:nvSpPr>
+          <p:cNvPr id="2" name="Title 1"/>
+          <p:cNvSpPr>
+            <a:spLocks noGrp="1"/>
+          </p:cNvSpPr>
+          <p:nvPr>
+            <p:ph type="title"/>
+          </p:nvPr>
+        </p:nvSpPr>
+        <p:spPr/>
+        <p:txBody>
+          <a:bodyPr/>
+          <a:lstStyle/>
+          <a:p>
+            <a:pPr algn="ctr"/>
+            <a:r>
+              <a:rPr lang="en-IN" dirty="0" smtClean="0"/>
+              <a:t>Raw Tweets in JSON format</a:t>
+            </a:r>
+            <a:endParaRPr lang="en-IN" dirty="0"/>
+          </a:p>
+        </p:txBody>
+      </p:sp>
       <p:pic>
         <p:nvPicPr>
-          <p:cNvPr id="2050" name="Picture 2"/>
+          <p:cNvPr id="4" name="Picture 2"/>
           <p:cNvPicPr>
-            <a:picLocks noChangeAspect="1" noChangeArrowheads="1"/>
+            <a:picLocks noGrp="1" noChangeAspect="1" noChangeArrowheads="1"/>
           </p:cNvPicPr>
-          <p:nvPr/>
+          <p:nvPr>
+            <p:ph idx="1"/>
+          </p:nvPr>
         </p:nvPicPr>
         <p:blipFill>
           <a:blip r:embed="rId2" cstate="print"/>
@@ -17597,8 +18152,8 @@
         </p:blipFill>
         <p:spPr bwMode="auto">
           <a:xfrm>
-            <a:off x="1232620" y="317305"/>
-            <a:ext cx="7549430" cy="5616230"/>
+            <a:off x="1219200" y="1767856"/>
+            <a:ext cx="7467600" cy="3736626"/>
           </a:xfrm>
           <a:prstGeom prst="rect">
             <a:avLst/>
@@ -17639,278 +18194,67 @@
       </p:grpSpPr>
       <p:sp>
         <p:nvSpPr>
-          <p:cNvPr id="133124" name="Rectangle 4"/>
+          <p:cNvPr id="2" name="Title 1"/>
           <p:cNvSpPr>
-            <a:spLocks noChangeArrowheads="1"/>
+            <a:spLocks noGrp="1"/>
           </p:cNvSpPr>
-          <p:nvPr/>
+          <p:nvPr>
+            <p:ph type="title"/>
+          </p:nvPr>
         </p:nvSpPr>
+        <p:spPr/>
+        <p:txBody>
+          <a:bodyPr/>
+          <a:lstStyle/>
+          <a:p>
+            <a:pPr algn="ctr"/>
+            <a:r>
+              <a:rPr lang="en-IN" dirty="0" smtClean="0"/>
+              <a:t>Tweets after Processing</a:t>
+            </a:r>
+            <a:endParaRPr lang="en-IN" dirty="0"/>
+          </a:p>
+        </p:txBody>
+      </p:sp>
+      <p:pic>
+        <p:nvPicPr>
+          <p:cNvPr id="4" name="Picture 2"/>
+          <p:cNvPicPr>
+            <a:picLocks noGrp="1" noChangeAspect="1" noChangeArrowheads="1"/>
+          </p:cNvPicPr>
+          <p:nvPr>
+            <p:ph idx="1"/>
+          </p:nvPr>
+        </p:nvPicPr>
+        <p:blipFill>
+          <a:blip r:embed="rId2" cstate="print"/>
+          <a:srcRect/>
+          <a:stretch>
+            <a:fillRect/>
+          </a:stretch>
+        </p:blipFill>
         <p:spPr bwMode="auto">
           <a:xfrm>
-            <a:off x="1991570" y="1531625"/>
-            <a:ext cx="6071600" cy="3973395"/>
+            <a:off x="1273659" y="1176338"/>
+            <a:ext cx="7358682" cy="4919662"/>
           </a:xfrm>
           <a:prstGeom prst="rect">
             <a:avLst/>
           </a:prstGeom>
           <a:noFill/>
-          <a:ln>
+          <a:ln w="9525">
             <a:noFill/>
+            <a:miter lim="800000"/>
+            <a:headEnd/>
+            <a:tailEnd/>
           </a:ln>
-          <a:effectLst/>
-          <a:extLst>
-            <a:ext uri="{909E8E84-426E-40DD-AFC4-6F175D3DCCD1}">
-              <a14:hiddenFill xmlns:a14="http://schemas.microsoft.com/office/drawing/2010/main" xmlns="">
-                <a:solidFill>
-                  <a:schemeClr val="accent1"/>
-                </a:solidFill>
-              </a14:hiddenFill>
-            </a:ext>
-            <a:ext uri="{91240B29-F687-4F45-9708-019B960494DF}">
-              <a14:hiddenLine xmlns:a14="http://schemas.microsoft.com/office/drawing/2010/main" xmlns="" w="9525">
-                <a:solidFill>
-                  <a:schemeClr val="tx1"/>
-                </a:solidFill>
-                <a:miter lim="800000"/>
-                <a:headEnd/>
-                <a:tailEnd/>
-              </a14:hiddenLine>
-            </a:ext>
-            <a:ext uri="{AF507438-7753-43E0-B8FC-AC1667EBCBE1}">
-              <a14:hiddenEffects xmlns:a14="http://schemas.microsoft.com/office/drawing/2010/main" xmlns="">
-                <a:effectLst>
-                  <a:outerShdw dist="35921" dir="2700000" algn="ctr" rotWithShape="0">
-                    <a:schemeClr val="bg2"/>
-                  </a:outerShdw>
-                </a:effectLst>
-              </a14:hiddenEffects>
-            </a:ext>
-          </a:extLst>
         </p:spPr>
-        <p:txBody>
-          <a:bodyPr wrap="square">
-            <a:spAutoFit/>
-          </a:bodyPr>
-          <a:lstStyle/>
-          <a:p>
-            <a:pPr marL="285750" indent="-285750" algn="l">
-              <a:buFont typeface="Wingdings" panose="05000000000000000000" pitchFamily="2" charset="2"/>
-              <a:buChar char="§"/>
-            </a:pPr>
-            <a:r>
-              <a:rPr lang="en-US" sz="1800" dirty="0"/>
-              <a:t>Stage 1: Collection of the pre-processed data.</a:t>
-            </a:r>
-          </a:p>
-          <a:p>
-            <a:pPr algn="l"/>
-            <a:endParaRPr lang="en-US" sz="1800" dirty="0"/>
-          </a:p>
-          <a:p>
-            <a:pPr marL="285750" indent="-285750" algn="l">
-              <a:buFont typeface="Wingdings" panose="05000000000000000000" pitchFamily="2" charset="2"/>
-              <a:buChar char="§"/>
-            </a:pPr>
-            <a:r>
-              <a:rPr lang="en-US" sz="1800" dirty="0"/>
-              <a:t>Stage 2: Dictionary generation using the enchant library in </a:t>
-            </a:r>
-            <a:r>
-              <a:rPr lang="en-US" sz="1800" dirty="0" smtClean="0"/>
-              <a:t>Python</a:t>
-            </a:r>
-            <a:r>
-              <a:rPr lang="en-US" sz="1800" dirty="0"/>
-              <a:t>.</a:t>
-            </a:r>
-          </a:p>
-          <a:p>
-            <a:pPr marL="285750" indent="-285750" algn="l">
-              <a:buFont typeface="Wingdings" panose="05000000000000000000" pitchFamily="2" charset="2"/>
-              <a:buChar char="§"/>
-            </a:pPr>
-            <a:endParaRPr lang="en-US" sz="1800" dirty="0"/>
-          </a:p>
-          <a:p>
-            <a:pPr marL="285750" indent="-285750" algn="l">
-              <a:buFont typeface="Wingdings" panose="05000000000000000000" pitchFamily="2" charset="2"/>
-              <a:buChar char="§"/>
-            </a:pPr>
-            <a:r>
-              <a:rPr lang="en-US" sz="1800" dirty="0"/>
-              <a:t>Stage 3: Using </a:t>
-            </a:r>
-            <a:r>
-              <a:rPr lang="en-US" sz="1800" b="1" dirty="0" smtClean="0"/>
-              <a:t>enchant </a:t>
-            </a:r>
-            <a:r>
-              <a:rPr lang="en-US" sz="1800" dirty="0" smtClean="0"/>
-              <a:t>library </a:t>
-            </a:r>
-            <a:r>
-              <a:rPr lang="en-US" sz="1800" dirty="0"/>
-              <a:t>to predict possible words for a </a:t>
-            </a:r>
-            <a:r>
-              <a:rPr lang="en-US" sz="1800" dirty="0" smtClean="0"/>
-              <a:t>string </a:t>
-            </a:r>
-            <a:r>
-              <a:rPr lang="en-US" sz="1800" dirty="0"/>
-              <a:t>whose lookup in the dictionary fails.</a:t>
-            </a:r>
-          </a:p>
-          <a:p>
-            <a:pPr marL="285750" indent="-285750" algn="l">
-              <a:buFont typeface="Wingdings" panose="05000000000000000000" pitchFamily="2" charset="2"/>
-              <a:buChar char="§"/>
-            </a:pPr>
-            <a:endParaRPr lang="en-US" sz="1800" dirty="0"/>
-          </a:p>
-          <a:p>
-            <a:pPr marL="285750" indent="-285750" algn="l">
-              <a:buFont typeface="Wingdings" panose="05000000000000000000" pitchFamily="2" charset="2"/>
-              <a:buChar char="§"/>
-            </a:pPr>
-            <a:r>
-              <a:rPr lang="en-US" sz="1800" dirty="0"/>
-              <a:t>Stage 4: A ranking mechanisms replaces the incorrect string with the highest </a:t>
-            </a:r>
-            <a:r>
-              <a:rPr lang="en-US" sz="1800" dirty="0" smtClean="0"/>
-              <a:t>ranked </a:t>
-            </a:r>
-            <a:r>
-              <a:rPr lang="en-US" sz="1800" dirty="0"/>
-              <a:t>values in the set </a:t>
-            </a:r>
-            <a:r>
-              <a:rPr lang="en-US" sz="1800" dirty="0" smtClean="0"/>
-              <a:t>determined by </a:t>
-            </a:r>
-            <a:r>
-              <a:rPr lang="en-US" sz="1800" dirty="0"/>
-              <a:t>the </a:t>
-            </a:r>
-            <a:r>
-              <a:rPr lang="en-US" sz="1800" b="1" dirty="0" err="1"/>
-              <a:t>fuzzywuzzy</a:t>
-            </a:r>
-            <a:r>
-              <a:rPr lang="en-US" sz="1800" dirty="0"/>
-              <a:t> library.</a:t>
-            </a:r>
-          </a:p>
-          <a:p>
-            <a:pPr marL="285750" indent="-285750" algn="l">
-              <a:buFont typeface="Wingdings" panose="05000000000000000000" pitchFamily="2" charset="2"/>
-              <a:buChar char="§"/>
-            </a:pPr>
-            <a:endParaRPr lang="en-US" sz="1800" dirty="0"/>
-          </a:p>
-          <a:p>
-            <a:pPr marL="171450" indent="-171450" eaLnBrk="0" hangingPunct="0">
-              <a:spcBef>
-                <a:spcPct val="0"/>
-              </a:spcBef>
-              <a:buFont typeface="Wingdings" panose="05000000000000000000" pitchFamily="2" charset="2"/>
-              <a:buChar char="§"/>
-            </a:pPr>
-            <a:endParaRPr lang="en-US" altLang="en-US" sz="1100" b="1" dirty="0"/>
-          </a:p>
-        </p:txBody>
-      </p:sp>
-      <p:sp>
-        <p:nvSpPr>
-          <p:cNvPr id="133125" name="Rectangle 5"/>
-          <p:cNvSpPr>
-            <a:spLocks noGrp="1" noChangeArrowheads="1"/>
-          </p:cNvSpPr>
-          <p:nvPr>
-            <p:ph idx="1"/>
-          </p:nvPr>
-        </p:nvSpPr>
-        <p:spPr bwMode="auto">
-          <a:xfrm>
-            <a:off x="1991570" y="241410"/>
-            <a:ext cx="6300005" cy="606785"/>
-          </a:xfrm>
-          <a:noFill/>
-          <a:ln/>
-          <a:extLst>
-            <a:ext uri="{909E8E84-426E-40DD-AFC4-6F175D3DCCD1}">
-              <a14:hiddenFill xmlns:a14="http://schemas.microsoft.com/office/drawing/2010/main" xmlns="">
-                <a:solidFill>
-                  <a:schemeClr val="accent1"/>
-                </a:solidFill>
-              </a14:hiddenFill>
-            </a:ext>
-            <a:ext uri="{91240B29-F687-4F45-9708-019B960494DF}">
-              <a14:hiddenLine xmlns:a14="http://schemas.microsoft.com/office/drawing/2010/main" xmlns="" w="9525">
-                <a:solidFill>
-                  <a:schemeClr val="tx1"/>
-                </a:solidFill>
-                <a:miter lim="800000"/>
-                <a:headEnd/>
-                <a:tailEnd/>
-              </a14:hiddenLine>
-            </a:ext>
-            <a:ext uri="{AF507438-7753-43E0-B8FC-AC1667EBCBE1}">
-              <a14:hiddenEffects xmlns:a14="http://schemas.microsoft.com/office/drawing/2010/main" xmlns="">
-                <a:effectLst>
-                  <a:outerShdw dist="35921" dir="2700000" algn="ctr" rotWithShape="0">
-                    <a:schemeClr val="bg2"/>
-                  </a:outerShdw>
-                </a:effectLst>
-              </a14:hiddenEffects>
-            </a:ext>
-          </a:extLst>
-        </p:spPr>
-        <p:txBody>
-          <a:bodyPr vert="horz" wrap="square" lIns="91440" tIns="45720" rIns="91440" bIns="45720" numCol="1" anchor="t" anchorCtr="0" compatLnSpc="1">
-            <a:prstTxWarp prst="textNoShape">
-              <a:avLst/>
-            </a:prstTxWarp>
-          </a:bodyPr>
-          <a:lstStyle/>
-          <a:p>
-            <a:pPr marL="0" indent="0">
-              <a:buNone/>
-            </a:pPr>
-            <a:r>
-              <a:rPr lang="en-US" sz="3200" dirty="0">
-                <a:solidFill>
-                  <a:srgbClr val="C00000"/>
-                </a:solidFill>
-              </a:rPr>
-              <a:t>Module-2: fuzzy matching algorithm</a:t>
-            </a:r>
-            <a:endParaRPr lang="en-US" altLang="en-US" sz="3200" dirty="0">
-              <a:solidFill>
-                <a:srgbClr val="C00000"/>
-              </a:solidFill>
-            </a:endParaRPr>
-          </a:p>
-        </p:txBody>
-      </p:sp>
+      </p:pic>
     </p:spTree>
-    <p:extLst>
-      <p:ext uri="{BB962C8B-B14F-4D97-AF65-F5344CB8AC3E}">
-        <p14:creationId xmlns:p14="http://schemas.microsoft.com/office/powerpoint/2010/main" xmlns="" val="2896510169"/>
-      </p:ext>
-    </p:extLst>
   </p:cSld>
   <p:clrMapOvr>
     <a:masterClrMapping/>
   </p:clrMapOvr>
-  <p:timing>
-    <p:tnLst>
-      <p:par>
-        <p:cTn id="1" dur="indefinite" restart="never" nodeType="tmRoot"/>
-      </p:par>
-    </p:tnLst>
-  </p:timing>
 </p:sld>
 </file>
 
@@ -17931,186 +18275,50 @@
           <a:chExt cx="0" cy="0"/>
         </a:xfrm>
       </p:grpSpPr>
-      <p:sp>
-        <p:nvSpPr>
-          <p:cNvPr id="2" name="Title 1"/>
-          <p:cNvSpPr>
-            <a:spLocks noGrp="1"/>
-          </p:cNvSpPr>
-          <p:nvPr>
-            <p:ph type="title"/>
-          </p:nvPr>
-        </p:nvSpPr>
-        <p:spPr/>
-        <p:txBody>
-          <a:bodyPr/>
-          <a:lstStyle/>
-          <a:p>
-            <a:pPr algn="ctr"/>
-            <a:r>
-              <a:rPr lang="en-US" dirty="0" smtClean="0">
-                <a:solidFill>
-                  <a:srgbClr val="C00000"/>
-                </a:solidFill>
-              </a:rPr>
-              <a:t>Complication</a:t>
-            </a:r>
-            <a:endParaRPr lang="en-US" dirty="0">
-              <a:solidFill>
-                <a:srgbClr val="C00000"/>
-              </a:solidFill>
-            </a:endParaRPr>
-          </a:p>
-        </p:txBody>
-      </p:sp>
-      <p:sp>
-        <p:nvSpPr>
-          <p:cNvPr id="3" name="Content Placeholder 2"/>
-          <p:cNvSpPr>
-            <a:spLocks noGrp="1"/>
-          </p:cNvSpPr>
-          <p:nvPr>
-            <p:ph idx="1"/>
-          </p:nvPr>
-        </p:nvSpPr>
-        <p:spPr>
-          <a:xfrm>
-            <a:off x="1915674" y="1176338"/>
-            <a:ext cx="6771125" cy="4919662"/>
-          </a:xfrm>
-        </p:spPr>
-        <p:txBody>
-          <a:bodyPr/>
-          <a:lstStyle/>
-          <a:p>
-            <a:pPr>
-              <a:buClr>
-                <a:schemeClr val="tx1"/>
-              </a:buClr>
-            </a:pPr>
-            <a:endParaRPr lang="en-US" sz="1800" b="0" dirty="0" smtClean="0"/>
-          </a:p>
-          <a:p>
-            <a:pPr>
-              <a:buClr>
-                <a:schemeClr val="tx1"/>
-              </a:buClr>
-            </a:pPr>
-            <a:r>
-              <a:rPr lang="en-US" sz="1800" b="0" dirty="0" smtClean="0"/>
-              <a:t>It </a:t>
-            </a:r>
-            <a:r>
-              <a:rPr lang="en-US" sz="1800" b="0" dirty="0"/>
-              <a:t>replaces proper nouns too like names of people/cities etc.</a:t>
-            </a:r>
-            <a:endParaRPr lang="en-US" sz="1800" b="0" dirty="0" smtClean="0"/>
-          </a:p>
-          <a:p>
-            <a:pPr>
-              <a:buClr>
-                <a:schemeClr val="tx1"/>
-              </a:buClr>
-            </a:pPr>
-            <a:endParaRPr lang="en-US" sz="1800" b="0" dirty="0"/>
-          </a:p>
-          <a:p>
-            <a:pPr>
-              <a:buClr>
-                <a:schemeClr val="tx1"/>
-              </a:buClr>
-            </a:pPr>
-            <a:r>
-              <a:rPr lang="en-US" sz="1800" b="0" dirty="0" smtClean="0"/>
-              <a:t>We overcome this problem by determining nouns in the speech and ignoring it by using </a:t>
-            </a:r>
-            <a:r>
-              <a:rPr lang="en-US" sz="1800" dirty="0" smtClean="0"/>
-              <a:t>part-of-speech tagger</a:t>
-            </a:r>
-            <a:r>
-              <a:rPr lang="en-US" sz="1800" b="0" dirty="0" smtClean="0"/>
-              <a:t>. </a:t>
-            </a:r>
-          </a:p>
-          <a:p>
-            <a:pPr marL="0" indent="0" algn="ctr">
-              <a:buNone/>
-            </a:pPr>
-            <a:endParaRPr lang="en-US" dirty="0"/>
-          </a:p>
-          <a:p>
-            <a:pPr marL="0" indent="0">
-              <a:buNone/>
-            </a:pPr>
-            <a:r>
-              <a:rPr lang="en-US" sz="2800" dirty="0" smtClean="0">
-                <a:solidFill>
-                  <a:srgbClr val="C00000"/>
-                </a:solidFill>
-              </a:rPr>
-              <a:t>			     </a:t>
-            </a:r>
-          </a:p>
-          <a:p>
-            <a:pPr marL="0" indent="0">
-              <a:buNone/>
-            </a:pPr>
-            <a:r>
-              <a:rPr lang="en-US" sz="2800" dirty="0" smtClean="0">
-                <a:solidFill>
-                  <a:srgbClr val="C00000"/>
-                </a:solidFill>
-              </a:rPr>
-              <a:t>			    Example</a:t>
-            </a:r>
-            <a:endParaRPr lang="en-US" sz="2800" dirty="0">
-              <a:solidFill>
-                <a:srgbClr val="C00000"/>
-              </a:solidFill>
-            </a:endParaRPr>
-          </a:p>
-          <a:p>
-            <a:pPr marL="0" indent="0">
-              <a:buNone/>
-            </a:pPr>
-            <a:endParaRPr lang="en-US" dirty="0"/>
-          </a:p>
-        </p:txBody>
-      </p:sp>
       <p:pic>
         <p:nvPicPr>
-          <p:cNvPr id="6" name="Picture 5"/>
+          <p:cNvPr id="2050" name="Picture 2"/>
           <p:cNvPicPr>
-            <a:picLocks noChangeAspect="1"/>
+            <a:picLocks noChangeAspect="1" noChangeArrowheads="1"/>
           </p:cNvPicPr>
           <p:nvPr/>
         </p:nvPicPr>
-        <p:blipFill rotWithShape="1">
+        <p:blipFill>
           <a:blip r:embed="rId2" cstate="print"/>
-          <a:srcRect t="84036" r="33852" b="10777"/>
-          <a:stretch/>
+          <a:srcRect/>
+          <a:stretch>
+            <a:fillRect/>
+          </a:stretch>
         </p:blipFill>
-        <p:spPr>
+        <p:spPr bwMode="auto">
           <a:xfrm>
-            <a:off x="1554500" y="4795110"/>
-            <a:ext cx="7589500" cy="607160"/>
+            <a:off x="1156725" y="241410"/>
+            <a:ext cx="7549430" cy="5616230"/>
           </a:xfrm>
           <a:prstGeom prst="rect">
             <a:avLst/>
           </a:prstGeom>
+          <a:noFill/>
+          <a:ln w="9525">
+            <a:noFill/>
+            <a:miter lim="800000"/>
+            <a:headEnd/>
+            <a:tailEnd/>
+          </a:ln>
         </p:spPr>
       </p:pic>
     </p:spTree>
-    <p:extLst>
-      <p:ext uri="{BB962C8B-B14F-4D97-AF65-F5344CB8AC3E}">
-        <p14:creationId xmlns:p14="http://schemas.microsoft.com/office/powerpoint/2010/main" xmlns="" val="2429929950"/>
-      </p:ext>
-    </p:extLst>
   </p:cSld>
   <p:clrMapOvr>
     <a:masterClrMapping/>
   </p:clrMapOvr>
+  <p:timing>
+    <p:tnLst>
+      <p:par>
+        <p:cTn id="1" dur="indefinite" restart="never" nodeType="tmRoot"/>
+      </p:par>
+    </p:tnLst>
+  </p:timing>
 </p:sld>
 </file>
 
@@ -18333,14 +18541,14 @@
         <a:effectLst/>
         <a:extLst>
           <a:ext uri="{909E8E84-426E-40DD-AFC4-6F175D3DCCD1}">
-            <a14:hiddenFill xmlns:a14="http://schemas.microsoft.com/office/drawing/2010/main" xmlns="">
+            <a14:hiddenFill xmlns="" xmlns:a14="http://schemas.microsoft.com/office/drawing/2010/main">
               <a:solidFill>
                 <a:srgbClr val="FFFFFF"/>
               </a:solidFill>
             </a14:hiddenFill>
           </a:ext>
           <a:ext uri="{AF507438-7753-43E0-B8FC-AC1667EBCBE1}">
-            <a14:hiddenEffects xmlns:a14="http://schemas.microsoft.com/office/drawing/2010/main" xmlns="">
+            <a14:hiddenEffects xmlns="" xmlns:a14="http://schemas.microsoft.com/office/drawing/2010/main">
               <a:effectLst>
                 <a:outerShdw dist="35921" dir="2700000" algn="ctr" rotWithShape="0">
                   <a:srgbClr val="808080"/>
@@ -18411,14 +18619,14 @@
         <a:effectLst/>
         <a:extLst>
           <a:ext uri="{909E8E84-426E-40DD-AFC4-6F175D3DCCD1}">
-            <a14:hiddenFill xmlns:a14="http://schemas.microsoft.com/office/drawing/2010/main" xmlns="">
+            <a14:hiddenFill xmlns="" xmlns:a14="http://schemas.microsoft.com/office/drawing/2010/main">
               <a:solidFill>
                 <a:srgbClr val="FFFFFF"/>
               </a:solidFill>
             </a14:hiddenFill>
           </a:ext>
           <a:ext uri="{AF507438-7753-43E0-B8FC-AC1667EBCBE1}">
-            <a14:hiddenEffects xmlns:a14="http://schemas.microsoft.com/office/drawing/2010/main" xmlns="">
+            <a14:hiddenEffects xmlns="" xmlns:a14="http://schemas.microsoft.com/office/drawing/2010/main">
               <a:effectLst>
                 <a:outerShdw dist="35921" dir="2700000" algn="ctr" rotWithShape="0">
                   <a:srgbClr val="808080"/>
@@ -18754,7 +18962,7 @@
   </a:extraClrSchemeLst>
   <a:extLst>
     <a:ext uri="{05A4C25C-085E-4340-85A3-A5531E510DB2}">
-      <thm15:themeFamily xmlns:thm15="http://schemas.microsoft.com/office/thememl/2012/main" xmlns="" name="Office Theme" id="{62F939B6-93AF-4DB8-9C6B-D6C7DFDC589F}" vid="{4A3C46E8-61CC-4603-A589-7422A47A8E4A}"/>
+      <thm15:themeFamily xmlns="" xmlns:thm15="http://schemas.microsoft.com/office/thememl/2012/main" name="Office Theme" id="{62F939B6-93AF-4DB8-9C6B-D6C7DFDC589F}" vid="{4A3C46E8-61CC-4603-A589-7422A47A8E4A}"/>
     </a:ext>
   </a:extLst>
 </a:theme>
@@ -18979,14 +19187,14 @@
         <a:effectLst/>
         <a:extLst>
           <a:ext uri="{909E8E84-426E-40DD-AFC4-6F175D3DCCD1}">
-            <a14:hiddenFill xmlns:a14="http://schemas.microsoft.com/office/drawing/2010/main" xmlns="">
+            <a14:hiddenFill xmlns="" xmlns:a14="http://schemas.microsoft.com/office/drawing/2010/main">
               <a:solidFill>
                 <a:srgbClr val="FFFFFF"/>
               </a:solidFill>
             </a14:hiddenFill>
           </a:ext>
           <a:ext uri="{AF507438-7753-43E0-B8FC-AC1667EBCBE1}">
-            <a14:hiddenEffects xmlns:a14="http://schemas.microsoft.com/office/drawing/2010/main" xmlns="">
+            <a14:hiddenEffects xmlns="" xmlns:a14="http://schemas.microsoft.com/office/drawing/2010/main">
               <a:effectLst>
                 <a:outerShdw dist="35921" dir="2700000" algn="ctr" rotWithShape="0">
                   <a:srgbClr val="808080"/>
@@ -19057,14 +19265,14 @@
         <a:effectLst/>
         <a:extLst>
           <a:ext uri="{909E8E84-426E-40DD-AFC4-6F175D3DCCD1}">
-            <a14:hiddenFill xmlns:a14="http://schemas.microsoft.com/office/drawing/2010/main" xmlns="">
+            <a14:hiddenFill xmlns="" xmlns:a14="http://schemas.microsoft.com/office/drawing/2010/main">
               <a:solidFill>
                 <a:srgbClr val="FFFFFF"/>
               </a:solidFill>
             </a14:hiddenFill>
           </a:ext>
           <a:ext uri="{AF507438-7753-43E0-B8FC-AC1667EBCBE1}">
-            <a14:hiddenEffects xmlns:a14="http://schemas.microsoft.com/office/drawing/2010/main" xmlns="">
+            <a14:hiddenEffects xmlns="" xmlns:a14="http://schemas.microsoft.com/office/drawing/2010/main">
               <a:effectLst>
                 <a:outerShdw dist="35921" dir="2700000" algn="ctr" rotWithShape="0">
                   <a:srgbClr val="808080"/>
@@ -19605,7 +19813,7 @@
   </a:extraClrSchemeLst>
   <a:extLst>
     <a:ext uri="{05A4C25C-085E-4340-85A3-A5531E510DB2}">
-      <thm15:themeFamily xmlns:thm15="http://schemas.microsoft.com/office/thememl/2012/main" xmlns="" name="Office Theme" id="{62F939B6-93AF-4DB8-9C6B-D6C7DFDC589F}" vid="{4A3C46E8-61CC-4603-A589-7422A47A8E4A}"/>
+      <thm15:themeFamily xmlns="" xmlns:thm15="http://schemas.microsoft.com/office/thememl/2012/main" name="Office Theme" id="{62F939B6-93AF-4DB8-9C6B-D6C7DFDC589F}" vid="{4A3C46E8-61CC-4603-A589-7422A47A8E4A}"/>
     </a:ext>
   </a:extLst>
 </a:theme>
@@ -19866,7 +20074,7 @@
   <a:extraClrSchemeLst/>
   <a:extLst>
     <a:ext uri="{05A4C25C-085E-4340-85A3-A5531E510DB2}">
-      <thm15:themeFamily xmlns:thm15="http://schemas.microsoft.com/office/thememl/2012/main" xmlns="" name="Office Theme" id="{62F939B6-93AF-4DB8-9C6B-D6C7DFDC589F}" vid="{4A3C46E8-61CC-4603-A589-7422A47A8E4A}"/>
+      <thm15:themeFamily xmlns="" xmlns:thm15="http://schemas.microsoft.com/office/thememl/2012/main" name="Office Theme" id="{62F939B6-93AF-4DB8-9C6B-D6C7DFDC589F}" vid="{4A3C46E8-61CC-4603-A589-7422A47A8E4A}"/>
     </a:ext>
   </a:extLst>
 </a:theme>
@@ -20127,7 +20335,7 @@
   <a:extraClrSchemeLst/>
   <a:extLst>
     <a:ext uri="{05A4C25C-085E-4340-85A3-A5531E510DB2}">
-      <thm15:themeFamily xmlns:thm15="http://schemas.microsoft.com/office/thememl/2012/main" xmlns="" name="Office Theme" id="{62F939B6-93AF-4DB8-9C6B-D6C7DFDC589F}" vid="{4A3C46E8-61CC-4603-A589-7422A47A8E4A}"/>
+      <thm15:themeFamily xmlns="" xmlns:thm15="http://schemas.microsoft.com/office/thememl/2012/main" name="Office Theme" id="{62F939B6-93AF-4DB8-9C6B-D6C7DFDC589F}" vid="{4A3C46E8-61CC-4603-A589-7422A47A8E4A}"/>
     </a:ext>
   </a:extLst>
 </a:theme>

--- a/FinalPPT.pptx
+++ b/FinalPPT.pptx
@@ -161,7 +161,7 @@
   </p:defaultTextStyle>
   <p:extLst>
     <p:ext uri="{EFAFB233-063F-42B5-8137-9DF3F51BA10A}">
-      <p15:sldGuideLst xmlns="" xmlns:p15="http://schemas.microsoft.com/office/powerpoint/2012/main">
+      <p15:sldGuideLst xmlns:p15="http://schemas.microsoft.com/office/powerpoint/2012/main">
         <p15:guide id="1" orient="horz" pos="2160">
           <p15:clr>
             <a:srgbClr val="A4A3A4"/>
@@ -175,7 +175,7 @@
       </p15:sldGuideLst>
     </p:ext>
     <p:ext uri="{2D200454-40CA-4A62-9FC3-DE9A4176ACB9}">
-      <p15:notesGuideLst xmlns="" xmlns:p15="http://schemas.microsoft.com/office/powerpoint/2012/main">
+      <p15:notesGuideLst xmlns:p15="http://schemas.microsoft.com/office/powerpoint/2012/main">
         <p15:guide id="1" orient="horz" pos="2928">
           <p15:clr>
             <a:srgbClr val="A4A3A4"/>
@@ -2576,7 +2576,7 @@
   <dgm:whole/>
   <dgm:extLst>
     <a:ext uri="http://schemas.microsoft.com/office/drawing/2008/diagram">
-      <dsp:dataModelExt xmlns:dsp="http://schemas.microsoft.com/office/drawing/2008/diagram" xmlns="" relId="rId6" minVer="http://schemas.openxmlformats.org/drawingml/2006/diagram"/>
+      <dsp:dataModelExt xmlns:dsp="http://schemas.microsoft.com/office/drawing/2008/diagram" relId="rId6" minVer="http://schemas.openxmlformats.org/drawingml/2006/diagram"/>
     </a:ext>
   </dgm:extLst>
 </dgm:dataModel>
@@ -2953,25 +2953,25 @@
     </dgm:pt>
   </dgm:ptLst>
   <dgm:cxnLst>
-    <dgm:cxn modelId="{7B89FD2F-C8FF-4316-BBE2-8A645B207DDB}" type="presOf" srcId="{F20A51B1-3353-4E5D-B4AD-329714CCE184}" destId="{7B0D8C10-943B-4A12-B2E7-334C43B1CBC2}" srcOrd="0" destOrd="0" presId="urn:microsoft.com/office/officeart/2005/8/layout/process2"/>
-    <dgm:cxn modelId="{4115945F-87B7-4188-AA66-245ACAFC11B0}" type="presOf" srcId="{0732DB4F-12D8-4D7C-B951-5E130DBD24C0}" destId="{BC0148E8-F23A-45D5-A145-E2808A05DB9D}" srcOrd="1" destOrd="0" presId="urn:microsoft.com/office/officeart/2005/8/layout/process2"/>
-    <dgm:cxn modelId="{260F979A-C743-40D5-9CEB-8EEDF01E54D1}" type="presOf" srcId="{6B52B9B0-D4C5-43B5-AADB-CC7EFB6FF5C5}" destId="{AE94E800-5286-4189-8072-63BF912AF84B}" srcOrd="0" destOrd="0" presId="urn:microsoft.com/office/officeart/2005/8/layout/process2"/>
+    <dgm:cxn modelId="{306ED7F8-48F4-4A33-8E5B-2ED862A31CE9}" type="presOf" srcId="{901D3352-E8C0-44F3-AC35-A4BE74EDCD91}" destId="{122423AD-31E2-40D8-BAA3-5BF0935A4860}" srcOrd="0" destOrd="0" presId="urn:microsoft.com/office/officeart/2005/8/layout/process2"/>
+    <dgm:cxn modelId="{70C3F5A8-84C4-4D57-A2B5-726EC3C59457}" type="presOf" srcId="{6B52B9B0-D4C5-43B5-AADB-CC7EFB6FF5C5}" destId="{DDAC42F0-8BFC-473C-8C69-5EF503DC40DC}" srcOrd="1" destOrd="0" presId="urn:microsoft.com/office/officeart/2005/8/layout/process2"/>
     <dgm:cxn modelId="{7974F6A0-46A5-419C-ADEB-E54F8D170277}" srcId="{7566535B-809E-4B57-AE7A-1F19BDF04526}" destId="{007A1E10-7957-4E64-B950-ECBA725298E4}" srcOrd="0" destOrd="0" parTransId="{58E681F0-B86D-4031-A0D7-DA8AAE2F8ED9}" sibTransId="{6B52B9B0-D4C5-43B5-AADB-CC7EFB6FF5C5}"/>
     <dgm:cxn modelId="{25BFC0CD-85CF-4FE7-97DC-A78CBBCB8FBD}" type="presOf" srcId="{901D3352-E8C0-44F3-AC35-A4BE74EDCD91}" destId="{60AC58B5-36E5-4920-BFD7-DFAD1F7E822C}" srcOrd="1" destOrd="0" presId="urn:microsoft.com/office/officeart/2005/8/layout/process2"/>
+    <dgm:cxn modelId="{19FB7C54-1DC0-4763-BDB2-873D4D870E5B}" srcId="{7566535B-809E-4B57-AE7A-1F19BDF04526}" destId="{7F4DCD7F-35DC-4B78-8901-A82699A25E55}" srcOrd="3" destOrd="0" parTransId="{D9D08C3A-D5E9-4B85-BA10-7327300D2A54}" sibTransId="{0732DB4F-12D8-4D7C-B951-5E130DBD24C0}"/>
+    <dgm:cxn modelId="{A9AB01C8-4A63-44D7-9307-96B6868061F1}" type="presOf" srcId="{B760676C-1AC3-427C-A5D0-49894A1A4634}" destId="{AC2D1200-2BE5-4021-8C6C-1C35B052A441}" srcOrd="0" destOrd="0" presId="urn:microsoft.com/office/officeart/2005/8/layout/process2"/>
+    <dgm:cxn modelId="{7B89FD2F-C8FF-4316-BBE2-8A645B207DDB}" type="presOf" srcId="{F20A51B1-3353-4E5D-B4AD-329714CCE184}" destId="{7B0D8C10-943B-4A12-B2E7-334C43B1CBC2}" srcOrd="0" destOrd="0" presId="urn:microsoft.com/office/officeart/2005/8/layout/process2"/>
+    <dgm:cxn modelId="{260F979A-C743-40D5-9CEB-8EEDF01E54D1}" type="presOf" srcId="{6B52B9B0-D4C5-43B5-AADB-CC7EFB6FF5C5}" destId="{AE94E800-5286-4189-8072-63BF912AF84B}" srcOrd="0" destOrd="0" presId="urn:microsoft.com/office/officeart/2005/8/layout/process2"/>
+    <dgm:cxn modelId="{A28F8E7C-DE21-4F46-AC2A-C10972946C82}" type="presOf" srcId="{9E6ADF91-3A25-401C-A3C1-0BA2B613CB28}" destId="{BC3121E8-7D09-4D02-B7DA-1BC472F40F2E}" srcOrd="0" destOrd="0" presId="urn:microsoft.com/office/officeart/2005/8/layout/process2"/>
+    <dgm:cxn modelId="{3D27A7E6-2057-42B8-AF08-B9A6E218984C}" type="presOf" srcId="{7566535B-809E-4B57-AE7A-1F19BDF04526}" destId="{F478C2C9-CBCA-4C05-ADA7-BE333A665695}" srcOrd="0" destOrd="0" presId="urn:microsoft.com/office/officeart/2005/8/layout/process2"/>
+    <dgm:cxn modelId="{D7FD4A90-B08B-40DA-8EEF-A29744CC8F36}" srcId="{7566535B-809E-4B57-AE7A-1F19BDF04526}" destId="{B760676C-1AC3-427C-A5D0-49894A1A4634}" srcOrd="1" destOrd="0" parTransId="{8C947102-C1A1-4B87-B13D-2B4E08912F23}" sibTransId="{901D3352-E8C0-44F3-AC35-A4BE74EDCD91}"/>
+    <dgm:cxn modelId="{11EFBFBD-109F-4ABA-BF68-BFD2537A6E43}" srcId="{7566535B-809E-4B57-AE7A-1F19BDF04526}" destId="{F20A51B1-3353-4E5D-B4AD-329714CCE184}" srcOrd="2" destOrd="0" parTransId="{25FD7FF0-F0C7-4F5A-AB3A-C9D52D84EBBF}" sibTransId="{9E6ADF91-3A25-401C-A3C1-0BA2B613CB28}"/>
+    <dgm:cxn modelId="{A11A2C99-51AE-44A9-A22B-626A24972738}" type="presOf" srcId="{7F4DCD7F-35DC-4B78-8901-A82699A25E55}" destId="{B189ABA4-8F33-44E6-A1E1-B099A0E05B61}" srcOrd="0" destOrd="0" presId="urn:microsoft.com/office/officeart/2005/8/layout/process2"/>
+    <dgm:cxn modelId="{1C12B8BB-227C-4FF0-A0D5-A025C7D60E62}" type="presOf" srcId="{7E5FBE2F-E570-48D8-BBD2-EA39B3CACD02}" destId="{9EECF936-C517-4E19-984A-7DD56A0C956F}" srcOrd="0" destOrd="0" presId="urn:microsoft.com/office/officeart/2005/8/layout/process2"/>
+    <dgm:cxn modelId="{4115945F-87B7-4188-AA66-245ACAFC11B0}" type="presOf" srcId="{0732DB4F-12D8-4D7C-B951-5E130DBD24C0}" destId="{BC0148E8-F23A-45D5-A145-E2808A05DB9D}" srcOrd="1" destOrd="0" presId="urn:microsoft.com/office/officeart/2005/8/layout/process2"/>
+    <dgm:cxn modelId="{114BABD3-CDF7-4161-BCC2-805CE4B90813}" type="presOf" srcId="{9E6ADF91-3A25-401C-A3C1-0BA2B613CB28}" destId="{F5C58D87-5263-40AE-9F30-F7394FE92B01}" srcOrd="1" destOrd="0" presId="urn:microsoft.com/office/officeart/2005/8/layout/process2"/>
     <dgm:cxn modelId="{D44A259F-4D0B-45A8-BB75-F0A376DE9101}" srcId="{7566535B-809E-4B57-AE7A-1F19BDF04526}" destId="{7E5FBE2F-E570-48D8-BBD2-EA39B3CACD02}" srcOrd="4" destOrd="0" parTransId="{56691656-DEEC-4651-AEF4-1086A97C83D3}" sibTransId="{010A2F28-D3B7-45A9-8EBE-BA63737F1D5E}"/>
-    <dgm:cxn modelId="{A9AB01C8-4A63-44D7-9307-96B6868061F1}" type="presOf" srcId="{B760676C-1AC3-427C-A5D0-49894A1A4634}" destId="{AC2D1200-2BE5-4021-8C6C-1C35B052A441}" srcOrd="0" destOrd="0" presId="urn:microsoft.com/office/officeart/2005/8/layout/process2"/>
-    <dgm:cxn modelId="{70C3F5A8-84C4-4D57-A2B5-726EC3C59457}" type="presOf" srcId="{6B52B9B0-D4C5-43B5-AADB-CC7EFB6FF5C5}" destId="{DDAC42F0-8BFC-473C-8C69-5EF503DC40DC}" srcOrd="1" destOrd="0" presId="urn:microsoft.com/office/officeart/2005/8/layout/process2"/>
-    <dgm:cxn modelId="{19FB7C54-1DC0-4763-BDB2-873D4D870E5B}" srcId="{7566535B-809E-4B57-AE7A-1F19BDF04526}" destId="{7F4DCD7F-35DC-4B78-8901-A82699A25E55}" srcOrd="3" destOrd="0" parTransId="{D9D08C3A-D5E9-4B85-BA10-7327300D2A54}" sibTransId="{0732DB4F-12D8-4D7C-B951-5E130DBD24C0}"/>
-    <dgm:cxn modelId="{1C12B8BB-227C-4FF0-A0D5-A025C7D60E62}" type="presOf" srcId="{7E5FBE2F-E570-48D8-BBD2-EA39B3CACD02}" destId="{9EECF936-C517-4E19-984A-7DD56A0C956F}" srcOrd="0" destOrd="0" presId="urn:microsoft.com/office/officeart/2005/8/layout/process2"/>
-    <dgm:cxn modelId="{3D27A7E6-2057-42B8-AF08-B9A6E218984C}" type="presOf" srcId="{7566535B-809E-4B57-AE7A-1F19BDF04526}" destId="{F478C2C9-CBCA-4C05-ADA7-BE333A665695}" srcOrd="0" destOrd="0" presId="urn:microsoft.com/office/officeart/2005/8/layout/process2"/>
+    <dgm:cxn modelId="{4DC685D6-2533-420C-A47D-8D10D60BF8B4}" type="presOf" srcId="{007A1E10-7957-4E64-B950-ECBA725298E4}" destId="{A0CAF96B-EC41-4C06-9B98-D75AD3336425}" srcOrd="0" destOrd="0" presId="urn:microsoft.com/office/officeart/2005/8/layout/process2"/>
     <dgm:cxn modelId="{B85D323F-7B29-4281-A09B-FE41E24B320B}" type="presOf" srcId="{0732DB4F-12D8-4D7C-B951-5E130DBD24C0}" destId="{B83FA8B6-DDD8-4FEE-915D-331F42DFFFC7}" srcOrd="0" destOrd="0" presId="urn:microsoft.com/office/officeart/2005/8/layout/process2"/>
-    <dgm:cxn modelId="{114BABD3-CDF7-4161-BCC2-805CE4B90813}" type="presOf" srcId="{9E6ADF91-3A25-401C-A3C1-0BA2B613CB28}" destId="{F5C58D87-5263-40AE-9F30-F7394FE92B01}" srcOrd="1" destOrd="0" presId="urn:microsoft.com/office/officeart/2005/8/layout/process2"/>
-    <dgm:cxn modelId="{306ED7F8-48F4-4A33-8E5B-2ED862A31CE9}" type="presOf" srcId="{901D3352-E8C0-44F3-AC35-A4BE74EDCD91}" destId="{122423AD-31E2-40D8-BAA3-5BF0935A4860}" srcOrd="0" destOrd="0" presId="urn:microsoft.com/office/officeart/2005/8/layout/process2"/>
-    <dgm:cxn modelId="{D7FD4A90-B08B-40DA-8EEF-A29744CC8F36}" srcId="{7566535B-809E-4B57-AE7A-1F19BDF04526}" destId="{B760676C-1AC3-427C-A5D0-49894A1A4634}" srcOrd="1" destOrd="0" parTransId="{8C947102-C1A1-4B87-B13D-2B4E08912F23}" sibTransId="{901D3352-E8C0-44F3-AC35-A4BE74EDCD91}"/>
-    <dgm:cxn modelId="{4DC685D6-2533-420C-A47D-8D10D60BF8B4}" type="presOf" srcId="{007A1E10-7957-4E64-B950-ECBA725298E4}" destId="{A0CAF96B-EC41-4C06-9B98-D75AD3336425}" srcOrd="0" destOrd="0" presId="urn:microsoft.com/office/officeart/2005/8/layout/process2"/>
-    <dgm:cxn modelId="{A28F8E7C-DE21-4F46-AC2A-C10972946C82}" type="presOf" srcId="{9E6ADF91-3A25-401C-A3C1-0BA2B613CB28}" destId="{BC3121E8-7D09-4D02-B7DA-1BC472F40F2E}" srcOrd="0" destOrd="0" presId="urn:microsoft.com/office/officeart/2005/8/layout/process2"/>
-    <dgm:cxn modelId="{A11A2C99-51AE-44A9-A22B-626A24972738}" type="presOf" srcId="{7F4DCD7F-35DC-4B78-8901-A82699A25E55}" destId="{B189ABA4-8F33-44E6-A1E1-B099A0E05B61}" srcOrd="0" destOrd="0" presId="urn:microsoft.com/office/officeart/2005/8/layout/process2"/>
-    <dgm:cxn modelId="{11EFBFBD-109F-4ABA-BF68-BFD2537A6E43}" srcId="{7566535B-809E-4B57-AE7A-1F19BDF04526}" destId="{F20A51B1-3353-4E5D-B4AD-329714CCE184}" srcOrd="2" destOrd="0" parTransId="{25FD7FF0-F0C7-4F5A-AB3A-C9D52D84EBBF}" sibTransId="{9E6ADF91-3A25-401C-A3C1-0BA2B613CB28}"/>
     <dgm:cxn modelId="{E8F8B499-4FBA-49CA-8760-73B7F0F66691}" type="presParOf" srcId="{F478C2C9-CBCA-4C05-ADA7-BE333A665695}" destId="{A0CAF96B-EC41-4C06-9B98-D75AD3336425}" srcOrd="0" destOrd="0" presId="urn:microsoft.com/office/officeart/2005/8/layout/process2"/>
     <dgm:cxn modelId="{5978A473-8D5F-4DED-B3DF-C80AEE851E54}" type="presParOf" srcId="{F478C2C9-CBCA-4C05-ADA7-BE333A665695}" destId="{AE94E800-5286-4189-8072-63BF912AF84B}" srcOrd="1" destOrd="0" presId="urn:microsoft.com/office/officeart/2005/8/layout/process2"/>
     <dgm:cxn modelId="{02420E27-DEFF-4D0F-9005-62BB352D714A}" type="presParOf" srcId="{AE94E800-5286-4189-8072-63BF912AF84B}" destId="{DDAC42F0-8BFC-473C-8C69-5EF503DC40DC}" srcOrd="0" destOrd="0" presId="urn:microsoft.com/office/officeart/2005/8/layout/process2"/>
@@ -2989,11 +2989,11 @@
   <dgm:bg/>
   <dgm:whole/>
   <dgm:extLst>
+    <a:ext uri="http://schemas.microsoft.com/office/drawing/2008/diagram">
+      <dsp:dataModelExt xmlns:dsp="http://schemas.microsoft.com/office/drawing/2008/diagram" relId="rId11" minVer="http://schemas.openxmlformats.org/drawingml/2006/diagram"/>
+    </a:ext>
     <a:ext uri="{C62137D5-CB1D-491B-B009-E17868A290BF}">
-      <dgm14:recolorImg xmlns="" xmlns:dgm14="http://schemas.microsoft.com/office/drawing/2010/diagram" val="1"/>
-    </a:ext>
-    <a:ext uri="http://schemas.microsoft.com/office/drawing/2008/diagram">
-      <dsp:dataModelExt xmlns:dsp="http://schemas.microsoft.com/office/drawing/2008/diagram" xmlns="" relId="rId11" minVer="http://schemas.openxmlformats.org/drawingml/2006/diagram"/>
+      <dgm14:recolorImg xmlns:dgm14="http://schemas.microsoft.com/office/drawing/2010/diagram" val="1"/>
     </a:ext>
   </dgm:extLst>
 </dgm:dataModel>
@@ -3077,14 +3077,14 @@
   <dgm:whole/>
   <dgm:extLst>
     <a:ext uri="http://schemas.microsoft.com/office/drawing/2008/diagram">
-      <dsp:dataModelExt xmlns:dsp="http://schemas.microsoft.com/office/drawing/2008/diagram" xmlns="" relId="rId16" minVer="http://schemas.openxmlformats.org/drawingml/2006/diagram"/>
+      <dsp:dataModelExt xmlns:dsp="http://schemas.microsoft.com/office/drawing/2008/diagram" relId="rId16" minVer="http://schemas.openxmlformats.org/drawingml/2006/diagram"/>
     </a:ext>
   </dgm:extLst>
 </dgm:dataModel>
 </file>
 
 <file path=ppt/diagrams/drawing1.xml><?xml version="1.0" encoding="utf-8"?>
-<dsp:drawing xmlns:dgm="http://schemas.openxmlformats.org/drawingml/2006/diagram" xmlns:a="http://schemas.openxmlformats.org/drawingml/2006/main" xmlns:dsp="http://schemas.microsoft.com/office/drawing/2008/diagram">
+<dsp:drawing xmlns:dgm="http://schemas.openxmlformats.org/drawingml/2006/diagram" xmlns:dsp="http://schemas.microsoft.com/office/drawing/2008/diagram" xmlns:a="http://schemas.openxmlformats.org/drawingml/2006/main">
   <dsp:spTree>
     <dsp:nvGrpSpPr>
       <dsp:cNvPr id="0" name=""/>
@@ -3096,7 +3096,7 @@
 </file>
 
 <file path=ppt/diagrams/drawing2.xml><?xml version="1.0" encoding="utf-8"?>
-<dsp:drawing xmlns:dgm="http://schemas.openxmlformats.org/drawingml/2006/diagram" xmlns:a="http://schemas.openxmlformats.org/drawingml/2006/main" xmlns:dsp="http://schemas.microsoft.com/office/drawing/2008/diagram">
+<dsp:drawing xmlns:dgm="http://schemas.openxmlformats.org/drawingml/2006/diagram" xmlns:dsp="http://schemas.microsoft.com/office/drawing/2008/diagram" xmlns:a="http://schemas.openxmlformats.org/drawingml/2006/main">
   <dsp:spTree>
     <dsp:nvGrpSpPr>
       <dsp:cNvPr id="0" name=""/>
@@ -3197,8 +3197,8 @@
         </a:p>
       </dsp:txBody>
       <dsp:txXfrm>
-        <a:off x="1541341" y="75896"/>
-        <a:ext cx="1591702" cy="745473"/>
+        <a:off x="1563175" y="97730"/>
+        <a:ext cx="1548034" cy="701805"/>
       </dsp:txXfrm>
     </dsp:sp>
     <dsp:sp modelId="{AE94E800-5286-4189-8072-63BF912AF84B}">
@@ -3265,9 +3265,9 @@
           <a:endParaRPr lang="en-US" sz="1100" kern="1200"/>
         </a:p>
       </dsp:txBody>
-      <dsp:txXfrm rot="5473807">
-        <a:off x="2214415" y="802377"/>
-        <a:ext cx="223159" cy="335463"/>
+      <dsp:txXfrm rot="-5400000">
+        <a:off x="2226075" y="858537"/>
+        <a:ext cx="201277" cy="156211"/>
       </dsp:txXfrm>
     </dsp:sp>
     <dsp:sp modelId="{AC2D1200-2BE5-4021-8C6C-1C35B052A441}">
@@ -3347,8 +3347,8 @@
         </a:p>
       </dsp:txBody>
       <dsp:txXfrm>
-        <a:off x="1518946" y="1118847"/>
-        <a:ext cx="1591702" cy="745473"/>
+        <a:off x="1540780" y="1140681"/>
+        <a:ext cx="1548034" cy="701805"/>
       </dsp:txXfrm>
     </dsp:sp>
     <dsp:sp modelId="{122423AD-31E2-40D8-BAA3-5BF0935A4860}">
@@ -3415,9 +3415,9 @@
           <a:endParaRPr lang="en-US" sz="1400" kern="1200"/>
         </a:p>
       </dsp:txBody>
-      <dsp:txXfrm rot="5400000">
-        <a:off x="2175021" y="1882958"/>
-        <a:ext cx="279552" cy="335463"/>
+      <dsp:txXfrm rot="-5400000">
+        <a:off x="2214159" y="1910913"/>
+        <a:ext cx="201277" cy="195686"/>
       </dsp:txXfrm>
     </dsp:sp>
     <dsp:sp modelId="{7B0D8C10-943B-4A12-B2E7-334C43B1CBC2}">
@@ -3497,8 +3497,8 @@
         </a:p>
       </dsp:txBody>
       <dsp:txXfrm>
-        <a:off x="1518946" y="2237058"/>
-        <a:ext cx="1591702" cy="745473"/>
+        <a:off x="1540780" y="2258892"/>
+        <a:ext cx="1548034" cy="701805"/>
       </dsp:txXfrm>
     </dsp:sp>
     <dsp:sp modelId="{BC3121E8-7D09-4D02-B7DA-1BC472F40F2E}">
@@ -3565,9 +3565,9 @@
           <a:endParaRPr lang="en-US" sz="1400" kern="1200"/>
         </a:p>
       </dsp:txBody>
-      <dsp:txXfrm rot="5400000">
-        <a:off x="2175021" y="3001168"/>
-        <a:ext cx="279552" cy="335463"/>
+      <dsp:txXfrm rot="-5400000">
+        <a:off x="2214159" y="3029123"/>
+        <a:ext cx="201277" cy="195686"/>
       </dsp:txXfrm>
     </dsp:sp>
     <dsp:sp modelId="{B189ABA4-8F33-44E6-A1E1-B099A0E05B61}">
@@ -3647,8 +3647,8 @@
         </a:p>
       </dsp:txBody>
       <dsp:txXfrm>
-        <a:off x="1518946" y="3355268"/>
-        <a:ext cx="1591702" cy="745473"/>
+        <a:off x="1540780" y="3377102"/>
+        <a:ext cx="1548034" cy="701805"/>
       </dsp:txXfrm>
     </dsp:sp>
     <dsp:sp modelId="{B83FA8B6-DDD8-4FEE-915D-331F42DFFFC7}">
@@ -3715,9 +3715,9 @@
           <a:endParaRPr lang="en-US" sz="1400" kern="1200"/>
         </a:p>
       </dsp:txBody>
-      <dsp:txXfrm rot="5400000">
-        <a:off x="2175021" y="4119379"/>
-        <a:ext cx="279552" cy="335463"/>
+      <dsp:txXfrm rot="-5400000">
+        <a:off x="2214159" y="4147334"/>
+        <a:ext cx="201277" cy="195686"/>
       </dsp:txXfrm>
     </dsp:sp>
     <dsp:sp modelId="{9EECF936-C517-4E19-984A-7DD56A0C956F}">
@@ -3797,8 +3797,8 @@
         </a:p>
       </dsp:txBody>
       <dsp:txXfrm>
-        <a:off x="1518946" y="4473479"/>
-        <a:ext cx="1591702" cy="745473"/>
+        <a:off x="1540780" y="4495313"/>
+        <a:ext cx="1548034" cy="701805"/>
       </dsp:txXfrm>
     </dsp:sp>
   </dsp:spTree>
@@ -3806,7 +3806,7 @@
 </file>
 
 <file path=ppt/diagrams/drawing3.xml><?xml version="1.0" encoding="utf-8"?>
-<dsp:drawing xmlns:dgm="http://schemas.openxmlformats.org/drawingml/2006/diagram" xmlns:a="http://schemas.openxmlformats.org/drawingml/2006/main" xmlns:dsp="http://schemas.microsoft.com/office/drawing/2008/diagram">
+<dsp:drawing xmlns:dgm="http://schemas.openxmlformats.org/drawingml/2006/diagram" xmlns:dsp="http://schemas.microsoft.com/office/drawing/2008/diagram" xmlns:a="http://schemas.openxmlformats.org/drawingml/2006/main">
   <dsp:spTree>
     <dsp:nvGrpSpPr>
       <dsp:cNvPr id="0" name=""/>
@@ -3890,8 +3890,8 @@
         </a:p>
       </dsp:txBody>
       <dsp:txXfrm>
-        <a:off x="0" y="0"/>
-        <a:ext cx="1792732" cy="893574"/>
+        <a:off x="26172" y="26172"/>
+        <a:ext cx="1740388" cy="841230"/>
       </dsp:txXfrm>
     </dsp:sp>
   </dsp:spTree>
@@ -7497,14 +7497,14 @@
           <a:effectLst/>
           <a:extLst>
             <a:ext uri="{909E8E84-426E-40DD-AFC4-6F175D3DCCD1}">
-              <a14:hiddenFill xmlns="" xmlns:a14="http://schemas.microsoft.com/office/drawing/2010/main">
+              <a14:hiddenFill xmlns:a14="http://schemas.microsoft.com/office/drawing/2010/main">
                 <a:solidFill>
                   <a:schemeClr val="accent1"/>
                 </a:solidFill>
               </a14:hiddenFill>
             </a:ext>
             <a:ext uri="{91240B29-F687-4F45-9708-019B960494DF}">
-              <a14:hiddenLine xmlns="" xmlns:a14="http://schemas.microsoft.com/office/drawing/2010/main" w="9525">
+              <a14:hiddenLine xmlns:a14="http://schemas.microsoft.com/office/drawing/2010/main" w="9525">
                 <a:solidFill>
                   <a:schemeClr val="tx1"/>
                 </a:solidFill>
@@ -7514,7 +7514,7 @@
               </a14:hiddenLine>
             </a:ext>
             <a:ext uri="{AF507438-7753-43E0-B8FC-AC1667EBCBE1}">
-              <a14:hiddenEffects xmlns="" xmlns:a14="http://schemas.microsoft.com/office/drawing/2010/main">
+              <a14:hiddenEffects xmlns:a14="http://schemas.microsoft.com/office/drawing/2010/main">
                 <a:effectLst>
                   <a:outerShdw dist="35921" dir="2700000" algn="ctr" rotWithShape="0">
                     <a:schemeClr val="bg2"/>
@@ -7568,14 +7568,14 @@
           <a:effectLst/>
           <a:extLst>
             <a:ext uri="{909E8E84-426E-40DD-AFC4-6F175D3DCCD1}">
-              <a14:hiddenFill xmlns="" xmlns:a14="http://schemas.microsoft.com/office/drawing/2010/main">
+              <a14:hiddenFill xmlns:a14="http://schemas.microsoft.com/office/drawing/2010/main">
                 <a:solidFill>
                   <a:schemeClr val="accent1"/>
                 </a:solidFill>
               </a14:hiddenFill>
             </a:ext>
             <a:ext uri="{91240B29-F687-4F45-9708-019B960494DF}">
-              <a14:hiddenLine xmlns="" xmlns:a14="http://schemas.microsoft.com/office/drawing/2010/main" w="9525">
+              <a14:hiddenLine xmlns:a14="http://schemas.microsoft.com/office/drawing/2010/main" w="9525">
                 <a:solidFill>
                   <a:schemeClr val="tx1"/>
                 </a:solidFill>
@@ -7585,7 +7585,7 @@
               </a14:hiddenLine>
             </a:ext>
             <a:ext uri="{AF507438-7753-43E0-B8FC-AC1667EBCBE1}">
-              <a14:hiddenEffects xmlns="" xmlns:a14="http://schemas.microsoft.com/office/drawing/2010/main">
+              <a14:hiddenEffects xmlns:a14="http://schemas.microsoft.com/office/drawing/2010/main">
                 <a:effectLst>
                   <a:outerShdw dist="35921" dir="2700000" algn="ctr" rotWithShape="0">
                     <a:schemeClr val="bg2"/>
@@ -7639,14 +7639,14 @@
           <a:effectLst/>
           <a:extLst>
             <a:ext uri="{909E8E84-426E-40DD-AFC4-6F175D3DCCD1}">
-              <a14:hiddenFill xmlns="" xmlns:a14="http://schemas.microsoft.com/office/drawing/2010/main">
+              <a14:hiddenFill xmlns:a14="http://schemas.microsoft.com/office/drawing/2010/main">
                 <a:solidFill>
                   <a:schemeClr val="accent1"/>
                 </a:solidFill>
               </a14:hiddenFill>
             </a:ext>
             <a:ext uri="{91240B29-F687-4F45-9708-019B960494DF}">
-              <a14:hiddenLine xmlns="" xmlns:a14="http://schemas.microsoft.com/office/drawing/2010/main" w="9525">
+              <a14:hiddenLine xmlns:a14="http://schemas.microsoft.com/office/drawing/2010/main" w="9525">
                 <a:solidFill>
                   <a:schemeClr val="tx1"/>
                 </a:solidFill>
@@ -7656,7 +7656,7 @@
               </a14:hiddenLine>
             </a:ext>
             <a:ext uri="{AF507438-7753-43E0-B8FC-AC1667EBCBE1}">
-              <a14:hiddenEffects xmlns="" xmlns:a14="http://schemas.microsoft.com/office/drawing/2010/main">
+              <a14:hiddenEffects xmlns:a14="http://schemas.microsoft.com/office/drawing/2010/main">
                 <a:effectLst>
                   <a:outerShdw dist="35921" dir="2700000" algn="ctr" rotWithShape="0">
                     <a:schemeClr val="bg2"/>
@@ -7710,14 +7710,14 @@
           <a:effectLst/>
           <a:extLst>
             <a:ext uri="{909E8E84-426E-40DD-AFC4-6F175D3DCCD1}">
-              <a14:hiddenFill xmlns="" xmlns:a14="http://schemas.microsoft.com/office/drawing/2010/main">
+              <a14:hiddenFill xmlns:a14="http://schemas.microsoft.com/office/drawing/2010/main">
                 <a:solidFill>
                   <a:schemeClr val="accent1"/>
                 </a:solidFill>
               </a14:hiddenFill>
             </a:ext>
             <a:ext uri="{91240B29-F687-4F45-9708-019B960494DF}">
-              <a14:hiddenLine xmlns="" xmlns:a14="http://schemas.microsoft.com/office/drawing/2010/main" w="9525">
+              <a14:hiddenLine xmlns:a14="http://schemas.microsoft.com/office/drawing/2010/main" w="9525">
                 <a:solidFill>
                   <a:schemeClr val="tx1"/>
                 </a:solidFill>
@@ -7727,7 +7727,7 @@
               </a14:hiddenLine>
             </a:ext>
             <a:ext uri="{AF507438-7753-43E0-B8FC-AC1667EBCBE1}">
-              <a14:hiddenEffects xmlns="" xmlns:a14="http://schemas.microsoft.com/office/drawing/2010/main">
+              <a14:hiddenEffects xmlns:a14="http://schemas.microsoft.com/office/drawing/2010/main">
                 <a:effectLst>
                   <a:outerShdw dist="35921" dir="2700000" algn="ctr" rotWithShape="0">
                     <a:schemeClr val="bg2"/>
@@ -7764,7 +7764,7 @@
     </p:spTree>
     <p:extLst>
       <p:ext uri="{BB962C8B-B14F-4D97-AF65-F5344CB8AC3E}">
-        <p14:creationId xmlns="" xmlns:p14="http://schemas.microsoft.com/office/powerpoint/2010/main" val="3979472258"/>
+        <p14:creationId xmlns:p14="http://schemas.microsoft.com/office/powerpoint/2010/main" val="3979472258"/>
       </p:ext>
     </p:extLst>
   </p:cSld>
@@ -7822,14 +7822,14 @@
           <a:effectLst/>
           <a:extLst>
             <a:ext uri="{909E8E84-426E-40DD-AFC4-6F175D3DCCD1}">
-              <a14:hiddenFill xmlns="" xmlns:a14="http://schemas.microsoft.com/office/drawing/2010/main">
+              <a14:hiddenFill xmlns:a14="http://schemas.microsoft.com/office/drawing/2010/main">
                 <a:solidFill>
                   <a:schemeClr val="accent1"/>
                 </a:solidFill>
               </a14:hiddenFill>
             </a:ext>
             <a:ext uri="{91240B29-F687-4F45-9708-019B960494DF}">
-              <a14:hiddenLine xmlns="" xmlns:a14="http://schemas.microsoft.com/office/drawing/2010/main" w="9525">
+              <a14:hiddenLine xmlns:a14="http://schemas.microsoft.com/office/drawing/2010/main" w="9525">
                 <a:solidFill>
                   <a:schemeClr val="tx1"/>
                 </a:solidFill>
@@ -7839,7 +7839,7 @@
               </a14:hiddenLine>
             </a:ext>
             <a:ext uri="{AF507438-7753-43E0-B8FC-AC1667EBCBE1}">
-              <a14:hiddenEffects xmlns="" xmlns:a14="http://schemas.microsoft.com/office/drawing/2010/main">
+              <a14:hiddenEffects xmlns:a14="http://schemas.microsoft.com/office/drawing/2010/main">
                 <a:effectLst>
                   <a:outerShdw dist="35921" dir="2700000" algn="ctr" rotWithShape="0">
                     <a:schemeClr val="bg2"/>
@@ -7893,14 +7893,14 @@
           <a:effectLst/>
           <a:extLst>
             <a:ext uri="{909E8E84-426E-40DD-AFC4-6F175D3DCCD1}">
-              <a14:hiddenFill xmlns="" xmlns:a14="http://schemas.microsoft.com/office/drawing/2010/main">
+              <a14:hiddenFill xmlns:a14="http://schemas.microsoft.com/office/drawing/2010/main">
                 <a:solidFill>
                   <a:schemeClr val="accent1"/>
                 </a:solidFill>
               </a14:hiddenFill>
             </a:ext>
             <a:ext uri="{91240B29-F687-4F45-9708-019B960494DF}">
-              <a14:hiddenLine xmlns="" xmlns:a14="http://schemas.microsoft.com/office/drawing/2010/main" w="9525">
+              <a14:hiddenLine xmlns:a14="http://schemas.microsoft.com/office/drawing/2010/main" w="9525">
                 <a:solidFill>
                   <a:schemeClr val="tx1"/>
                 </a:solidFill>
@@ -7910,7 +7910,7 @@
               </a14:hiddenLine>
             </a:ext>
             <a:ext uri="{AF507438-7753-43E0-B8FC-AC1667EBCBE1}">
-              <a14:hiddenEffects xmlns="" xmlns:a14="http://schemas.microsoft.com/office/drawing/2010/main">
+              <a14:hiddenEffects xmlns:a14="http://schemas.microsoft.com/office/drawing/2010/main">
                 <a:effectLst>
                   <a:outerShdw dist="35921" dir="2700000" algn="ctr" rotWithShape="0">
                     <a:schemeClr val="bg2"/>
@@ -7969,7 +7969,7 @@
           <a:effectLst/>
           <a:extLst>
             <a:ext uri="{AF507438-7753-43E0-B8FC-AC1667EBCBE1}">
-              <a14:hiddenEffects xmlns="" xmlns:a14="http://schemas.microsoft.com/office/drawing/2010/main">
+              <a14:hiddenEffects xmlns:a14="http://schemas.microsoft.com/office/drawing/2010/main">
                 <a:effectLst>
                   <a:outerShdw dist="35921" dir="2700000" algn="ctr" rotWithShape="0">
                     <a:srgbClr val="808080"/>
@@ -7978,7 +7978,7 @@
               </a14:hiddenEffects>
             </a:ext>
             <a:ext uri="{53640926-AAD7-44D8-BBD7-CCE9431645EC}">
-              <a14:shadowObscured xmlns="" xmlns:a14="http://schemas.microsoft.com/office/drawing/2010/main" val="1"/>
+              <a14:shadowObscured xmlns:a14="http://schemas.microsoft.com/office/drawing/2010/main" val="1"/>
             </a:ext>
           </a:extLst>
         </p:spPr>
@@ -8008,14 +8008,14 @@
           <a:effectLst/>
           <a:extLst>
             <a:ext uri="{909E8E84-426E-40DD-AFC4-6F175D3DCCD1}">
-              <a14:hiddenFill xmlns="" xmlns:a14="http://schemas.microsoft.com/office/drawing/2010/main">
+              <a14:hiddenFill xmlns:a14="http://schemas.microsoft.com/office/drawing/2010/main">
                 <a:solidFill>
                   <a:schemeClr val="accent1"/>
                 </a:solidFill>
               </a14:hiddenFill>
             </a:ext>
             <a:ext uri="{91240B29-F687-4F45-9708-019B960494DF}">
-              <a14:hiddenLine xmlns="" xmlns:a14="http://schemas.microsoft.com/office/drawing/2010/main" w="9525">
+              <a14:hiddenLine xmlns:a14="http://schemas.microsoft.com/office/drawing/2010/main" w="9525">
                 <a:solidFill>
                   <a:schemeClr val="tx1"/>
                 </a:solidFill>
@@ -8025,7 +8025,7 @@
               </a14:hiddenLine>
             </a:ext>
             <a:ext uri="{AF507438-7753-43E0-B8FC-AC1667EBCBE1}">
-              <a14:hiddenEffects xmlns="" xmlns:a14="http://schemas.microsoft.com/office/drawing/2010/main">
+              <a14:hiddenEffects xmlns:a14="http://schemas.microsoft.com/office/drawing/2010/main">
                 <a:effectLst>
                   <a:outerShdw dist="35921" dir="2700000" algn="ctr" rotWithShape="0">
                     <a:schemeClr val="bg2"/>
@@ -8104,14 +8104,14 @@
           <a:effectLst/>
           <a:extLst>
             <a:ext uri="{909E8E84-426E-40DD-AFC4-6F175D3DCCD1}">
-              <a14:hiddenFill xmlns="" xmlns:a14="http://schemas.microsoft.com/office/drawing/2010/main">
+              <a14:hiddenFill xmlns:a14="http://schemas.microsoft.com/office/drawing/2010/main">
                 <a:solidFill>
                   <a:schemeClr val="accent1"/>
                 </a:solidFill>
               </a14:hiddenFill>
             </a:ext>
             <a:ext uri="{91240B29-F687-4F45-9708-019B960494DF}">
-              <a14:hiddenLine xmlns="" xmlns:a14="http://schemas.microsoft.com/office/drawing/2010/main" w="9525">
+              <a14:hiddenLine xmlns:a14="http://schemas.microsoft.com/office/drawing/2010/main" w="9525">
                 <a:solidFill>
                   <a:schemeClr val="tx1"/>
                 </a:solidFill>
@@ -8121,7 +8121,7 @@
               </a14:hiddenLine>
             </a:ext>
             <a:ext uri="{AF507438-7753-43E0-B8FC-AC1667EBCBE1}">
-              <a14:hiddenEffects xmlns="" xmlns:a14="http://schemas.microsoft.com/office/drawing/2010/main">
+              <a14:hiddenEffects xmlns:a14="http://schemas.microsoft.com/office/drawing/2010/main">
                 <a:effectLst>
                   <a:outerShdw dist="35921" dir="2700000" algn="ctr" rotWithShape="0">
                     <a:schemeClr val="bg2"/>
@@ -8175,14 +8175,14 @@
           <a:effectLst/>
           <a:extLst>
             <a:ext uri="{909E8E84-426E-40DD-AFC4-6F175D3DCCD1}">
-              <a14:hiddenFill xmlns="" xmlns:a14="http://schemas.microsoft.com/office/drawing/2010/main">
+              <a14:hiddenFill xmlns:a14="http://schemas.microsoft.com/office/drawing/2010/main">
                 <a:solidFill>
                   <a:schemeClr val="accent1"/>
                 </a:solidFill>
               </a14:hiddenFill>
             </a:ext>
             <a:ext uri="{91240B29-F687-4F45-9708-019B960494DF}">
-              <a14:hiddenLine xmlns="" xmlns:a14="http://schemas.microsoft.com/office/drawing/2010/main" w="9525">
+              <a14:hiddenLine xmlns:a14="http://schemas.microsoft.com/office/drawing/2010/main" w="9525">
                 <a:solidFill>
                   <a:schemeClr val="tx1"/>
                 </a:solidFill>
@@ -8192,7 +8192,7 @@
               </a14:hiddenLine>
             </a:ext>
             <a:ext uri="{AF507438-7753-43E0-B8FC-AC1667EBCBE1}">
-              <a14:hiddenEffects xmlns="" xmlns:a14="http://schemas.microsoft.com/office/drawing/2010/main">
+              <a14:hiddenEffects xmlns:a14="http://schemas.microsoft.com/office/drawing/2010/main">
                 <a:effectLst>
                   <a:outerShdw dist="35921" dir="2700000" algn="ctr" rotWithShape="0">
                     <a:schemeClr val="bg2"/>
@@ -8229,7 +8229,7 @@
     </p:spTree>
     <p:extLst>
       <p:ext uri="{BB962C8B-B14F-4D97-AF65-F5344CB8AC3E}">
-        <p14:creationId xmlns="" xmlns:p14="http://schemas.microsoft.com/office/powerpoint/2010/main" val="2279949868"/>
+        <p14:creationId xmlns:p14="http://schemas.microsoft.com/office/powerpoint/2010/main" val="2279949868"/>
       </p:ext>
     </p:extLst>
   </p:cSld>
@@ -8438,7 +8438,7 @@
     </p:spTree>
     <p:extLst>
       <p:ext uri="{BB962C8B-B14F-4D97-AF65-F5344CB8AC3E}">
-        <p14:creationId xmlns="" xmlns:p14="http://schemas.microsoft.com/office/powerpoint/2010/main" val="3960373828"/>
+        <p14:creationId xmlns:p14="http://schemas.microsoft.com/office/powerpoint/2010/main" val="3960373828"/>
       </p:ext>
     </p:extLst>
   </p:cSld>
@@ -8527,7 +8527,7 @@
     </p:spTree>
     <p:extLst>
       <p:ext uri="{BB962C8B-B14F-4D97-AF65-F5344CB8AC3E}">
-        <p14:creationId xmlns="" xmlns:p14="http://schemas.microsoft.com/office/powerpoint/2010/main" val="3744816936"/>
+        <p14:creationId xmlns:p14="http://schemas.microsoft.com/office/powerpoint/2010/main" val="3744816936"/>
       </p:ext>
     </p:extLst>
   </p:cSld>
@@ -8616,7 +8616,7 @@
     </p:spTree>
     <p:extLst>
       <p:ext uri="{BB962C8B-B14F-4D97-AF65-F5344CB8AC3E}">
-        <p14:creationId xmlns="" xmlns:p14="http://schemas.microsoft.com/office/powerpoint/2010/main" val="2390727992"/>
+        <p14:creationId xmlns:p14="http://schemas.microsoft.com/office/powerpoint/2010/main" val="2390727992"/>
       </p:ext>
     </p:extLst>
   </p:cSld>
@@ -8705,7 +8705,7 @@
     </p:spTree>
     <p:extLst>
       <p:ext uri="{BB962C8B-B14F-4D97-AF65-F5344CB8AC3E}">
-        <p14:creationId xmlns="" xmlns:p14="http://schemas.microsoft.com/office/powerpoint/2010/main" val="1157916371"/>
+        <p14:creationId xmlns:p14="http://schemas.microsoft.com/office/powerpoint/2010/main" val="1157916371"/>
       </p:ext>
     </p:extLst>
   </p:cSld>
@@ -8794,7 +8794,7 @@
     </p:spTree>
     <p:extLst>
       <p:ext uri="{BB962C8B-B14F-4D97-AF65-F5344CB8AC3E}">
-        <p14:creationId xmlns="" xmlns:p14="http://schemas.microsoft.com/office/powerpoint/2010/main" val="2426773524"/>
+        <p14:creationId xmlns:p14="http://schemas.microsoft.com/office/powerpoint/2010/main" val="2426773524"/>
       </p:ext>
     </p:extLst>
   </p:cSld>
@@ -8883,7 +8883,7 @@
     </p:spTree>
     <p:extLst>
       <p:ext uri="{BB962C8B-B14F-4D97-AF65-F5344CB8AC3E}">
-        <p14:creationId xmlns="" xmlns:p14="http://schemas.microsoft.com/office/powerpoint/2010/main" val="695519860"/>
+        <p14:creationId xmlns:p14="http://schemas.microsoft.com/office/powerpoint/2010/main" val="695519860"/>
       </p:ext>
     </p:extLst>
   </p:cSld>
@@ -8930,7 +8930,7 @@
           <a:blip r:embed="rId2" cstate="print">
             <a:extLst>
               <a:ext uri="{28A0092B-C50C-407E-A947-70E740481C1C}">
-                <a14:useLocalDpi xmlns="" xmlns:a14="http://schemas.microsoft.com/office/drawing/2010/main" val="0"/>
+                <a14:useLocalDpi xmlns:a14="http://schemas.microsoft.com/office/drawing/2010/main" val="0"/>
               </a:ext>
             </a:extLst>
           </a:blip>
@@ -8950,7 +8950,7 @@
           <a:noFill/>
           <a:extLst>
             <a:ext uri="{909E8E84-426E-40DD-AFC4-6F175D3DCCD1}">
-              <a14:hiddenFill xmlns="" xmlns:a14="http://schemas.microsoft.com/office/drawing/2010/main">
+              <a14:hiddenFill xmlns:a14="http://schemas.microsoft.com/office/drawing/2010/main">
                 <a:solidFill>
                   <a:srgbClr val="FFFFFF"/>
                 </a:solidFill>
@@ -9179,7 +9179,7 @@
     </p:spTree>
     <p:extLst>
       <p:ext uri="{BB962C8B-B14F-4D97-AF65-F5344CB8AC3E}">
-        <p14:creationId xmlns="" xmlns:p14="http://schemas.microsoft.com/office/powerpoint/2010/main" val="3078274010"/>
+        <p14:creationId xmlns:p14="http://schemas.microsoft.com/office/powerpoint/2010/main" val="3078274010"/>
       </p:ext>
     </p:extLst>
   </p:cSld>
@@ -9317,7 +9317,7 @@
     </p:spTree>
     <p:extLst>
       <p:ext uri="{BB962C8B-B14F-4D97-AF65-F5344CB8AC3E}">
-        <p14:creationId xmlns="" xmlns:p14="http://schemas.microsoft.com/office/powerpoint/2010/main" val="2790818867"/>
+        <p14:creationId xmlns:p14="http://schemas.microsoft.com/office/powerpoint/2010/main" val="2790818867"/>
       </p:ext>
     </p:extLst>
   </p:cSld>
@@ -9447,7 +9447,7 @@
     </p:spTree>
     <p:extLst>
       <p:ext uri="{BB962C8B-B14F-4D97-AF65-F5344CB8AC3E}">
-        <p14:creationId xmlns="" xmlns:p14="http://schemas.microsoft.com/office/powerpoint/2010/main" val="3261370428"/>
+        <p14:creationId xmlns:p14="http://schemas.microsoft.com/office/powerpoint/2010/main" val="3261370428"/>
       </p:ext>
     </p:extLst>
   </p:cSld>
@@ -9560,7 +9560,7 @@
     </p:spTree>
     <p:extLst>
       <p:ext uri="{BB962C8B-B14F-4D97-AF65-F5344CB8AC3E}">
-        <p14:creationId xmlns="" xmlns:p14="http://schemas.microsoft.com/office/powerpoint/2010/main" val="1132424181"/>
+        <p14:creationId xmlns:p14="http://schemas.microsoft.com/office/powerpoint/2010/main" val="1132424181"/>
       </p:ext>
     </p:extLst>
   </p:cSld>
@@ -9690,7 +9690,7 @@
     </p:spTree>
     <p:extLst>
       <p:ext uri="{BB962C8B-B14F-4D97-AF65-F5344CB8AC3E}">
-        <p14:creationId xmlns="" xmlns:p14="http://schemas.microsoft.com/office/powerpoint/2010/main" val="349763032"/>
+        <p14:creationId xmlns:p14="http://schemas.microsoft.com/office/powerpoint/2010/main" val="349763032"/>
       </p:ext>
     </p:extLst>
   </p:cSld>
@@ -9863,7 +9863,7 @@
     </p:spTree>
     <p:extLst>
       <p:ext uri="{BB962C8B-B14F-4D97-AF65-F5344CB8AC3E}">
-        <p14:creationId xmlns="" xmlns:p14="http://schemas.microsoft.com/office/powerpoint/2010/main" val="2680569981"/>
+        <p14:creationId xmlns:p14="http://schemas.microsoft.com/office/powerpoint/2010/main" val="2680569981"/>
       </p:ext>
     </p:extLst>
   </p:cSld>
@@ -10177,7 +10177,7 @@
     </p:spTree>
     <p:extLst>
       <p:ext uri="{BB962C8B-B14F-4D97-AF65-F5344CB8AC3E}">
-        <p14:creationId xmlns="" xmlns:p14="http://schemas.microsoft.com/office/powerpoint/2010/main" val="199308405"/>
+        <p14:creationId xmlns:p14="http://schemas.microsoft.com/office/powerpoint/2010/main" val="199308405"/>
       </p:ext>
     </p:extLst>
   </p:cSld>
@@ -10230,7 +10230,7 @@
     </p:spTree>
     <p:extLst>
       <p:ext uri="{BB962C8B-B14F-4D97-AF65-F5344CB8AC3E}">
-        <p14:creationId xmlns="" xmlns:p14="http://schemas.microsoft.com/office/powerpoint/2010/main" val="1828899205"/>
+        <p14:creationId xmlns:p14="http://schemas.microsoft.com/office/powerpoint/2010/main" val="1828899205"/>
       </p:ext>
     </p:extLst>
   </p:cSld>
@@ -10260,7 +10260,7 @@
     </p:spTree>
     <p:extLst>
       <p:ext uri="{BB962C8B-B14F-4D97-AF65-F5344CB8AC3E}">
-        <p14:creationId xmlns="" xmlns:p14="http://schemas.microsoft.com/office/powerpoint/2010/main" val="51222785"/>
+        <p14:creationId xmlns:p14="http://schemas.microsoft.com/office/powerpoint/2010/main" val="51222785"/>
       </p:ext>
     </p:extLst>
   </p:cSld>
@@ -10478,7 +10478,7 @@
     </p:spTree>
     <p:extLst>
       <p:ext uri="{BB962C8B-B14F-4D97-AF65-F5344CB8AC3E}">
-        <p14:creationId xmlns="" xmlns:p14="http://schemas.microsoft.com/office/powerpoint/2010/main" val="2791311117"/>
+        <p14:creationId xmlns:p14="http://schemas.microsoft.com/office/powerpoint/2010/main" val="2791311117"/>
       </p:ext>
     </p:extLst>
   </p:cSld>
@@ -10606,7 +10606,7 @@
     </p:spTree>
     <p:extLst>
       <p:ext uri="{BB962C8B-B14F-4D97-AF65-F5344CB8AC3E}">
-        <p14:creationId xmlns="" xmlns:p14="http://schemas.microsoft.com/office/powerpoint/2010/main" val="1655414188"/>
+        <p14:creationId xmlns:p14="http://schemas.microsoft.com/office/powerpoint/2010/main" val="1655414188"/>
       </p:ext>
     </p:extLst>
   </p:cSld>
@@ -10800,7 +10800,7 @@
     </p:spTree>
     <p:extLst>
       <p:ext uri="{BB962C8B-B14F-4D97-AF65-F5344CB8AC3E}">
-        <p14:creationId xmlns="" xmlns:p14="http://schemas.microsoft.com/office/powerpoint/2010/main" val="2022706678"/>
+        <p14:creationId xmlns:p14="http://schemas.microsoft.com/office/powerpoint/2010/main" val="2022706678"/>
       </p:ext>
     </p:extLst>
   </p:cSld>
@@ -10913,7 +10913,7 @@
     </p:spTree>
     <p:extLst>
       <p:ext uri="{BB962C8B-B14F-4D97-AF65-F5344CB8AC3E}">
-        <p14:creationId xmlns="" xmlns:p14="http://schemas.microsoft.com/office/powerpoint/2010/main" val="1599155895"/>
+        <p14:creationId xmlns:p14="http://schemas.microsoft.com/office/powerpoint/2010/main" val="1599155895"/>
       </p:ext>
     </p:extLst>
   </p:cSld>
@@ -11031,7 +11031,7 @@
     </p:spTree>
     <p:extLst>
       <p:ext uri="{BB962C8B-B14F-4D97-AF65-F5344CB8AC3E}">
-        <p14:creationId xmlns="" xmlns:p14="http://schemas.microsoft.com/office/powerpoint/2010/main" val="3296267525"/>
+        <p14:creationId xmlns:p14="http://schemas.microsoft.com/office/powerpoint/2010/main" val="3296267525"/>
       </p:ext>
     </p:extLst>
   </p:cSld>
@@ -11181,7 +11181,7 @@
     </p:spTree>
     <p:extLst>
       <p:ext uri="{BB962C8B-B14F-4D97-AF65-F5344CB8AC3E}">
-        <p14:creationId xmlns="" xmlns:p14="http://schemas.microsoft.com/office/powerpoint/2010/main" val="980267061"/>
+        <p14:creationId xmlns:p14="http://schemas.microsoft.com/office/powerpoint/2010/main" val="980267061"/>
       </p:ext>
     </p:extLst>
   </p:cSld>
@@ -11371,7 +11371,7 @@
     </p:spTree>
     <p:extLst>
       <p:ext uri="{BB962C8B-B14F-4D97-AF65-F5344CB8AC3E}">
-        <p14:creationId xmlns="" xmlns:p14="http://schemas.microsoft.com/office/powerpoint/2010/main" val="2244704556"/>
+        <p14:creationId xmlns:p14="http://schemas.microsoft.com/office/powerpoint/2010/main" val="2244704556"/>
       </p:ext>
     </p:extLst>
   </p:cSld>
@@ -11696,7 +11696,7 @@
     </p:spTree>
     <p:extLst>
       <p:ext uri="{BB962C8B-B14F-4D97-AF65-F5344CB8AC3E}">
-        <p14:creationId xmlns="" xmlns:p14="http://schemas.microsoft.com/office/powerpoint/2010/main" val="833864742"/>
+        <p14:creationId xmlns:p14="http://schemas.microsoft.com/office/powerpoint/2010/main" val="833864742"/>
       </p:ext>
     </p:extLst>
   </p:cSld>
@@ -11772,7 +11772,7 @@
     </p:spTree>
     <p:extLst>
       <p:ext uri="{BB962C8B-B14F-4D97-AF65-F5344CB8AC3E}">
-        <p14:creationId xmlns="" xmlns:p14="http://schemas.microsoft.com/office/powerpoint/2010/main" val="2666272991"/>
+        <p14:creationId xmlns:p14="http://schemas.microsoft.com/office/powerpoint/2010/main" val="2666272991"/>
       </p:ext>
     </p:extLst>
   </p:cSld>
@@ -11825,7 +11825,7 @@
     </p:spTree>
     <p:extLst>
       <p:ext uri="{BB962C8B-B14F-4D97-AF65-F5344CB8AC3E}">
-        <p14:creationId xmlns="" xmlns:p14="http://schemas.microsoft.com/office/powerpoint/2010/main" val="3431224194"/>
+        <p14:creationId xmlns:p14="http://schemas.microsoft.com/office/powerpoint/2010/main" val="3431224194"/>
       </p:ext>
     </p:extLst>
   </p:cSld>
@@ -12060,7 +12060,7 @@
     </p:spTree>
     <p:extLst>
       <p:ext uri="{BB962C8B-B14F-4D97-AF65-F5344CB8AC3E}">
-        <p14:creationId xmlns="" xmlns:p14="http://schemas.microsoft.com/office/powerpoint/2010/main" val="134994577"/>
+        <p14:creationId xmlns:p14="http://schemas.microsoft.com/office/powerpoint/2010/main" val="134994577"/>
       </p:ext>
     </p:extLst>
   </p:cSld>
@@ -12271,7 +12271,7 @@
     </p:spTree>
     <p:extLst>
       <p:ext uri="{BB962C8B-B14F-4D97-AF65-F5344CB8AC3E}">
-        <p14:creationId xmlns="" xmlns:p14="http://schemas.microsoft.com/office/powerpoint/2010/main" val="3795403466"/>
+        <p14:creationId xmlns:p14="http://schemas.microsoft.com/office/powerpoint/2010/main" val="3795403466"/>
       </p:ext>
     </p:extLst>
   </p:cSld>
@@ -12335,14 +12335,14 @@
           <a:effectLst/>
           <a:extLst>
             <a:ext uri="{909E8E84-426E-40DD-AFC4-6F175D3DCCD1}">
-              <a14:hiddenFill xmlns="" xmlns:a14="http://schemas.microsoft.com/office/drawing/2010/main">
+              <a14:hiddenFill xmlns:a14="http://schemas.microsoft.com/office/drawing/2010/main">
                 <a:solidFill>
                   <a:schemeClr val="accent1"/>
                 </a:solidFill>
               </a14:hiddenFill>
             </a:ext>
             <a:ext uri="{91240B29-F687-4F45-9708-019B960494DF}">
-              <a14:hiddenLine xmlns="" xmlns:a14="http://schemas.microsoft.com/office/drawing/2010/main" w="9525">
+              <a14:hiddenLine xmlns:a14="http://schemas.microsoft.com/office/drawing/2010/main" w="9525">
                 <a:solidFill>
                   <a:schemeClr val="tx1"/>
                 </a:solidFill>
@@ -12352,7 +12352,7 @@
               </a14:hiddenLine>
             </a:ext>
             <a:ext uri="{AF507438-7753-43E0-B8FC-AC1667EBCBE1}">
-              <a14:hiddenEffects xmlns="" xmlns:a14="http://schemas.microsoft.com/office/drawing/2010/main">
+              <a14:hiddenEffects xmlns:a14="http://schemas.microsoft.com/office/drawing/2010/main">
                 <a:effectLst>
                   <a:outerShdw dist="35921" dir="2700000" algn="ctr" rotWithShape="0">
                     <a:schemeClr val="bg2"/>
@@ -12403,14 +12403,14 @@
           <a:effectLst/>
           <a:extLst>
             <a:ext uri="{909E8E84-426E-40DD-AFC4-6F175D3DCCD1}">
-              <a14:hiddenFill xmlns="" xmlns:a14="http://schemas.microsoft.com/office/drawing/2010/main">
+              <a14:hiddenFill xmlns:a14="http://schemas.microsoft.com/office/drawing/2010/main">
                 <a:solidFill>
                   <a:schemeClr val="accent1"/>
                 </a:solidFill>
               </a14:hiddenFill>
             </a:ext>
             <a:ext uri="{91240B29-F687-4F45-9708-019B960494DF}">
-              <a14:hiddenLine xmlns="" xmlns:a14="http://schemas.microsoft.com/office/drawing/2010/main" w="9525">
+              <a14:hiddenLine xmlns:a14="http://schemas.microsoft.com/office/drawing/2010/main" w="9525">
                 <a:solidFill>
                   <a:schemeClr val="tx1"/>
                 </a:solidFill>
@@ -12420,7 +12420,7 @@
               </a14:hiddenLine>
             </a:ext>
             <a:ext uri="{AF507438-7753-43E0-B8FC-AC1667EBCBE1}">
-              <a14:hiddenEffects xmlns="" xmlns:a14="http://schemas.microsoft.com/office/drawing/2010/main">
+              <a14:hiddenEffects xmlns:a14="http://schemas.microsoft.com/office/drawing/2010/main">
                 <a:effectLst>
                   <a:outerShdw dist="35921" dir="2700000" algn="ctr" rotWithShape="0">
                     <a:schemeClr val="bg2"/>
@@ -12499,14 +12499,14 @@
           <a:effectLst/>
           <a:extLst>
             <a:ext uri="{909E8E84-426E-40DD-AFC4-6F175D3DCCD1}">
-              <a14:hiddenFill xmlns="" xmlns:a14="http://schemas.microsoft.com/office/drawing/2010/main">
+              <a14:hiddenFill xmlns:a14="http://schemas.microsoft.com/office/drawing/2010/main">
                 <a:solidFill>
                   <a:schemeClr val="accent1"/>
                 </a:solidFill>
               </a14:hiddenFill>
             </a:ext>
             <a:ext uri="{91240B29-F687-4F45-9708-019B960494DF}">
-              <a14:hiddenLine xmlns="" xmlns:a14="http://schemas.microsoft.com/office/drawing/2010/main" w="9525">
+              <a14:hiddenLine xmlns:a14="http://schemas.microsoft.com/office/drawing/2010/main" w="9525">
                 <a:solidFill>
                   <a:schemeClr val="tx1"/>
                 </a:solidFill>
@@ -12516,7 +12516,7 @@
               </a14:hiddenLine>
             </a:ext>
             <a:ext uri="{AF507438-7753-43E0-B8FC-AC1667EBCBE1}">
-              <a14:hiddenEffects xmlns="" xmlns:a14="http://schemas.microsoft.com/office/drawing/2010/main">
+              <a14:hiddenEffects xmlns:a14="http://schemas.microsoft.com/office/drawing/2010/main">
                 <a:effectLst>
                   <a:outerShdw dist="35921" dir="2700000" algn="ctr" rotWithShape="0">
                     <a:schemeClr val="bg2"/>
@@ -13051,14 +13051,14 @@
           <a:effectLst/>
           <a:extLst>
             <a:ext uri="{909E8E84-426E-40DD-AFC4-6F175D3DCCD1}">
-              <a14:hiddenFill xmlns="" xmlns:a14="http://schemas.microsoft.com/office/drawing/2010/main">
+              <a14:hiddenFill xmlns:a14="http://schemas.microsoft.com/office/drawing/2010/main">
                 <a:solidFill>
                   <a:schemeClr val="accent1"/>
                 </a:solidFill>
               </a14:hiddenFill>
             </a:ext>
             <a:ext uri="{91240B29-F687-4F45-9708-019B960494DF}">
-              <a14:hiddenLine xmlns="" xmlns:a14="http://schemas.microsoft.com/office/drawing/2010/main" w="9525">
+              <a14:hiddenLine xmlns:a14="http://schemas.microsoft.com/office/drawing/2010/main" w="9525">
                 <a:solidFill>
                   <a:schemeClr val="tx1"/>
                 </a:solidFill>
@@ -13068,7 +13068,7 @@
               </a14:hiddenLine>
             </a:ext>
             <a:ext uri="{AF507438-7753-43E0-B8FC-AC1667EBCBE1}">
-              <a14:hiddenEffects xmlns="" xmlns:a14="http://schemas.microsoft.com/office/drawing/2010/main">
+              <a14:hiddenEffects xmlns:a14="http://schemas.microsoft.com/office/drawing/2010/main">
                 <a:effectLst>
                   <a:outerShdw dist="35921" dir="2700000" algn="ctr" rotWithShape="0">
                     <a:schemeClr val="bg2"/>
@@ -13117,14 +13117,14 @@
           <a:effectLst/>
           <a:extLst>
             <a:ext uri="{909E8E84-426E-40DD-AFC4-6F175D3DCCD1}">
-              <a14:hiddenFill xmlns="" xmlns:a14="http://schemas.microsoft.com/office/drawing/2010/main">
+              <a14:hiddenFill xmlns:a14="http://schemas.microsoft.com/office/drawing/2010/main">
                 <a:solidFill>
                   <a:schemeClr val="accent1"/>
                 </a:solidFill>
               </a14:hiddenFill>
             </a:ext>
             <a:ext uri="{91240B29-F687-4F45-9708-019B960494DF}">
-              <a14:hiddenLine xmlns="" xmlns:a14="http://schemas.microsoft.com/office/drawing/2010/main" w="9525">
+              <a14:hiddenLine xmlns:a14="http://schemas.microsoft.com/office/drawing/2010/main" w="9525">
                 <a:solidFill>
                   <a:schemeClr val="tx1"/>
                 </a:solidFill>
@@ -13134,7 +13134,7 @@
               </a14:hiddenLine>
             </a:ext>
             <a:ext uri="{AF507438-7753-43E0-B8FC-AC1667EBCBE1}">
-              <a14:hiddenEffects xmlns="" xmlns:a14="http://schemas.microsoft.com/office/drawing/2010/main">
+              <a14:hiddenEffects xmlns:a14="http://schemas.microsoft.com/office/drawing/2010/main">
                 <a:effectLst>
                   <a:outerShdw dist="35921" dir="2700000" algn="ctr" rotWithShape="0">
                     <a:schemeClr val="bg2"/>
@@ -13603,14 +13603,14 @@
           <a:ln/>
           <a:extLst>
             <a:ext uri="{909E8E84-426E-40DD-AFC4-6F175D3DCCD1}">
-              <a14:hiddenFill xmlns="" xmlns:a14="http://schemas.microsoft.com/office/drawing/2010/main">
+              <a14:hiddenFill xmlns:a14="http://schemas.microsoft.com/office/drawing/2010/main">
                 <a:solidFill>
                   <a:srgbClr val="FFFFFF"/>
                 </a:solidFill>
               </a14:hiddenFill>
             </a:ext>
             <a:ext uri="{91240B29-F687-4F45-9708-019B960494DF}">
-              <a14:hiddenLine xmlns="" xmlns:a14="http://schemas.microsoft.com/office/drawing/2010/main" w="9525">
+              <a14:hiddenLine xmlns:a14="http://schemas.microsoft.com/office/drawing/2010/main" w="9525">
                 <a:solidFill>
                   <a:srgbClr val="000000"/>
                 </a:solidFill>
@@ -13755,11 +13755,11 @@
               <a:rPr lang="en-US" sz="2400" dirty="0"/>
             </a:br>
             <a:r>
-              <a:rPr lang="en-US" sz="2400" dirty="0" err="1"/>
-              <a:t>Goutham</a:t>
-            </a:r>
-            <a:r>
-              <a:rPr lang="en-US" sz="2400" dirty="0"/>
+              <a:rPr lang="en-US" sz="2400" smtClean="0"/>
+              <a:t>Gautham</a:t>
+            </a:r>
+            <a:r>
+              <a:rPr lang="en-US" sz="2400" dirty="0" smtClean="0"/>
               <a:t> </a:t>
             </a:r>
             <a:r>
@@ -13896,14 +13896,14 @@
           <a:effectLst/>
           <a:extLst>
             <a:ext uri="{909E8E84-426E-40DD-AFC4-6F175D3DCCD1}">
-              <a14:hiddenFill xmlns="" xmlns:a14="http://schemas.microsoft.com/office/drawing/2010/main">
+              <a14:hiddenFill xmlns:a14="http://schemas.microsoft.com/office/drawing/2010/main">
                 <a:solidFill>
                   <a:schemeClr val="accent1"/>
                 </a:solidFill>
               </a14:hiddenFill>
             </a:ext>
             <a:ext uri="{91240B29-F687-4F45-9708-019B960494DF}">
-              <a14:hiddenLine xmlns="" xmlns:a14="http://schemas.microsoft.com/office/drawing/2010/main" w="9525">
+              <a14:hiddenLine xmlns:a14="http://schemas.microsoft.com/office/drawing/2010/main" w="9525">
                 <a:solidFill>
                   <a:schemeClr val="tx1"/>
                 </a:solidFill>
@@ -13913,7 +13913,7 @@
               </a14:hiddenLine>
             </a:ext>
             <a:ext uri="{AF507438-7753-43E0-B8FC-AC1667EBCBE1}">
-              <a14:hiddenEffects xmlns="" xmlns:a14="http://schemas.microsoft.com/office/drawing/2010/main">
+              <a14:hiddenEffects xmlns:a14="http://schemas.microsoft.com/office/drawing/2010/main">
                 <a:effectLst>
                   <a:outerShdw dist="35921" dir="2700000" algn="ctr" rotWithShape="0">
                     <a:schemeClr val="bg2"/>
@@ -14076,14 +14076,14 @@
           <a:ln/>
           <a:extLst>
             <a:ext uri="{909E8E84-426E-40DD-AFC4-6F175D3DCCD1}">
-              <a14:hiddenFill xmlns="" xmlns:a14="http://schemas.microsoft.com/office/drawing/2010/main">
+              <a14:hiddenFill xmlns:a14="http://schemas.microsoft.com/office/drawing/2010/main">
                 <a:solidFill>
                   <a:schemeClr val="accent1"/>
                 </a:solidFill>
               </a14:hiddenFill>
             </a:ext>
             <a:ext uri="{91240B29-F687-4F45-9708-019B960494DF}">
-              <a14:hiddenLine xmlns="" xmlns:a14="http://schemas.microsoft.com/office/drawing/2010/main" w="9525">
+              <a14:hiddenLine xmlns:a14="http://schemas.microsoft.com/office/drawing/2010/main" w="9525">
                 <a:solidFill>
                   <a:schemeClr val="tx1"/>
                 </a:solidFill>
@@ -14093,7 +14093,7 @@
               </a14:hiddenLine>
             </a:ext>
             <a:ext uri="{AF507438-7753-43E0-B8FC-AC1667EBCBE1}">
-              <a14:hiddenEffects xmlns="" xmlns:a14="http://schemas.microsoft.com/office/drawing/2010/main">
+              <a14:hiddenEffects xmlns:a14="http://schemas.microsoft.com/office/drawing/2010/main">
                 <a:effectLst>
                   <a:outerShdw dist="35921" dir="2700000" algn="ctr" rotWithShape="0">
                     <a:schemeClr val="bg2"/>
@@ -14133,7 +14133,7 @@
     </p:spTree>
     <p:extLst>
       <p:ext uri="{BB962C8B-B14F-4D97-AF65-F5344CB8AC3E}">
-        <p14:creationId xmlns="" xmlns:p14="http://schemas.microsoft.com/office/powerpoint/2010/main" val="2896510169"/>
+        <p14:creationId xmlns:p14="http://schemas.microsoft.com/office/powerpoint/2010/main" val="2896510169"/>
       </p:ext>
     </p:extLst>
   </p:cSld>
@@ -14340,7 +14340,7 @@
     </p:spTree>
     <p:extLst>
       <p:ext uri="{BB962C8B-B14F-4D97-AF65-F5344CB8AC3E}">
-        <p14:creationId xmlns="" xmlns:p14="http://schemas.microsoft.com/office/powerpoint/2010/main" val="2429929950"/>
+        <p14:creationId xmlns:p14="http://schemas.microsoft.com/office/powerpoint/2010/main" val="2429929950"/>
       </p:ext>
     </p:extLst>
   </p:cSld>
@@ -14393,14 +14393,14 @@
           <a:ln/>
           <a:extLst>
             <a:ext uri="{909E8E84-426E-40DD-AFC4-6F175D3DCCD1}">
-              <a14:hiddenFill xmlns="" xmlns:a14="http://schemas.microsoft.com/office/drawing/2010/main">
+              <a14:hiddenFill xmlns:a14="http://schemas.microsoft.com/office/drawing/2010/main">
                 <a:solidFill>
                   <a:schemeClr val="accent1"/>
                 </a:solidFill>
               </a14:hiddenFill>
             </a:ext>
             <a:ext uri="{91240B29-F687-4F45-9708-019B960494DF}">
-              <a14:hiddenLine xmlns="" xmlns:a14="http://schemas.microsoft.com/office/drawing/2010/main" w="9525">
+              <a14:hiddenLine xmlns:a14="http://schemas.microsoft.com/office/drawing/2010/main" w="9525">
                 <a:solidFill>
                   <a:schemeClr val="tx1"/>
                 </a:solidFill>
@@ -14410,7 +14410,7 @@
               </a14:hiddenLine>
             </a:ext>
             <a:ext uri="{AF507438-7753-43E0-B8FC-AC1667EBCBE1}">
-              <a14:hiddenEffects xmlns="" xmlns:a14="http://schemas.microsoft.com/office/drawing/2010/main">
+              <a14:hiddenEffects xmlns:a14="http://schemas.microsoft.com/office/drawing/2010/main">
                 <a:effectLst>
                   <a:outerShdw dist="35921" dir="2700000" algn="ctr" rotWithShape="0">
                     <a:schemeClr val="bg2"/>
@@ -14620,7 +14620,7 @@
     </p:spTree>
     <p:extLst>
       <p:ext uri="{BB962C8B-B14F-4D97-AF65-F5344CB8AC3E}">
-        <p14:creationId xmlns="" xmlns:p14="http://schemas.microsoft.com/office/powerpoint/2010/main" val="764352400"/>
+        <p14:creationId xmlns:p14="http://schemas.microsoft.com/office/powerpoint/2010/main" val="764352400"/>
       </p:ext>
     </p:extLst>
   </p:cSld>
@@ -14762,14 +14762,14 @@
           <a:effectLst/>
           <a:extLst>
             <a:ext uri="{909E8E84-426E-40DD-AFC4-6F175D3DCCD1}">
-              <a14:hiddenFill xmlns="" xmlns:a14="http://schemas.microsoft.com/office/drawing/2010/main">
+              <a14:hiddenFill xmlns:a14="http://schemas.microsoft.com/office/drawing/2010/main">
                 <a:solidFill>
                   <a:srgbClr val="FFFFFF"/>
                 </a:solidFill>
               </a14:hiddenFill>
             </a:ext>
             <a:ext uri="{AF507438-7753-43E0-B8FC-AC1667EBCBE1}">
-              <a14:hiddenEffects xmlns="" xmlns:a14="http://schemas.microsoft.com/office/drawing/2010/main">
+              <a14:hiddenEffects xmlns:a14="http://schemas.microsoft.com/office/drawing/2010/main">
                 <a:effectLst>
                   <a:outerShdw dist="35921" dir="2700000" algn="ctr" rotWithShape="0">
                     <a:srgbClr val="808080"/>
@@ -14843,14 +14843,14 @@
           <a:effectLst/>
           <a:extLst>
             <a:ext uri="{909E8E84-426E-40DD-AFC4-6F175D3DCCD1}">
-              <a14:hiddenFill xmlns="" xmlns:a14="http://schemas.microsoft.com/office/drawing/2010/main">
+              <a14:hiddenFill xmlns:a14="http://schemas.microsoft.com/office/drawing/2010/main">
                 <a:solidFill>
                   <a:srgbClr val="FFFFFF"/>
                 </a:solidFill>
               </a14:hiddenFill>
             </a:ext>
             <a:ext uri="{AF507438-7753-43E0-B8FC-AC1667EBCBE1}">
-              <a14:hiddenEffects xmlns="" xmlns:a14="http://schemas.microsoft.com/office/drawing/2010/main">
+              <a14:hiddenEffects xmlns:a14="http://schemas.microsoft.com/office/drawing/2010/main">
                 <a:effectLst>
                   <a:outerShdw dist="35921" dir="2700000" algn="ctr" rotWithShape="0">
                     <a:srgbClr val="808080"/>
@@ -14918,14 +14918,14 @@
           <a:effectLst/>
           <a:extLst>
             <a:ext uri="{909E8E84-426E-40DD-AFC4-6F175D3DCCD1}">
-              <a14:hiddenFill xmlns="" xmlns:a14="http://schemas.microsoft.com/office/drawing/2010/main">
+              <a14:hiddenFill xmlns:a14="http://schemas.microsoft.com/office/drawing/2010/main">
                 <a:solidFill>
                   <a:srgbClr val="FFFFFF"/>
                 </a:solidFill>
               </a14:hiddenFill>
             </a:ext>
             <a:ext uri="{AF507438-7753-43E0-B8FC-AC1667EBCBE1}">
-              <a14:hiddenEffects xmlns="" xmlns:a14="http://schemas.microsoft.com/office/drawing/2010/main">
+              <a14:hiddenEffects xmlns:a14="http://schemas.microsoft.com/office/drawing/2010/main">
                 <a:effectLst>
                   <a:outerShdw dist="35921" dir="2700000" algn="ctr" rotWithShape="0">
                     <a:srgbClr val="808080"/>
@@ -14999,14 +14999,14 @@
           <a:effectLst/>
           <a:extLst>
             <a:ext uri="{909E8E84-426E-40DD-AFC4-6F175D3DCCD1}">
-              <a14:hiddenFill xmlns="" xmlns:a14="http://schemas.microsoft.com/office/drawing/2010/main">
+              <a14:hiddenFill xmlns:a14="http://schemas.microsoft.com/office/drawing/2010/main">
                 <a:solidFill>
                   <a:srgbClr val="FFFFFF"/>
                 </a:solidFill>
               </a14:hiddenFill>
             </a:ext>
             <a:ext uri="{AF507438-7753-43E0-B8FC-AC1667EBCBE1}">
-              <a14:hiddenEffects xmlns="" xmlns:a14="http://schemas.microsoft.com/office/drawing/2010/main">
+              <a14:hiddenEffects xmlns:a14="http://schemas.microsoft.com/office/drawing/2010/main">
                 <a:effectLst>
                   <a:outerShdw dist="35921" dir="2700000" algn="ctr" rotWithShape="0">
                     <a:srgbClr val="808080"/>
@@ -15113,7 +15113,7 @@
     </p:spTree>
     <p:extLst>
       <p:ext uri="{BB962C8B-B14F-4D97-AF65-F5344CB8AC3E}">
-        <p14:creationId xmlns="" xmlns:p14="http://schemas.microsoft.com/office/powerpoint/2010/main" val="2501871751"/>
+        <p14:creationId xmlns:p14="http://schemas.microsoft.com/office/powerpoint/2010/main" val="2501871751"/>
       </p:ext>
     </p:extLst>
   </p:cSld>
@@ -15166,14 +15166,14 @@
           <a:ln/>
           <a:extLst>
             <a:ext uri="{909E8E84-426E-40DD-AFC4-6F175D3DCCD1}">
-              <a14:hiddenFill xmlns="" xmlns:a14="http://schemas.microsoft.com/office/drawing/2010/main">
+              <a14:hiddenFill xmlns:a14="http://schemas.microsoft.com/office/drawing/2010/main">
                 <a:solidFill>
                   <a:schemeClr val="accent1"/>
                 </a:solidFill>
               </a14:hiddenFill>
             </a:ext>
             <a:ext uri="{91240B29-F687-4F45-9708-019B960494DF}">
-              <a14:hiddenLine xmlns="" xmlns:a14="http://schemas.microsoft.com/office/drawing/2010/main" w="9525">
+              <a14:hiddenLine xmlns:a14="http://schemas.microsoft.com/office/drawing/2010/main" w="9525">
                 <a:solidFill>
                   <a:schemeClr val="tx1"/>
                 </a:solidFill>
@@ -15183,7 +15183,7 @@
               </a14:hiddenLine>
             </a:ext>
             <a:ext uri="{AF507438-7753-43E0-B8FC-AC1667EBCBE1}">
-              <a14:hiddenEffects xmlns="" xmlns:a14="http://schemas.microsoft.com/office/drawing/2010/main">
+              <a14:hiddenEffects xmlns:a14="http://schemas.microsoft.com/office/drawing/2010/main">
                 <a:effectLst>
                   <a:outerShdw dist="35921" dir="2700000" algn="ctr" rotWithShape="0">
                     <a:schemeClr val="bg2"/>
@@ -15372,7 +15372,7 @@
     </p:spTree>
     <p:extLst>
       <p:ext uri="{BB962C8B-B14F-4D97-AF65-F5344CB8AC3E}">
-        <p14:creationId xmlns="" xmlns:p14="http://schemas.microsoft.com/office/powerpoint/2010/main" val="4053586189"/>
+        <p14:creationId xmlns:p14="http://schemas.microsoft.com/office/powerpoint/2010/main" val="4053586189"/>
       </p:ext>
     </p:extLst>
   </p:cSld>
@@ -15420,7 +15420,7 @@
           <a:blip r:embed="rId2" cstate="print">
             <a:extLst>
               <a:ext uri="{28A0092B-C50C-407E-A947-70E740481C1C}">
-                <a14:useLocalDpi xmlns="" xmlns:a14="http://schemas.microsoft.com/office/drawing/2010/main" val="0"/>
+                <a14:useLocalDpi xmlns:a14="http://schemas.microsoft.com/office/drawing/2010/main" val="0"/>
               </a:ext>
             </a:extLst>
           </a:blip>
@@ -15476,7 +15476,7 @@
     </p:spTree>
     <p:extLst>
       <p:ext uri="{BB962C8B-B14F-4D97-AF65-F5344CB8AC3E}">
-        <p14:creationId xmlns="" xmlns:p14="http://schemas.microsoft.com/office/powerpoint/2010/main" val="2459363644"/>
+        <p14:creationId xmlns:p14="http://schemas.microsoft.com/office/powerpoint/2010/main" val="2459363644"/>
       </p:ext>
     </p:extLst>
   </p:cSld>
@@ -15669,7 +15669,7 @@
     </p:spTree>
     <p:extLst>
       <p:ext uri="{BB962C8B-B14F-4D97-AF65-F5344CB8AC3E}">
-        <p14:creationId xmlns="" xmlns:p14="http://schemas.microsoft.com/office/powerpoint/2010/main" val="3537114441"/>
+        <p14:creationId xmlns:p14="http://schemas.microsoft.com/office/powerpoint/2010/main" val="3537114441"/>
       </p:ext>
     </p:extLst>
   </p:cSld>
@@ -16020,7 +16020,7 @@
     </p:spTree>
     <p:extLst>
       <p:ext uri="{BB962C8B-B14F-4D97-AF65-F5344CB8AC3E}">
-        <p14:creationId xmlns="" xmlns:p14="http://schemas.microsoft.com/office/powerpoint/2010/main" val="2258079724"/>
+        <p14:creationId xmlns:p14="http://schemas.microsoft.com/office/powerpoint/2010/main" val="2258079724"/>
       </p:ext>
     </p:extLst>
   </p:cSld>
@@ -16433,7 +16433,7 @@
     </p:spTree>
     <p:extLst>
       <p:ext uri="{BB962C8B-B14F-4D97-AF65-F5344CB8AC3E}">
-        <p14:creationId xmlns="" xmlns:p14="http://schemas.microsoft.com/office/powerpoint/2010/main" val="1848986639"/>
+        <p14:creationId xmlns:p14="http://schemas.microsoft.com/office/powerpoint/2010/main" val="1848986639"/>
       </p:ext>
     </p:extLst>
   </p:cSld>
@@ -16509,7 +16509,7 @@
     </p:spTree>
     <p:extLst>
       <p:ext uri="{BB962C8B-B14F-4D97-AF65-F5344CB8AC3E}">
-        <p14:creationId xmlns="" xmlns:p14="http://schemas.microsoft.com/office/powerpoint/2010/main" val="268338712"/>
+        <p14:creationId xmlns:p14="http://schemas.microsoft.com/office/powerpoint/2010/main" val="268338712"/>
       </p:ext>
     </p:extLst>
   </p:cSld>
@@ -16566,14 +16566,14 @@
           <a:effectLst/>
           <a:extLst>
             <a:ext uri="{909E8E84-426E-40DD-AFC4-6F175D3DCCD1}">
-              <a14:hiddenFill xmlns="" xmlns:a14="http://schemas.microsoft.com/office/drawing/2010/main">
+              <a14:hiddenFill xmlns:a14="http://schemas.microsoft.com/office/drawing/2010/main">
                 <a:solidFill>
                   <a:schemeClr val="accent1"/>
                 </a:solidFill>
               </a14:hiddenFill>
             </a:ext>
             <a:ext uri="{91240B29-F687-4F45-9708-019B960494DF}">
-              <a14:hiddenLine xmlns="" xmlns:a14="http://schemas.microsoft.com/office/drawing/2010/main" w="9525">
+              <a14:hiddenLine xmlns:a14="http://schemas.microsoft.com/office/drawing/2010/main" w="9525">
                 <a:solidFill>
                   <a:schemeClr val="tx1"/>
                 </a:solidFill>
@@ -16583,7 +16583,7 @@
               </a14:hiddenLine>
             </a:ext>
             <a:ext uri="{AF507438-7753-43E0-B8FC-AC1667EBCBE1}">
-              <a14:hiddenEffects xmlns="" xmlns:a14="http://schemas.microsoft.com/office/drawing/2010/main">
+              <a14:hiddenEffects xmlns:a14="http://schemas.microsoft.com/office/drawing/2010/main">
                 <a:effectLst>
                   <a:outerShdw dist="35921" dir="2700000" algn="ctr" rotWithShape="0">
                     <a:schemeClr val="bg2"/>
@@ -16681,14 +16681,14 @@
           <a:ln/>
           <a:extLst>
             <a:ext uri="{909E8E84-426E-40DD-AFC4-6F175D3DCCD1}">
-              <a14:hiddenFill xmlns="" xmlns:a14="http://schemas.microsoft.com/office/drawing/2010/main">
+              <a14:hiddenFill xmlns:a14="http://schemas.microsoft.com/office/drawing/2010/main">
                 <a:solidFill>
                   <a:schemeClr val="accent1"/>
                 </a:solidFill>
               </a14:hiddenFill>
             </a:ext>
             <a:ext uri="{91240B29-F687-4F45-9708-019B960494DF}">
-              <a14:hiddenLine xmlns="" xmlns:a14="http://schemas.microsoft.com/office/drawing/2010/main" w="9525">
+              <a14:hiddenLine xmlns:a14="http://schemas.microsoft.com/office/drawing/2010/main" w="9525">
                 <a:solidFill>
                   <a:schemeClr val="tx1"/>
                 </a:solidFill>
@@ -16698,7 +16698,7 @@
               </a14:hiddenLine>
             </a:ext>
             <a:ext uri="{AF507438-7753-43E0-B8FC-AC1667EBCBE1}">
-              <a14:hiddenEffects xmlns="" xmlns:a14="http://schemas.microsoft.com/office/drawing/2010/main">
+              <a14:hiddenEffects xmlns:a14="http://schemas.microsoft.com/office/drawing/2010/main">
                 <a:effectLst>
                   <a:outerShdw dist="35921" dir="2700000" algn="ctr" rotWithShape="0">
                     <a:schemeClr val="bg2"/>
@@ -16850,14 +16850,14 @@
           <a:effectLst/>
           <a:extLst>
             <a:ext uri="{909E8E84-426E-40DD-AFC4-6F175D3DCCD1}">
-              <a14:hiddenFill xmlns="" xmlns:a14="http://schemas.microsoft.com/office/drawing/2010/main">
+              <a14:hiddenFill xmlns:a14="http://schemas.microsoft.com/office/drawing/2010/main">
                 <a:solidFill>
                   <a:schemeClr val="accent1"/>
                 </a:solidFill>
               </a14:hiddenFill>
             </a:ext>
             <a:ext uri="{91240B29-F687-4F45-9708-019B960494DF}">
-              <a14:hiddenLine xmlns="" xmlns:a14="http://schemas.microsoft.com/office/drawing/2010/main" w="9525">
+              <a14:hiddenLine xmlns:a14="http://schemas.microsoft.com/office/drawing/2010/main" w="9525">
                 <a:solidFill>
                   <a:schemeClr val="tx1"/>
                 </a:solidFill>
@@ -16867,7 +16867,7 @@
               </a14:hiddenLine>
             </a:ext>
             <a:ext uri="{AF507438-7753-43E0-B8FC-AC1667EBCBE1}">
-              <a14:hiddenEffects xmlns="" xmlns:a14="http://schemas.microsoft.com/office/drawing/2010/main">
+              <a14:hiddenEffects xmlns:a14="http://schemas.microsoft.com/office/drawing/2010/main">
                 <a:effectLst>
                   <a:outerShdw dist="35921" dir="2700000" algn="ctr" rotWithShape="0">
                     <a:schemeClr val="bg2"/>
@@ -17352,7 +17352,7 @@
     </p:spTree>
     <p:extLst>
       <p:ext uri="{BB962C8B-B14F-4D97-AF65-F5344CB8AC3E}">
-        <p14:creationId xmlns="" xmlns:p14="http://schemas.microsoft.com/office/powerpoint/2010/main" val="3938347196"/>
+        <p14:creationId xmlns:p14="http://schemas.microsoft.com/office/powerpoint/2010/main" val="3938347196"/>
       </p:ext>
     </p:extLst>
   </p:cSld>
@@ -17396,7 +17396,7 @@
             <p:ph idx="1"/>
             <p:extLst>
               <p:ext uri="{D42A27DB-BD31-4B8C-83A1-F6EECF244321}">
-                <p14:modId xmlns="" xmlns:p14="http://schemas.microsoft.com/office/powerpoint/2010/main" val="3545614197"/>
+                <p14:modId xmlns:p14="http://schemas.microsoft.com/office/powerpoint/2010/main" val="3545614197"/>
               </p:ext>
             </p:extLst>
           </p:nvPr>
@@ -17418,7 +17418,7 @@
           <p:nvPr>
             <p:extLst>
               <p:ext uri="{D42A27DB-BD31-4B8C-83A1-F6EECF244321}">
-                <p14:modId xmlns="" xmlns:p14="http://schemas.microsoft.com/office/powerpoint/2010/main" val="3850816241"/>
+                <p14:modId xmlns:p14="http://schemas.microsoft.com/office/powerpoint/2010/main" val="3850816241"/>
               </p:ext>
             </p:extLst>
           </p:nvPr>
@@ -17440,7 +17440,7 @@
           <p:nvPr>
             <p:extLst>
               <p:ext uri="{D42A27DB-BD31-4B8C-83A1-F6EECF244321}">
-                <p14:modId xmlns="" xmlns:p14="http://schemas.microsoft.com/office/powerpoint/2010/main" val="553989372"/>
+                <p14:modId xmlns:p14="http://schemas.microsoft.com/office/powerpoint/2010/main" val="553989372"/>
               </p:ext>
             </p:extLst>
           </p:nvPr>
@@ -17665,7 +17665,7 @@
     </p:spTree>
     <p:extLst>
       <p:ext uri="{BB962C8B-B14F-4D97-AF65-F5344CB8AC3E}">
-        <p14:creationId xmlns="" xmlns:p14="http://schemas.microsoft.com/office/powerpoint/2010/main" val="3459513994"/>
+        <p14:creationId xmlns:p14="http://schemas.microsoft.com/office/powerpoint/2010/main" val="3459513994"/>
       </p:ext>
     </p:extLst>
   </p:cSld>
@@ -17722,14 +17722,14 @@
           <a:effectLst/>
           <a:extLst>
             <a:ext uri="{909E8E84-426E-40DD-AFC4-6F175D3DCCD1}">
-              <a14:hiddenFill xmlns="" xmlns:a14="http://schemas.microsoft.com/office/drawing/2010/main">
+              <a14:hiddenFill xmlns:a14="http://schemas.microsoft.com/office/drawing/2010/main">
                 <a:solidFill>
                   <a:schemeClr val="accent1"/>
                 </a:solidFill>
               </a14:hiddenFill>
             </a:ext>
             <a:ext uri="{91240B29-F687-4F45-9708-019B960494DF}">
-              <a14:hiddenLine xmlns="" xmlns:a14="http://schemas.microsoft.com/office/drawing/2010/main" w="9525">
+              <a14:hiddenLine xmlns:a14="http://schemas.microsoft.com/office/drawing/2010/main" w="9525">
                 <a:solidFill>
                   <a:schemeClr val="tx1"/>
                 </a:solidFill>
@@ -17739,7 +17739,7 @@
               </a14:hiddenLine>
             </a:ext>
             <a:ext uri="{AF507438-7753-43E0-B8FC-AC1667EBCBE1}">
-              <a14:hiddenEffects xmlns="" xmlns:a14="http://schemas.microsoft.com/office/drawing/2010/main">
+              <a14:hiddenEffects xmlns:a14="http://schemas.microsoft.com/office/drawing/2010/main">
                 <a:effectLst>
                   <a:outerShdw dist="35921" dir="2700000" algn="ctr" rotWithShape="0">
                     <a:schemeClr val="bg2"/>
@@ -17803,14 +17803,14 @@
           <a:ln/>
           <a:extLst>
             <a:ext uri="{909E8E84-426E-40DD-AFC4-6F175D3DCCD1}">
-              <a14:hiddenFill xmlns="" xmlns:a14="http://schemas.microsoft.com/office/drawing/2010/main">
+              <a14:hiddenFill xmlns:a14="http://schemas.microsoft.com/office/drawing/2010/main">
                 <a:solidFill>
                   <a:schemeClr val="accent1"/>
                 </a:solidFill>
               </a14:hiddenFill>
             </a:ext>
             <a:ext uri="{91240B29-F687-4F45-9708-019B960494DF}">
-              <a14:hiddenLine xmlns="" xmlns:a14="http://schemas.microsoft.com/office/drawing/2010/main" w="9525">
+              <a14:hiddenLine xmlns:a14="http://schemas.microsoft.com/office/drawing/2010/main" w="9525">
                 <a:solidFill>
                   <a:schemeClr val="tx1"/>
                 </a:solidFill>
@@ -17820,7 +17820,7 @@
               </a14:hiddenLine>
             </a:ext>
             <a:ext uri="{AF507438-7753-43E0-B8FC-AC1667EBCBE1}">
-              <a14:hiddenEffects xmlns="" xmlns:a14="http://schemas.microsoft.com/office/drawing/2010/main">
+              <a14:hiddenEffects xmlns:a14="http://schemas.microsoft.com/office/drawing/2010/main">
                 <a:effectLst>
                   <a:outerShdw dist="35921" dir="2700000" algn="ctr" rotWithShape="0">
                     <a:schemeClr val="bg2"/>
@@ -17992,7 +17992,7 @@
     </p:spTree>
     <p:extLst>
       <p:ext uri="{BB962C8B-B14F-4D97-AF65-F5344CB8AC3E}">
-        <p14:creationId xmlns="" xmlns:p14="http://schemas.microsoft.com/office/powerpoint/2010/main" val="2361427633"/>
+        <p14:creationId xmlns:p14="http://schemas.microsoft.com/office/powerpoint/2010/main" val="2361427633"/>
       </p:ext>
     </p:extLst>
   </p:cSld>
@@ -18541,14 +18541,14 @@
         <a:effectLst/>
         <a:extLst>
           <a:ext uri="{909E8E84-426E-40DD-AFC4-6F175D3DCCD1}">
-            <a14:hiddenFill xmlns="" xmlns:a14="http://schemas.microsoft.com/office/drawing/2010/main">
+            <a14:hiddenFill xmlns:a14="http://schemas.microsoft.com/office/drawing/2010/main">
               <a:solidFill>
                 <a:srgbClr val="FFFFFF"/>
               </a:solidFill>
             </a14:hiddenFill>
           </a:ext>
           <a:ext uri="{AF507438-7753-43E0-B8FC-AC1667EBCBE1}">
-            <a14:hiddenEffects xmlns="" xmlns:a14="http://schemas.microsoft.com/office/drawing/2010/main">
+            <a14:hiddenEffects xmlns:a14="http://schemas.microsoft.com/office/drawing/2010/main">
               <a:effectLst>
                 <a:outerShdw dist="35921" dir="2700000" algn="ctr" rotWithShape="0">
                   <a:srgbClr val="808080"/>
@@ -18619,14 +18619,14 @@
         <a:effectLst/>
         <a:extLst>
           <a:ext uri="{909E8E84-426E-40DD-AFC4-6F175D3DCCD1}">
-            <a14:hiddenFill xmlns="" xmlns:a14="http://schemas.microsoft.com/office/drawing/2010/main">
+            <a14:hiddenFill xmlns:a14="http://schemas.microsoft.com/office/drawing/2010/main">
               <a:solidFill>
                 <a:srgbClr val="FFFFFF"/>
               </a:solidFill>
             </a14:hiddenFill>
           </a:ext>
           <a:ext uri="{AF507438-7753-43E0-B8FC-AC1667EBCBE1}">
-            <a14:hiddenEffects xmlns="" xmlns:a14="http://schemas.microsoft.com/office/drawing/2010/main">
+            <a14:hiddenEffects xmlns:a14="http://schemas.microsoft.com/office/drawing/2010/main">
               <a:effectLst>
                 <a:outerShdw dist="35921" dir="2700000" algn="ctr" rotWithShape="0">
                   <a:srgbClr val="808080"/>
@@ -18962,7 +18962,7 @@
   </a:extraClrSchemeLst>
   <a:extLst>
     <a:ext uri="{05A4C25C-085E-4340-85A3-A5531E510DB2}">
-      <thm15:themeFamily xmlns="" xmlns:thm15="http://schemas.microsoft.com/office/thememl/2012/main" name="Office Theme" id="{62F939B6-93AF-4DB8-9C6B-D6C7DFDC589F}" vid="{4A3C46E8-61CC-4603-A589-7422A47A8E4A}"/>
+      <thm15:themeFamily xmlns:thm15="http://schemas.microsoft.com/office/thememl/2012/main" name="Office Theme" id="{62F939B6-93AF-4DB8-9C6B-D6C7DFDC589F}" vid="{4A3C46E8-61CC-4603-A589-7422A47A8E4A}"/>
     </a:ext>
   </a:extLst>
 </a:theme>
@@ -19187,14 +19187,14 @@
         <a:effectLst/>
         <a:extLst>
           <a:ext uri="{909E8E84-426E-40DD-AFC4-6F175D3DCCD1}">
-            <a14:hiddenFill xmlns="" xmlns:a14="http://schemas.microsoft.com/office/drawing/2010/main">
+            <a14:hiddenFill xmlns:a14="http://schemas.microsoft.com/office/drawing/2010/main">
               <a:solidFill>
                 <a:srgbClr val="FFFFFF"/>
               </a:solidFill>
             </a14:hiddenFill>
           </a:ext>
           <a:ext uri="{AF507438-7753-43E0-B8FC-AC1667EBCBE1}">
-            <a14:hiddenEffects xmlns="" xmlns:a14="http://schemas.microsoft.com/office/drawing/2010/main">
+            <a14:hiddenEffects xmlns:a14="http://schemas.microsoft.com/office/drawing/2010/main">
               <a:effectLst>
                 <a:outerShdw dist="35921" dir="2700000" algn="ctr" rotWithShape="0">
                   <a:srgbClr val="808080"/>
@@ -19265,14 +19265,14 @@
         <a:effectLst/>
         <a:extLst>
           <a:ext uri="{909E8E84-426E-40DD-AFC4-6F175D3DCCD1}">
-            <a14:hiddenFill xmlns="" xmlns:a14="http://schemas.microsoft.com/office/drawing/2010/main">
+            <a14:hiddenFill xmlns:a14="http://schemas.microsoft.com/office/drawing/2010/main">
               <a:solidFill>
                 <a:srgbClr val="FFFFFF"/>
               </a:solidFill>
             </a14:hiddenFill>
           </a:ext>
           <a:ext uri="{AF507438-7753-43E0-B8FC-AC1667EBCBE1}">
-            <a14:hiddenEffects xmlns="" xmlns:a14="http://schemas.microsoft.com/office/drawing/2010/main">
+            <a14:hiddenEffects xmlns:a14="http://schemas.microsoft.com/office/drawing/2010/main">
               <a:effectLst>
                 <a:outerShdw dist="35921" dir="2700000" algn="ctr" rotWithShape="0">
                   <a:srgbClr val="808080"/>
@@ -19813,7 +19813,7 @@
   </a:extraClrSchemeLst>
   <a:extLst>
     <a:ext uri="{05A4C25C-085E-4340-85A3-A5531E510DB2}">
-      <thm15:themeFamily xmlns="" xmlns:thm15="http://schemas.microsoft.com/office/thememl/2012/main" name="Office Theme" id="{62F939B6-93AF-4DB8-9C6B-D6C7DFDC589F}" vid="{4A3C46E8-61CC-4603-A589-7422A47A8E4A}"/>
+      <thm15:themeFamily xmlns:thm15="http://schemas.microsoft.com/office/thememl/2012/main" name="Office Theme" id="{62F939B6-93AF-4DB8-9C6B-D6C7DFDC589F}" vid="{4A3C46E8-61CC-4603-A589-7422A47A8E4A}"/>
     </a:ext>
   </a:extLst>
 </a:theme>
@@ -20074,7 +20074,7 @@
   <a:extraClrSchemeLst/>
   <a:extLst>
     <a:ext uri="{05A4C25C-085E-4340-85A3-A5531E510DB2}">
-      <thm15:themeFamily xmlns="" xmlns:thm15="http://schemas.microsoft.com/office/thememl/2012/main" name="Office Theme" id="{62F939B6-93AF-4DB8-9C6B-D6C7DFDC589F}" vid="{4A3C46E8-61CC-4603-A589-7422A47A8E4A}"/>
+      <thm15:themeFamily xmlns:thm15="http://schemas.microsoft.com/office/thememl/2012/main" name="Office Theme" id="{62F939B6-93AF-4DB8-9C6B-D6C7DFDC589F}" vid="{4A3C46E8-61CC-4603-A589-7422A47A8E4A}"/>
     </a:ext>
   </a:extLst>
 </a:theme>
@@ -20335,7 +20335,7 @@
   <a:extraClrSchemeLst/>
   <a:extLst>
     <a:ext uri="{05A4C25C-085E-4340-85A3-A5531E510DB2}">
-      <thm15:themeFamily xmlns="" xmlns:thm15="http://schemas.microsoft.com/office/thememl/2012/main" name="Office Theme" id="{62F939B6-93AF-4DB8-9C6B-D6C7DFDC589F}" vid="{4A3C46E8-61CC-4603-A589-7422A47A8E4A}"/>
+      <thm15:themeFamily xmlns:thm15="http://schemas.microsoft.com/office/thememl/2012/main" name="Office Theme" id="{62F939B6-93AF-4DB8-9C6B-D6C7DFDC589F}" vid="{4A3C46E8-61CC-4603-A589-7422A47A8E4A}"/>
     </a:ext>
   </a:extLst>
 </a:theme>
